--- a/presentation/Presentation.pptx
+++ b/presentation/Presentation.pptx
@@ -4,6 +4,9 @@
   <p:sldMasterIdLst>
     <p:sldMasterId id="2147483648" r:id="rId1"/>
   </p:sldMasterIdLst>
+  <p:notesMasterIdLst>
+    <p:notesMasterId r:id="rId28"/>
+  </p:notesMasterIdLst>
   <p:sldIdLst>
     <p:sldId id="256" r:id="rId2"/>
     <p:sldId id="257" r:id="rId3"/>
@@ -13,15 +16,24 @@
     <p:sldId id="267" r:id="rId7"/>
     <p:sldId id="259" r:id="rId8"/>
     <p:sldId id="268" r:id="rId9"/>
-    <p:sldId id="260" r:id="rId10"/>
-    <p:sldId id="271" r:id="rId11"/>
-    <p:sldId id="261" r:id="rId12"/>
-    <p:sldId id="270" r:id="rId13"/>
-    <p:sldId id="272" r:id="rId14"/>
-    <p:sldId id="262" r:id="rId15"/>
-    <p:sldId id="263" r:id="rId16"/>
-    <p:sldId id="264" r:id="rId17"/>
-    <p:sldId id="265" r:id="rId18"/>
+    <p:sldId id="275" r:id="rId10"/>
+    <p:sldId id="280" r:id="rId11"/>
+    <p:sldId id="260" r:id="rId12"/>
+    <p:sldId id="271" r:id="rId13"/>
+    <p:sldId id="261" r:id="rId14"/>
+    <p:sldId id="281" r:id="rId15"/>
+    <p:sldId id="277" r:id="rId16"/>
+    <p:sldId id="278" r:id="rId17"/>
+    <p:sldId id="279" r:id="rId18"/>
+    <p:sldId id="276" r:id="rId19"/>
+    <p:sldId id="272" r:id="rId20"/>
+    <p:sldId id="262" r:id="rId21"/>
+    <p:sldId id="263" r:id="rId22"/>
+    <p:sldId id="274" r:id="rId23"/>
+    <p:sldId id="264" r:id="rId24"/>
+    <p:sldId id="265" r:id="rId25"/>
+    <p:sldId id="273" r:id="rId26"/>
+    <p:sldId id="282" r:id="rId27"/>
   </p:sldIdLst>
   <p:sldSz cx="12192000" cy="6858000"/>
   <p:notesSz cx="6858000" cy="9144000"/>
@@ -128,6 +140,496 @@
 </p:presentation>
 </file>
 
+<file path=ppt/notesMasters/notesMaster1.xml><?xml version="1.0" encoding="utf-8"?>
+<p:notesMaster xmlns:a="http://schemas.openxmlformats.org/drawingml/2006/main" xmlns:r="http://schemas.openxmlformats.org/officeDocument/2006/relationships" xmlns:p="http://schemas.openxmlformats.org/presentationml/2006/main">
+  <p:cSld>
+    <p:bg>
+      <p:bgRef idx="1001">
+        <a:schemeClr val="bg1"/>
+      </p:bgRef>
+    </p:bg>
+    <p:spTree>
+      <p:nvGrpSpPr>
+        <p:cNvPr id="1" name=""/>
+        <p:cNvGrpSpPr/>
+        <p:nvPr/>
+      </p:nvGrpSpPr>
+      <p:grpSpPr>
+        <a:xfrm>
+          <a:off x="0" y="0"/>
+          <a:ext cx="0" cy="0"/>
+          <a:chOff x="0" y="0"/>
+          <a:chExt cx="0" cy="0"/>
+        </a:xfrm>
+      </p:grpSpPr>
+      <p:sp>
+        <p:nvSpPr>
+          <p:cNvPr id="2" name="Header Placeholder 1"/>
+          <p:cNvSpPr>
+            <a:spLocks noGrp="1"/>
+          </p:cNvSpPr>
+          <p:nvPr>
+            <p:ph type="hdr" sz="quarter"/>
+          </p:nvPr>
+        </p:nvSpPr>
+        <p:spPr>
+          <a:xfrm>
+            <a:off x="0" y="0"/>
+            <a:ext cx="2971800" cy="458788"/>
+          </a:xfrm>
+          <a:prstGeom prst="rect">
+            <a:avLst/>
+          </a:prstGeom>
+        </p:spPr>
+        <p:txBody>
+          <a:bodyPr vert="horz" lIns="91440" tIns="45720" rIns="91440" bIns="45720" rtlCol="0"/>
+          <a:lstStyle>
+            <a:lvl1pPr algn="l">
+              <a:defRPr sz="1200"/>
+            </a:lvl1pPr>
+          </a:lstStyle>
+          <a:p>
+            <a:endParaRPr lang="en-CH"/>
+          </a:p>
+        </p:txBody>
+      </p:sp>
+      <p:sp>
+        <p:nvSpPr>
+          <p:cNvPr id="3" name="Date Placeholder 2"/>
+          <p:cNvSpPr>
+            <a:spLocks noGrp="1"/>
+          </p:cNvSpPr>
+          <p:nvPr>
+            <p:ph type="dt" idx="1"/>
+          </p:nvPr>
+        </p:nvSpPr>
+        <p:spPr>
+          <a:xfrm>
+            <a:off x="3884613" y="0"/>
+            <a:ext cx="2971800" cy="458788"/>
+          </a:xfrm>
+          <a:prstGeom prst="rect">
+            <a:avLst/>
+          </a:prstGeom>
+        </p:spPr>
+        <p:txBody>
+          <a:bodyPr vert="horz" lIns="91440" tIns="45720" rIns="91440" bIns="45720" rtlCol="0"/>
+          <a:lstStyle>
+            <a:lvl1pPr algn="r">
+              <a:defRPr sz="1200"/>
+            </a:lvl1pPr>
+          </a:lstStyle>
+          <a:p>
+            <a:fld id="{4222181D-9772-4439-9728-0D3D312DF827}" type="datetimeFigureOut">
+              <a:rPr lang="en-CH" smtClean="0"/>
+              <a:t>09/09/2024</a:t>
+            </a:fld>
+            <a:endParaRPr lang="en-CH"/>
+          </a:p>
+        </p:txBody>
+      </p:sp>
+      <p:sp>
+        <p:nvSpPr>
+          <p:cNvPr id="4" name="Slide Image Placeholder 3"/>
+          <p:cNvSpPr>
+            <a:spLocks noGrp="1" noRot="1" noChangeAspect="1"/>
+          </p:cNvSpPr>
+          <p:nvPr>
+            <p:ph type="sldImg" idx="2"/>
+          </p:nvPr>
+        </p:nvSpPr>
+        <p:spPr>
+          <a:xfrm>
+            <a:off x="685800" y="1143000"/>
+            <a:ext cx="5486400" cy="3086100"/>
+          </a:xfrm>
+          <a:prstGeom prst="rect">
+            <a:avLst/>
+          </a:prstGeom>
+          <a:noFill/>
+          <a:ln w="12700">
+            <a:solidFill>
+              <a:prstClr val="black"/>
+            </a:solidFill>
+          </a:ln>
+        </p:spPr>
+        <p:txBody>
+          <a:bodyPr vert="horz" lIns="91440" tIns="45720" rIns="91440" bIns="45720" rtlCol="0" anchor="ctr"/>
+          <a:lstStyle/>
+          <a:p>
+            <a:endParaRPr lang="en-CH"/>
+          </a:p>
+        </p:txBody>
+      </p:sp>
+      <p:sp>
+        <p:nvSpPr>
+          <p:cNvPr id="5" name="Notes Placeholder 4"/>
+          <p:cNvSpPr>
+            <a:spLocks noGrp="1"/>
+          </p:cNvSpPr>
+          <p:nvPr>
+            <p:ph type="body" sz="quarter" idx="3"/>
+          </p:nvPr>
+        </p:nvSpPr>
+        <p:spPr>
+          <a:xfrm>
+            <a:off x="685800" y="4400550"/>
+            <a:ext cx="5486400" cy="3600450"/>
+          </a:xfrm>
+          <a:prstGeom prst="rect">
+            <a:avLst/>
+          </a:prstGeom>
+        </p:spPr>
+        <p:txBody>
+          <a:bodyPr vert="horz" lIns="91440" tIns="45720" rIns="91440" bIns="45720" rtlCol="0"/>
+          <a:lstStyle/>
+          <a:p>
+            <a:pPr lvl="0"/>
+            <a:r>
+              <a:rPr lang="en-US"/>
+              <a:t>Click to edit Master text styles</a:t>
+            </a:r>
+          </a:p>
+          <a:p>
+            <a:pPr lvl="1"/>
+            <a:r>
+              <a:rPr lang="en-US"/>
+              <a:t>Second level</a:t>
+            </a:r>
+          </a:p>
+          <a:p>
+            <a:pPr lvl="2"/>
+            <a:r>
+              <a:rPr lang="en-US"/>
+              <a:t>Third level</a:t>
+            </a:r>
+          </a:p>
+          <a:p>
+            <a:pPr lvl="3"/>
+            <a:r>
+              <a:rPr lang="en-US"/>
+              <a:t>Fourth level</a:t>
+            </a:r>
+          </a:p>
+          <a:p>
+            <a:pPr lvl="4"/>
+            <a:r>
+              <a:rPr lang="en-US"/>
+              <a:t>Fifth level</a:t>
+            </a:r>
+            <a:endParaRPr lang="en-CH"/>
+          </a:p>
+        </p:txBody>
+      </p:sp>
+      <p:sp>
+        <p:nvSpPr>
+          <p:cNvPr id="6" name="Footer Placeholder 5"/>
+          <p:cNvSpPr>
+            <a:spLocks noGrp="1"/>
+          </p:cNvSpPr>
+          <p:nvPr>
+            <p:ph type="ftr" sz="quarter" idx="4"/>
+          </p:nvPr>
+        </p:nvSpPr>
+        <p:spPr>
+          <a:xfrm>
+            <a:off x="0" y="8685213"/>
+            <a:ext cx="2971800" cy="458787"/>
+          </a:xfrm>
+          <a:prstGeom prst="rect">
+            <a:avLst/>
+          </a:prstGeom>
+        </p:spPr>
+        <p:txBody>
+          <a:bodyPr vert="horz" lIns="91440" tIns="45720" rIns="91440" bIns="45720" rtlCol="0" anchor="b"/>
+          <a:lstStyle>
+            <a:lvl1pPr algn="l">
+              <a:defRPr sz="1200"/>
+            </a:lvl1pPr>
+          </a:lstStyle>
+          <a:p>
+            <a:endParaRPr lang="en-CH"/>
+          </a:p>
+        </p:txBody>
+      </p:sp>
+      <p:sp>
+        <p:nvSpPr>
+          <p:cNvPr id="7" name="Slide Number Placeholder 6"/>
+          <p:cNvSpPr>
+            <a:spLocks noGrp="1"/>
+          </p:cNvSpPr>
+          <p:nvPr>
+            <p:ph type="sldNum" sz="quarter" idx="5"/>
+          </p:nvPr>
+        </p:nvSpPr>
+        <p:spPr>
+          <a:xfrm>
+            <a:off x="3884613" y="8685213"/>
+            <a:ext cx="2971800" cy="458787"/>
+          </a:xfrm>
+          <a:prstGeom prst="rect">
+            <a:avLst/>
+          </a:prstGeom>
+        </p:spPr>
+        <p:txBody>
+          <a:bodyPr vert="horz" lIns="91440" tIns="45720" rIns="91440" bIns="45720" rtlCol="0" anchor="b"/>
+          <a:lstStyle>
+            <a:lvl1pPr algn="r">
+              <a:defRPr sz="1200"/>
+            </a:lvl1pPr>
+          </a:lstStyle>
+          <a:p>
+            <a:fld id="{EBF1C2BD-7ACB-4521-9D3B-4FC43D1A324A}" type="slidenum">
+              <a:rPr lang="en-CH" smtClean="0"/>
+              <a:t>‹#›</a:t>
+            </a:fld>
+            <a:endParaRPr lang="en-CH"/>
+          </a:p>
+        </p:txBody>
+      </p:sp>
+    </p:spTree>
+    <p:extLst>
+      <p:ext uri="{BB962C8B-B14F-4D97-AF65-F5344CB8AC3E}">
+        <p14:creationId xmlns:p14="http://schemas.microsoft.com/office/powerpoint/2010/main" val="4257544793"/>
+      </p:ext>
+    </p:extLst>
+  </p:cSld>
+  <p:clrMap bg1="lt1" tx1="dk1" bg2="lt2" tx2="dk2" accent1="accent1" accent2="accent2" accent3="accent3" accent4="accent4" accent5="accent5" accent6="accent6" hlink="hlink" folHlink="folHlink"/>
+  <p:notesStyle>
+    <a:lvl1pPr marL="0" algn="l" defTabSz="914400" rtl="0" eaLnBrk="1" latinLnBrk="0" hangingPunct="1">
+      <a:defRPr sz="1200" kern="1200">
+        <a:solidFill>
+          <a:schemeClr val="tx1"/>
+        </a:solidFill>
+        <a:latin typeface="+mn-lt"/>
+        <a:ea typeface="+mn-ea"/>
+        <a:cs typeface="+mn-cs"/>
+      </a:defRPr>
+    </a:lvl1pPr>
+    <a:lvl2pPr marL="457200" algn="l" defTabSz="914400" rtl="0" eaLnBrk="1" latinLnBrk="0" hangingPunct="1">
+      <a:defRPr sz="1200" kern="1200">
+        <a:solidFill>
+          <a:schemeClr val="tx1"/>
+        </a:solidFill>
+        <a:latin typeface="+mn-lt"/>
+        <a:ea typeface="+mn-ea"/>
+        <a:cs typeface="+mn-cs"/>
+      </a:defRPr>
+    </a:lvl2pPr>
+    <a:lvl3pPr marL="914400" algn="l" defTabSz="914400" rtl="0" eaLnBrk="1" latinLnBrk="0" hangingPunct="1">
+      <a:defRPr sz="1200" kern="1200">
+        <a:solidFill>
+          <a:schemeClr val="tx1"/>
+        </a:solidFill>
+        <a:latin typeface="+mn-lt"/>
+        <a:ea typeface="+mn-ea"/>
+        <a:cs typeface="+mn-cs"/>
+      </a:defRPr>
+    </a:lvl3pPr>
+    <a:lvl4pPr marL="1371600" algn="l" defTabSz="914400" rtl="0" eaLnBrk="1" latinLnBrk="0" hangingPunct="1">
+      <a:defRPr sz="1200" kern="1200">
+        <a:solidFill>
+          <a:schemeClr val="tx1"/>
+        </a:solidFill>
+        <a:latin typeface="+mn-lt"/>
+        <a:ea typeface="+mn-ea"/>
+        <a:cs typeface="+mn-cs"/>
+      </a:defRPr>
+    </a:lvl4pPr>
+    <a:lvl5pPr marL="1828800" algn="l" defTabSz="914400" rtl="0" eaLnBrk="1" latinLnBrk="0" hangingPunct="1">
+      <a:defRPr sz="1200" kern="1200">
+        <a:solidFill>
+          <a:schemeClr val="tx1"/>
+        </a:solidFill>
+        <a:latin typeface="+mn-lt"/>
+        <a:ea typeface="+mn-ea"/>
+        <a:cs typeface="+mn-cs"/>
+      </a:defRPr>
+    </a:lvl5pPr>
+    <a:lvl6pPr marL="2286000" algn="l" defTabSz="914400" rtl="0" eaLnBrk="1" latinLnBrk="0" hangingPunct="1">
+      <a:defRPr sz="1200" kern="1200">
+        <a:solidFill>
+          <a:schemeClr val="tx1"/>
+        </a:solidFill>
+        <a:latin typeface="+mn-lt"/>
+        <a:ea typeface="+mn-ea"/>
+        <a:cs typeface="+mn-cs"/>
+      </a:defRPr>
+    </a:lvl6pPr>
+    <a:lvl7pPr marL="2743200" algn="l" defTabSz="914400" rtl="0" eaLnBrk="1" latinLnBrk="0" hangingPunct="1">
+      <a:defRPr sz="1200" kern="1200">
+        <a:solidFill>
+          <a:schemeClr val="tx1"/>
+        </a:solidFill>
+        <a:latin typeface="+mn-lt"/>
+        <a:ea typeface="+mn-ea"/>
+        <a:cs typeface="+mn-cs"/>
+      </a:defRPr>
+    </a:lvl7pPr>
+    <a:lvl8pPr marL="3200400" algn="l" defTabSz="914400" rtl="0" eaLnBrk="1" latinLnBrk="0" hangingPunct="1">
+      <a:defRPr sz="1200" kern="1200">
+        <a:solidFill>
+          <a:schemeClr val="tx1"/>
+        </a:solidFill>
+        <a:latin typeface="+mn-lt"/>
+        <a:ea typeface="+mn-ea"/>
+        <a:cs typeface="+mn-cs"/>
+      </a:defRPr>
+    </a:lvl8pPr>
+    <a:lvl9pPr marL="3657600" algn="l" defTabSz="914400" rtl="0" eaLnBrk="1" latinLnBrk="0" hangingPunct="1">
+      <a:defRPr sz="1200" kern="1200">
+        <a:solidFill>
+          <a:schemeClr val="tx1"/>
+        </a:solidFill>
+        <a:latin typeface="+mn-lt"/>
+        <a:ea typeface="+mn-ea"/>
+        <a:cs typeface="+mn-cs"/>
+      </a:defRPr>
+    </a:lvl9pPr>
+  </p:notesStyle>
+</p:notesMaster>
+</file>
+
+<file path=ppt/notesSlides/notesSlide1.xml><?xml version="1.0" encoding="utf-8"?>
+<p:notes xmlns:a="http://schemas.openxmlformats.org/drawingml/2006/main" xmlns:r="http://schemas.openxmlformats.org/officeDocument/2006/relationships" xmlns:p="http://schemas.openxmlformats.org/presentationml/2006/main">
+  <p:cSld>
+    <p:spTree>
+      <p:nvGrpSpPr>
+        <p:cNvPr id="1" name=""/>
+        <p:cNvGrpSpPr/>
+        <p:nvPr/>
+      </p:nvGrpSpPr>
+      <p:grpSpPr>
+        <a:xfrm>
+          <a:off x="0" y="0"/>
+          <a:ext cx="0" cy="0"/>
+          <a:chOff x="0" y="0"/>
+          <a:chExt cx="0" cy="0"/>
+        </a:xfrm>
+      </p:grpSpPr>
+      <p:sp>
+        <p:nvSpPr>
+          <p:cNvPr id="2" name="Slide Image Placeholder 1"/>
+          <p:cNvSpPr>
+            <a:spLocks noGrp="1" noRot="1" noChangeAspect="1"/>
+          </p:cNvSpPr>
+          <p:nvPr>
+            <p:ph type="sldImg"/>
+          </p:nvPr>
+        </p:nvSpPr>
+        <p:spPr/>
+      </p:sp>
+      <p:sp>
+        <p:nvSpPr>
+          <p:cNvPr id="3" name="Notes Placeholder 2"/>
+          <p:cNvSpPr>
+            <a:spLocks noGrp="1"/>
+          </p:cNvSpPr>
+          <p:nvPr>
+            <p:ph type="body" idx="1"/>
+          </p:nvPr>
+        </p:nvSpPr>
+        <p:spPr/>
+        <p:txBody>
+          <a:bodyPr/>
+          <a:lstStyle/>
+          <a:p>
+            <a:pPr marL="0" indent="0">
+              <a:buNone/>
+            </a:pPr>
+            <a:r>
+              <a:rPr lang="fr-CH" dirty="0">
+                <a:latin typeface="Neue Haas Grotesk Text Pro" panose="020B0504020202020204" pitchFamily="34" charset="0"/>
+              </a:rPr>
+              <a:t>Principalement -&gt; la génération de </a:t>
+            </a:r>
+            <a:r>
+              <a:rPr lang="fr-CH" dirty="0" err="1">
+                <a:latin typeface="Neue Haas Grotesk Text Pro" panose="020B0504020202020204" pitchFamily="34" charset="0"/>
+              </a:rPr>
+              <a:t>Subtrees</a:t>
+            </a:r>
+            <a:endParaRPr lang="fr-CH" dirty="0">
+              <a:latin typeface="Neue Haas Grotesk Text Pro" panose="020B0504020202020204" pitchFamily="34" charset="0"/>
+            </a:endParaRPr>
+          </a:p>
+          <a:p>
+            <a:pPr marL="0" indent="0">
+              <a:buNone/>
+            </a:pPr>
+            <a:r>
+              <a:rPr lang="fr-CH" dirty="0">
+                <a:latin typeface="Neue Haas Grotesk Text Pro" panose="020B0504020202020204" pitchFamily="34" charset="0"/>
+              </a:rPr>
+              <a:t>Pris comme un sujet de recherche</a:t>
+            </a:r>
+          </a:p>
+          <a:p>
+            <a:pPr marL="0" indent="0">
+              <a:buNone/>
+            </a:pPr>
+            <a:r>
+              <a:rPr lang="fr-CH" dirty="0">
+                <a:latin typeface="Neue Haas Grotesk Text Pro" panose="020B0504020202020204" pitchFamily="34" charset="0"/>
+              </a:rPr>
+              <a:t>Utilisation des logs majoritairement pour de la recherche</a:t>
+            </a:r>
+          </a:p>
+          <a:p>
+            <a:pPr marL="0" indent="0">
+              <a:buNone/>
+            </a:pPr>
+            <a:r>
+              <a:rPr lang="fr-CH" dirty="0">
+                <a:latin typeface="Neue Haas Grotesk Text Pro" panose="020B0504020202020204" pitchFamily="34" charset="0"/>
+              </a:rPr>
+              <a:t>Pas de tests unitaires puisqu’il faut d’abords de quoi tester</a:t>
+            </a:r>
+            <a:endParaRPr lang="en-CH" dirty="0">
+              <a:latin typeface="Neue Haas Grotesk Text Pro" panose="020B0504020202020204" pitchFamily="34" charset="0"/>
+            </a:endParaRPr>
+          </a:p>
+          <a:p>
+            <a:endParaRPr lang="en-CH" dirty="0"/>
+          </a:p>
+        </p:txBody>
+      </p:sp>
+      <p:sp>
+        <p:nvSpPr>
+          <p:cNvPr id="4" name="Slide Number Placeholder 3"/>
+          <p:cNvSpPr>
+            <a:spLocks noGrp="1"/>
+          </p:cNvSpPr>
+          <p:nvPr>
+            <p:ph type="sldNum" sz="quarter" idx="5"/>
+          </p:nvPr>
+        </p:nvSpPr>
+        <p:spPr/>
+        <p:txBody>
+          <a:bodyPr/>
+          <a:lstStyle/>
+          <a:p>
+            <a:fld id="{EBF1C2BD-7ACB-4521-9D3B-4FC43D1A324A}" type="slidenum">
+              <a:rPr lang="en-CH" smtClean="0"/>
+              <a:t>3</a:t>
+            </a:fld>
+            <a:endParaRPr lang="en-CH"/>
+          </a:p>
+        </p:txBody>
+      </p:sp>
+    </p:spTree>
+    <p:extLst>
+      <p:ext uri="{BB962C8B-B14F-4D97-AF65-F5344CB8AC3E}">
+        <p14:creationId xmlns:p14="http://schemas.microsoft.com/office/powerpoint/2010/main" val="2303338316"/>
+      </p:ext>
+    </p:extLst>
+  </p:cSld>
+  <p:clrMapOvr>
+    <a:masterClrMapping/>
+  </p:clrMapOvr>
+</p:notes>
+</file>
+
 <file path=ppt/slideLayouts/slideLayout1.xml><?xml version="1.0" encoding="utf-8"?>
 <p:sldLayout xmlns:a="http://schemas.openxmlformats.org/drawingml/2006/main" xmlns:r="http://schemas.openxmlformats.org/officeDocument/2006/relationships" xmlns:p="http://schemas.openxmlformats.org/presentationml/2006/main" type="title" preserve="1">
   <p:cSld name="Title Slide">
@@ -277,7 +779,7 @@
           <a:p>
             <a:fld id="{F66923FB-4E7E-4519-AE47-11A90449D56B}" type="datetimeFigureOut">
               <a:rPr lang="en-CH" smtClean="0"/>
-              <a:t>06/09/2024</a:t>
+              <a:t>08/09/2024</a:t>
             </a:fld>
             <a:endParaRPr lang="en-CH"/>
           </a:p>
@@ -477,7 +979,7 @@
           <a:p>
             <a:fld id="{F66923FB-4E7E-4519-AE47-11A90449D56B}" type="datetimeFigureOut">
               <a:rPr lang="en-CH" smtClean="0"/>
-              <a:t>06/09/2024</a:t>
+              <a:t>08/09/2024</a:t>
             </a:fld>
             <a:endParaRPr lang="en-CH"/>
           </a:p>
@@ -687,7 +1189,7 @@
           <a:p>
             <a:fld id="{F66923FB-4E7E-4519-AE47-11A90449D56B}" type="datetimeFigureOut">
               <a:rPr lang="en-CH" smtClean="0"/>
-              <a:t>06/09/2024</a:t>
+              <a:t>08/09/2024</a:t>
             </a:fld>
             <a:endParaRPr lang="en-CH"/>
           </a:p>
@@ -887,7 +1389,7 @@
           <a:p>
             <a:fld id="{F66923FB-4E7E-4519-AE47-11A90449D56B}" type="datetimeFigureOut">
               <a:rPr lang="en-CH" smtClean="0"/>
-              <a:t>06/09/2024</a:t>
+              <a:t>08/09/2024</a:t>
             </a:fld>
             <a:endParaRPr lang="en-CH"/>
           </a:p>
@@ -1163,7 +1665,7 @@
           <a:p>
             <a:fld id="{F66923FB-4E7E-4519-AE47-11A90449D56B}" type="datetimeFigureOut">
               <a:rPr lang="en-CH" smtClean="0"/>
-              <a:t>06/09/2024</a:t>
+              <a:t>08/09/2024</a:t>
             </a:fld>
             <a:endParaRPr lang="en-CH"/>
           </a:p>
@@ -1431,7 +1933,7 @@
           <a:p>
             <a:fld id="{F66923FB-4E7E-4519-AE47-11A90449D56B}" type="datetimeFigureOut">
               <a:rPr lang="en-CH" smtClean="0"/>
-              <a:t>06/09/2024</a:t>
+              <a:t>08/09/2024</a:t>
             </a:fld>
             <a:endParaRPr lang="en-CH"/>
           </a:p>
@@ -1846,7 +2348,7 @@
           <a:p>
             <a:fld id="{F66923FB-4E7E-4519-AE47-11A90449D56B}" type="datetimeFigureOut">
               <a:rPr lang="en-CH" smtClean="0"/>
-              <a:t>06/09/2024</a:t>
+              <a:t>08/09/2024</a:t>
             </a:fld>
             <a:endParaRPr lang="en-CH"/>
           </a:p>
@@ -1988,7 +2490,7 @@
           <a:p>
             <a:fld id="{F66923FB-4E7E-4519-AE47-11A90449D56B}" type="datetimeFigureOut">
               <a:rPr lang="en-CH" smtClean="0"/>
-              <a:t>06/09/2024</a:t>
+              <a:t>08/09/2024</a:t>
             </a:fld>
             <a:endParaRPr lang="en-CH"/>
           </a:p>
@@ -2101,7 +2603,7 @@
           <a:p>
             <a:fld id="{F66923FB-4E7E-4519-AE47-11A90449D56B}" type="datetimeFigureOut">
               <a:rPr lang="en-CH" smtClean="0"/>
-              <a:t>06/09/2024</a:t>
+              <a:t>08/09/2024</a:t>
             </a:fld>
             <a:endParaRPr lang="en-CH"/>
           </a:p>
@@ -2414,7 +2916,7 @@
           <a:p>
             <a:fld id="{F66923FB-4E7E-4519-AE47-11A90449D56B}" type="datetimeFigureOut">
               <a:rPr lang="en-CH" smtClean="0"/>
-              <a:t>06/09/2024</a:t>
+              <a:t>08/09/2024</a:t>
             </a:fld>
             <a:endParaRPr lang="en-CH"/>
           </a:p>
@@ -2703,7 +3205,7 @@
           <a:p>
             <a:fld id="{F66923FB-4E7E-4519-AE47-11A90449D56B}" type="datetimeFigureOut">
               <a:rPr lang="en-CH" smtClean="0"/>
-              <a:t>06/09/2024</a:t>
+              <a:t>08/09/2024</a:t>
             </a:fld>
             <a:endParaRPr lang="en-CH"/>
           </a:p>
@@ -2946,7 +3448,7 @@
           <a:p>
             <a:fld id="{F66923FB-4E7E-4519-AE47-11A90449D56B}" type="datetimeFigureOut">
               <a:rPr lang="en-CH" smtClean="0"/>
-              <a:t>06/09/2024</a:t>
+              <a:t>08/09/2024</a:t>
             </a:fld>
             <a:endParaRPr lang="en-CH"/>
           </a:p>
@@ -3387,20 +3889,20 @@
           <a:lstStyle/>
           <a:p>
             <a:r>
-              <a:rPr lang="fr-FR" dirty="0">
+              <a:rPr lang="fr-FR">
                 <a:latin typeface="Neue Haas Grotesk Text Pro" panose="020B0504020202020204" pitchFamily="34" charset="0"/>
                 <a:cs typeface="Helvetica" panose="020B0604020202020204" pitchFamily="34" charset="0"/>
               </a:rPr>
               <a:t>Tuilage de données géospatiales pour le</a:t>
             </a:r>
             <a:br>
-              <a:rPr lang="fr-FR" dirty="0">
+              <a:rPr lang="fr-FR">
                 <a:latin typeface="Neue Haas Grotesk Text Pro" panose="020B0504020202020204" pitchFamily="34" charset="0"/>
                 <a:cs typeface="Helvetica" panose="020B0604020202020204" pitchFamily="34" charset="0"/>
               </a:rPr>
             </a:br>
             <a:r>
-              <a:rPr lang="fr-FR" dirty="0" err="1">
+              <a:rPr lang="fr-FR">
                 <a:latin typeface="Neue Haas Grotesk Text Pro" panose="020B0504020202020204" pitchFamily="34" charset="0"/>
                 <a:cs typeface="Helvetica" panose="020B0604020202020204" pitchFamily="34" charset="0"/>
               </a:rPr>
@@ -3435,7 +3937,7 @@
           <a:lstStyle/>
           <a:p>
             <a:r>
-              <a:rPr lang="fr-CH" dirty="0">
+              <a:rPr lang="fr-CH">
                 <a:latin typeface="Neue Haas Grotesk Text Pro" panose="020B0504020202020204" pitchFamily="34" charset="0"/>
               </a:rPr>
               <a:t>Présentation – 09.10.2024</a:t>
@@ -3443,7 +3945,7 @@
           </a:p>
           <a:p>
             <a:r>
-              <a:rPr lang="fr-CH" dirty="0">
+              <a:rPr lang="fr-CH">
                 <a:latin typeface="Neue Haas Grotesk Text Pro" panose="020B0504020202020204" pitchFamily="34" charset="0"/>
               </a:rPr>
               <a:t>Ian Escher</a:t>
@@ -3520,6 +4022,534 @@
           <a:chExt cx="0" cy="0"/>
         </a:xfrm>
       </p:grpSpPr>
+      <p:pic>
+        <p:nvPicPr>
+          <p:cNvPr id="5" name="Picture 4" descr="A grid of lines and numbers&#10;&#10;Description automatically generated">
+            <a:extLst>
+              <a:ext uri="{FF2B5EF4-FFF2-40B4-BE49-F238E27FC236}">
+                <a16:creationId xmlns:a16="http://schemas.microsoft.com/office/drawing/2014/main" id="{7091E5B2-78D5-9290-D174-02FE5AE2340D}"/>
+              </a:ext>
+            </a:extLst>
+          </p:cNvPr>
+          <p:cNvPicPr>
+            <a:picLocks noChangeAspect="1"/>
+          </p:cNvPicPr>
+          <p:nvPr/>
+        </p:nvPicPr>
+        <p:blipFill>
+          <a:blip r:embed="rId2">
+            <a:extLst>
+              <a:ext uri="{28A0092B-C50C-407E-A947-70E740481C1C}">
+                <a14:useLocalDpi xmlns:a14="http://schemas.microsoft.com/office/drawing/2010/main" val="0"/>
+              </a:ext>
+            </a:extLst>
+          </a:blip>
+          <a:stretch>
+            <a:fillRect/>
+          </a:stretch>
+        </p:blipFill>
+        <p:spPr>
+          <a:xfrm>
+            <a:off x="6227108" y="1679575"/>
+            <a:ext cx="5571794" cy="4813300"/>
+          </a:xfrm>
+          <a:prstGeom prst="rect">
+            <a:avLst/>
+          </a:prstGeom>
+        </p:spPr>
+      </p:pic>
+      <p:sp>
+        <p:nvSpPr>
+          <p:cNvPr id="2" name="Title 1">
+            <a:extLst>
+              <a:ext uri="{FF2B5EF4-FFF2-40B4-BE49-F238E27FC236}">
+                <a16:creationId xmlns:a16="http://schemas.microsoft.com/office/drawing/2014/main" id="{BC750C20-02A3-1AB0-99CE-C75F112C6AC3}"/>
+              </a:ext>
+            </a:extLst>
+          </p:cNvPr>
+          <p:cNvSpPr>
+            <a:spLocks noGrp="1"/>
+          </p:cNvSpPr>
+          <p:nvPr>
+            <p:ph type="title"/>
+          </p:nvPr>
+        </p:nvSpPr>
+        <p:spPr/>
+        <p:txBody>
+          <a:bodyPr>
+            <a:normAutofit/>
+          </a:bodyPr>
+          <a:lstStyle/>
+          <a:p>
+            <a:r>
+              <a:rPr lang="fr-CH" dirty="0" err="1">
+                <a:latin typeface="Neue Haas Grotesk Text Pro" panose="020B0504020202020204" pitchFamily="34" charset="0"/>
+              </a:rPr>
+              <a:t>Implicit</a:t>
+            </a:r>
+            <a:r>
+              <a:rPr lang="fr-CH" dirty="0">
+                <a:latin typeface="Neue Haas Grotesk Text Pro" panose="020B0504020202020204" pitchFamily="34" charset="0"/>
+              </a:rPr>
+              <a:t> </a:t>
+            </a:r>
+            <a:r>
+              <a:rPr lang="fr-CH" dirty="0" err="1">
+                <a:latin typeface="Neue Haas Grotesk Text Pro" panose="020B0504020202020204" pitchFamily="34" charset="0"/>
+              </a:rPr>
+              <a:t>Tiling</a:t>
+            </a:r>
+            <a:r>
+              <a:rPr lang="fr-CH" dirty="0">
+                <a:latin typeface="Neue Haas Grotesk Text Pro" panose="020B0504020202020204" pitchFamily="34" charset="0"/>
+              </a:rPr>
+              <a:t> –</a:t>
+            </a:r>
+            <a:br>
+              <a:rPr lang="fr-CH" dirty="0">
+                <a:latin typeface="Neue Haas Grotesk Text Pro" panose="020B0504020202020204" pitchFamily="34" charset="0"/>
+              </a:rPr>
+            </a:br>
+            <a:r>
+              <a:rPr lang="fr-CH" dirty="0">
+                <a:latin typeface="Neue Haas Grotesk Text Pro" panose="020B0504020202020204" pitchFamily="34" charset="0"/>
+              </a:rPr>
+              <a:t>Morton Index</a:t>
+            </a:r>
+            <a:endParaRPr lang="en-CH" dirty="0">
+              <a:latin typeface="Neue Haas Grotesk Text Pro" panose="020B0504020202020204" pitchFamily="34" charset="0"/>
+            </a:endParaRPr>
+          </a:p>
+        </p:txBody>
+      </p:sp>
+      <p:pic>
+        <p:nvPicPr>
+          <p:cNvPr id="4" name="Content Placeholder 4">
+            <a:extLst>
+              <a:ext uri="{FF2B5EF4-FFF2-40B4-BE49-F238E27FC236}">
+                <a16:creationId xmlns:a16="http://schemas.microsoft.com/office/drawing/2014/main" id="{AC0267BD-F88F-6037-74B7-5041670CC534}"/>
+              </a:ext>
+            </a:extLst>
+          </p:cNvPr>
+          <p:cNvPicPr>
+            <a:picLocks noChangeAspect="1"/>
+          </p:cNvPicPr>
+          <p:nvPr/>
+        </p:nvPicPr>
+        <p:blipFill>
+          <a:blip r:embed="rId3">
+            <a:extLst>
+              <a:ext uri="{96DAC541-7B7A-43D3-8B79-37D633B846F1}">
+                <asvg:svgBlip xmlns:asvg="http://schemas.microsoft.com/office/drawing/2016/SVG/main" r:embed="rId4"/>
+              </a:ext>
+            </a:extLst>
+          </a:blip>
+          <a:stretch>
+            <a:fillRect/>
+          </a:stretch>
+        </p:blipFill>
+        <p:spPr>
+          <a:xfrm>
+            <a:off x="11020060" y="272547"/>
+            <a:ext cx="855250" cy="639454"/>
+          </a:xfrm>
+          <a:prstGeom prst="rect">
+            <a:avLst/>
+          </a:prstGeom>
+        </p:spPr>
+      </p:pic>
+      <p:sp>
+        <p:nvSpPr>
+          <p:cNvPr id="7" name="Content Placeholder 6">
+            <a:extLst>
+              <a:ext uri="{FF2B5EF4-FFF2-40B4-BE49-F238E27FC236}">
+                <a16:creationId xmlns:a16="http://schemas.microsoft.com/office/drawing/2014/main" id="{3CB754DB-117A-D16F-5037-03DDE6294D5A}"/>
+              </a:ext>
+            </a:extLst>
+          </p:cNvPr>
+          <p:cNvSpPr>
+            <a:spLocks noGrp="1"/>
+          </p:cNvSpPr>
+          <p:nvPr>
+            <p:ph idx="1"/>
+          </p:nvPr>
+        </p:nvSpPr>
+        <p:spPr>
+          <a:xfrm>
+            <a:off x="838200" y="1825625"/>
+            <a:ext cx="5334000" cy="4351338"/>
+          </a:xfrm>
+        </p:spPr>
+        <p:txBody>
+          <a:bodyPr anchor="ctr"/>
+          <a:lstStyle/>
+          <a:p>
+            <a:pPr marL="0" indent="0">
+              <a:buNone/>
+            </a:pPr>
+            <a:r>
+              <a:rPr lang="fr-CH" dirty="0">
+                <a:latin typeface="Neue Haas Grotesk Text Pro" panose="020B0504020202020204" pitchFamily="34" charset="0"/>
+              </a:rPr>
+              <a:t>Même principe que la courbe de Hilbert</a:t>
+            </a:r>
+          </a:p>
+          <a:p>
+            <a:pPr marL="0" indent="0">
+              <a:buNone/>
+            </a:pPr>
+            <a:r>
+              <a:rPr lang="fr-CH" dirty="0">
+                <a:latin typeface="Neue Haas Grotesk Text Pro" panose="020B0504020202020204" pitchFamily="34" charset="0"/>
+              </a:rPr>
+              <a:t>Utilisé par la spécification 3D Tiles Next pour les tuiles</a:t>
+            </a:r>
+          </a:p>
+          <a:p>
+            <a:pPr marL="0" indent="0">
+              <a:buNone/>
+            </a:pPr>
+            <a:r>
+              <a:rPr lang="fr-CH" dirty="0">
+                <a:latin typeface="Neue Haas Grotesk Text Pro" panose="020B0504020202020204" pitchFamily="34" charset="0"/>
+              </a:rPr>
+              <a:t>Calcul des indices enfants simple</a:t>
+            </a:r>
+            <a:endParaRPr lang="en-CH" dirty="0">
+              <a:latin typeface="Neue Haas Grotesk Text Pro" panose="020B0504020202020204" pitchFamily="34" charset="0"/>
+            </a:endParaRPr>
+          </a:p>
+        </p:txBody>
+      </p:sp>
+      <p:sp>
+        <p:nvSpPr>
+          <p:cNvPr id="6" name="TextBox 5">
+            <a:extLst>
+              <a:ext uri="{FF2B5EF4-FFF2-40B4-BE49-F238E27FC236}">
+                <a16:creationId xmlns:a16="http://schemas.microsoft.com/office/drawing/2014/main" id="{5D25A28B-38D0-993E-28C7-BA1071CC7008}"/>
+              </a:ext>
+            </a:extLst>
+          </p:cNvPr>
+          <p:cNvSpPr txBox="1"/>
+          <p:nvPr/>
+        </p:nvSpPr>
+        <p:spPr>
+          <a:xfrm>
+            <a:off x="323370" y="6217975"/>
+            <a:ext cx="11226800" cy="646331"/>
+          </a:xfrm>
+          <a:prstGeom prst="rect">
+            <a:avLst/>
+          </a:prstGeom>
+          <a:noFill/>
+        </p:spPr>
+        <p:txBody>
+          <a:bodyPr wrap="square">
+            <a:spAutoFit/>
+          </a:bodyPr>
+          <a:lstStyle/>
+          <a:p>
+            <a:pPr algn="l"/>
+            <a:r>
+              <a:rPr lang="fr-CH" dirty="0">
+                <a:latin typeface="Neue Haas Grotesk Text Pro" panose="020B0504020202020204" pitchFamily="34" charset="0"/>
+              </a:rPr>
+              <a:t>Source : </a:t>
+            </a:r>
+            <a:r>
+              <a:rPr lang="fr-CH" dirty="0">
+                <a:solidFill>
+                  <a:srgbClr val="DC307A"/>
+                </a:solidFill>
+                <a:latin typeface="Neue Haas Grotesk Text Pro" panose="020B0504020202020204" pitchFamily="34" charset="0"/>
+              </a:rPr>
+              <a:t>https://github.com/CesiumGS/3d-tiles/blob/main/specification/ImplicitTiling/AVAILABILITY.adoc </a:t>
+            </a:r>
+            <a:endParaRPr lang="en-CH" dirty="0">
+              <a:solidFill>
+                <a:srgbClr val="DC307A"/>
+              </a:solidFill>
+              <a:latin typeface="Neue Haas Grotesk Text Pro" panose="020B0504020202020204" pitchFamily="34" charset="0"/>
+            </a:endParaRPr>
+          </a:p>
+        </p:txBody>
+      </p:sp>
+    </p:spTree>
+    <p:extLst>
+      <p:ext uri="{BB962C8B-B14F-4D97-AF65-F5344CB8AC3E}">
+        <p14:creationId xmlns:p14="http://schemas.microsoft.com/office/powerpoint/2010/main" val="3716176432"/>
+      </p:ext>
+    </p:extLst>
+  </p:cSld>
+  <p:clrMapOvr>
+    <a:masterClrMapping/>
+  </p:clrMapOvr>
+</p:sld>
+</file>
+
+<file path=ppt/slides/slide11.xml><?xml version="1.0" encoding="utf-8"?>
+<p:sld xmlns:a="http://schemas.openxmlformats.org/drawingml/2006/main" xmlns:r="http://schemas.openxmlformats.org/officeDocument/2006/relationships" xmlns:p="http://schemas.openxmlformats.org/presentationml/2006/main">
+  <p:cSld>
+    <p:spTree>
+      <p:nvGrpSpPr>
+        <p:cNvPr id="1" name=""/>
+        <p:cNvGrpSpPr/>
+        <p:nvPr/>
+      </p:nvGrpSpPr>
+      <p:grpSpPr>
+        <a:xfrm>
+          <a:off x="0" y="0"/>
+          <a:ext cx="0" cy="0"/>
+          <a:chOff x="0" y="0"/>
+          <a:chExt cx="0" cy="0"/>
+        </a:xfrm>
+      </p:grpSpPr>
+      <p:sp>
+        <p:nvSpPr>
+          <p:cNvPr id="2" name="Title 1">
+            <a:extLst>
+              <a:ext uri="{FF2B5EF4-FFF2-40B4-BE49-F238E27FC236}">
+                <a16:creationId xmlns:a16="http://schemas.microsoft.com/office/drawing/2014/main" id="{BC750C20-02A3-1AB0-99CE-C75F112C6AC3}"/>
+              </a:ext>
+            </a:extLst>
+          </p:cNvPr>
+          <p:cNvSpPr>
+            <a:spLocks noGrp="1"/>
+          </p:cNvSpPr>
+          <p:nvPr>
+            <p:ph type="title"/>
+          </p:nvPr>
+        </p:nvSpPr>
+        <p:spPr/>
+        <p:txBody>
+          <a:bodyPr/>
+          <a:lstStyle/>
+          <a:p>
+            <a:r>
+              <a:rPr lang="fr-CH" dirty="0" err="1">
+                <a:latin typeface="Neue Haas Grotesk Text Pro" panose="020B0504020202020204" pitchFamily="34" charset="0"/>
+              </a:rPr>
+              <a:t>Subtrees</a:t>
+            </a:r>
+            <a:r>
+              <a:rPr lang="fr-CH" dirty="0">
+                <a:latin typeface="Neue Haas Grotesk Text Pro" panose="020B0504020202020204" pitchFamily="34" charset="0"/>
+              </a:rPr>
+              <a:t> –</a:t>
+            </a:r>
+            <a:br>
+              <a:rPr lang="fr-CH" dirty="0">
+                <a:latin typeface="Neue Haas Grotesk Text Pro" panose="020B0504020202020204" pitchFamily="34" charset="0"/>
+              </a:rPr>
+            </a:br>
+            <a:r>
+              <a:rPr lang="fr-CH" dirty="0">
+                <a:latin typeface="Neue Haas Grotesk Text Pro" panose="020B0504020202020204" pitchFamily="34" charset="0"/>
+              </a:rPr>
+              <a:t>Introduction</a:t>
+            </a:r>
+            <a:endParaRPr lang="en-CH" dirty="0">
+              <a:latin typeface="Neue Haas Grotesk Text Pro" panose="020B0504020202020204" pitchFamily="34" charset="0"/>
+            </a:endParaRPr>
+          </a:p>
+        </p:txBody>
+      </p:sp>
+      <p:pic>
+        <p:nvPicPr>
+          <p:cNvPr id="4" name="Content Placeholder 4">
+            <a:extLst>
+              <a:ext uri="{FF2B5EF4-FFF2-40B4-BE49-F238E27FC236}">
+                <a16:creationId xmlns:a16="http://schemas.microsoft.com/office/drawing/2014/main" id="{AC0267BD-F88F-6037-74B7-5041670CC534}"/>
+              </a:ext>
+            </a:extLst>
+          </p:cNvPr>
+          <p:cNvPicPr>
+            <a:picLocks noChangeAspect="1"/>
+          </p:cNvPicPr>
+          <p:nvPr/>
+        </p:nvPicPr>
+        <p:blipFill>
+          <a:blip r:embed="rId2">
+            <a:extLst>
+              <a:ext uri="{96DAC541-7B7A-43D3-8B79-37D633B846F1}">
+                <asvg:svgBlip xmlns:asvg="http://schemas.microsoft.com/office/drawing/2016/SVG/main" r:embed="rId3"/>
+              </a:ext>
+            </a:extLst>
+          </a:blip>
+          <a:stretch>
+            <a:fillRect/>
+          </a:stretch>
+        </p:blipFill>
+        <p:spPr>
+          <a:xfrm>
+            <a:off x="11020060" y="272547"/>
+            <a:ext cx="855250" cy="639454"/>
+          </a:xfrm>
+          <a:prstGeom prst="rect">
+            <a:avLst/>
+          </a:prstGeom>
+        </p:spPr>
+      </p:pic>
+      <p:pic>
+        <p:nvPicPr>
+          <p:cNvPr id="7" name="Picture 6" descr="Aerial view of a farm land&#10;&#10;Description automatically generated">
+            <a:extLst>
+              <a:ext uri="{FF2B5EF4-FFF2-40B4-BE49-F238E27FC236}">
+                <a16:creationId xmlns:a16="http://schemas.microsoft.com/office/drawing/2014/main" id="{6B21D838-F2BB-9BC6-3A57-57F12F4B717B}"/>
+              </a:ext>
+            </a:extLst>
+          </p:cNvPr>
+          <p:cNvPicPr>
+            <a:picLocks noChangeAspect="1"/>
+          </p:cNvPicPr>
+          <p:nvPr/>
+        </p:nvPicPr>
+        <p:blipFill>
+          <a:blip r:embed="rId4">
+            <a:extLst>
+              <a:ext uri="{28A0092B-C50C-407E-A947-70E740481C1C}">
+                <a14:useLocalDpi xmlns:a14="http://schemas.microsoft.com/office/drawing/2010/main" val="0"/>
+              </a:ext>
+            </a:extLst>
+          </a:blip>
+          <a:stretch>
+            <a:fillRect/>
+          </a:stretch>
+        </p:blipFill>
+        <p:spPr>
+          <a:xfrm>
+            <a:off x="4217197" y="1953813"/>
+            <a:ext cx="7658113" cy="3974819"/>
+          </a:xfrm>
+          <a:prstGeom prst="rect">
+            <a:avLst/>
+          </a:prstGeom>
+        </p:spPr>
+      </p:pic>
+      <p:sp>
+        <p:nvSpPr>
+          <p:cNvPr id="3" name="Content Placeholder 6">
+            <a:extLst>
+              <a:ext uri="{FF2B5EF4-FFF2-40B4-BE49-F238E27FC236}">
+                <a16:creationId xmlns:a16="http://schemas.microsoft.com/office/drawing/2014/main" id="{363FCAB7-B6F8-8B20-6613-602AE164F92F}"/>
+              </a:ext>
+            </a:extLst>
+          </p:cNvPr>
+          <p:cNvSpPr>
+            <a:spLocks noGrp="1"/>
+          </p:cNvSpPr>
+          <p:nvPr>
+            <p:ph idx="1"/>
+          </p:nvPr>
+        </p:nvSpPr>
+        <p:spPr>
+          <a:xfrm>
+            <a:off x="838199" y="1825625"/>
+            <a:ext cx="3149593" cy="4351338"/>
+          </a:xfrm>
+        </p:spPr>
+        <p:txBody>
+          <a:bodyPr anchor="ctr"/>
+          <a:lstStyle/>
+          <a:p>
+            <a:pPr marL="0" indent="0">
+              <a:buNone/>
+            </a:pPr>
+            <a:r>
+              <a:rPr lang="fr-CH" dirty="0">
+                <a:latin typeface="Neue Haas Grotesk Text Pro" panose="020B0504020202020204" pitchFamily="34" charset="0"/>
+              </a:rPr>
+              <a:t>Fichier utilisé par </a:t>
+            </a:r>
+            <a:r>
+              <a:rPr lang="fr-CH" dirty="0" err="1">
+                <a:latin typeface="Neue Haas Grotesk Text Pro" panose="020B0504020202020204" pitchFamily="34" charset="0"/>
+              </a:rPr>
+              <a:t>Cesium</a:t>
+            </a:r>
+            <a:endParaRPr lang="fr-CH" dirty="0">
+              <a:latin typeface="Neue Haas Grotesk Text Pro" panose="020B0504020202020204" pitchFamily="34" charset="0"/>
+            </a:endParaRPr>
+          </a:p>
+          <a:p>
+            <a:pPr marL="0" indent="0">
+              <a:buNone/>
+            </a:pPr>
+            <a:r>
+              <a:rPr lang="fr-CH" dirty="0">
+                <a:latin typeface="Neue Haas Grotesk Text Pro" panose="020B0504020202020204" pitchFamily="34" charset="0"/>
+              </a:rPr>
+              <a:t>Définit la disponibilité :</a:t>
+            </a:r>
+          </a:p>
+          <a:p>
+            <a:pPr>
+              <a:buFontTx/>
+              <a:buChar char="-"/>
+            </a:pPr>
+            <a:r>
+              <a:rPr lang="fr-CH" dirty="0">
+                <a:latin typeface="Neue Haas Grotesk Text Pro" panose="020B0504020202020204" pitchFamily="34" charset="0"/>
+              </a:rPr>
+              <a:t>Des tuiles</a:t>
+            </a:r>
+          </a:p>
+          <a:p>
+            <a:pPr>
+              <a:buFontTx/>
+              <a:buChar char="-"/>
+            </a:pPr>
+            <a:r>
+              <a:rPr lang="fr-CH" dirty="0">
+                <a:latin typeface="Neue Haas Grotesk Text Pro" panose="020B0504020202020204" pitchFamily="34" charset="0"/>
+              </a:rPr>
+              <a:t>De leur contenu</a:t>
+            </a:r>
+          </a:p>
+          <a:p>
+            <a:pPr>
+              <a:buFontTx/>
+              <a:buChar char="-"/>
+            </a:pPr>
+            <a:r>
+              <a:rPr lang="fr-CH" dirty="0">
+                <a:latin typeface="Neue Haas Grotesk Text Pro" panose="020B0504020202020204" pitchFamily="34" charset="0"/>
+              </a:rPr>
+              <a:t>De leurs enfants</a:t>
+            </a:r>
+          </a:p>
+        </p:txBody>
+      </p:sp>
+    </p:spTree>
+    <p:extLst>
+      <p:ext uri="{BB962C8B-B14F-4D97-AF65-F5344CB8AC3E}">
+        <p14:creationId xmlns:p14="http://schemas.microsoft.com/office/powerpoint/2010/main" val="3090749270"/>
+      </p:ext>
+    </p:extLst>
+  </p:cSld>
+  <p:clrMapOvr>
+    <a:masterClrMapping/>
+  </p:clrMapOvr>
+</p:sld>
+</file>
+
+<file path=ppt/slides/slide12.xml><?xml version="1.0" encoding="utf-8"?>
+<p:sld xmlns:a="http://schemas.openxmlformats.org/drawingml/2006/main" xmlns:r="http://schemas.openxmlformats.org/officeDocument/2006/relationships" xmlns:p="http://schemas.openxmlformats.org/presentationml/2006/main">
+  <p:cSld>
+    <p:spTree>
+      <p:nvGrpSpPr>
+        <p:cNvPr id="1" name=""/>
+        <p:cNvGrpSpPr/>
+        <p:nvPr/>
+      </p:nvGrpSpPr>
+      <p:grpSpPr>
+        <a:xfrm>
+          <a:off x="0" y="0"/>
+          <a:ext cx="0" cy="0"/>
+          <a:chOff x="0" y="0"/>
+          <a:chExt cx="0" cy="0"/>
+        </a:xfrm>
+      </p:grpSpPr>
       <p:sp>
         <p:nvSpPr>
           <p:cNvPr id="2" name="Title 1">
@@ -3636,6 +4666,84 @@
           </a:prstGeom>
         </p:spPr>
       </p:pic>
+      <p:sp>
+        <p:nvSpPr>
+          <p:cNvPr id="5" name="Content Placeholder 6">
+            <a:extLst>
+              <a:ext uri="{FF2B5EF4-FFF2-40B4-BE49-F238E27FC236}">
+                <a16:creationId xmlns:a16="http://schemas.microsoft.com/office/drawing/2014/main" id="{5414831C-4046-EDAC-A8F7-E69666AFB9C8}"/>
+              </a:ext>
+            </a:extLst>
+          </p:cNvPr>
+          <p:cNvSpPr>
+            <a:spLocks noGrp="1"/>
+          </p:cNvSpPr>
+          <p:nvPr>
+            <p:ph idx="1"/>
+          </p:nvPr>
+        </p:nvSpPr>
+        <p:spPr>
+          <a:xfrm>
+            <a:off x="838200" y="1825625"/>
+            <a:ext cx="4197350" cy="4351338"/>
+          </a:xfrm>
+        </p:spPr>
+        <p:txBody>
+          <a:bodyPr anchor="ctr"/>
+          <a:lstStyle/>
+          <a:p>
+            <a:pPr marL="0" indent="0">
+              <a:buNone/>
+            </a:pPr>
+            <a:r>
+              <a:rPr lang="fr-CH" dirty="0">
+                <a:latin typeface="Neue Haas Grotesk Text Pro" panose="020B0504020202020204" pitchFamily="34" charset="0"/>
+              </a:rPr>
+              <a:t>Hiérarchie</a:t>
+            </a:r>
+          </a:p>
+          <a:p>
+            <a:pPr marL="0" indent="0">
+              <a:lnSpc>
+                <a:spcPct val="150000"/>
+              </a:lnSpc>
+              <a:buNone/>
+            </a:pPr>
+            <a:r>
+              <a:rPr lang="fr-CH" dirty="0">
+                <a:latin typeface="Neue Haas Grotesk Text Pro" panose="020B0504020202020204" pitchFamily="34" charset="0"/>
+              </a:rPr>
+              <a:t>Division en plusieurs rangs</a:t>
+            </a:r>
+          </a:p>
+          <a:p>
+            <a:pPr marL="0" indent="0">
+              <a:buNone/>
+            </a:pPr>
+            <a:r>
+              <a:rPr lang="fr-CH" dirty="0">
+                <a:latin typeface="Neue Haas Grotesk Text Pro" panose="020B0504020202020204" pitchFamily="34" charset="0"/>
+              </a:rPr>
+              <a:t>Liaison entre eux par des nœuds représentant le </a:t>
+            </a:r>
+            <a:r>
+              <a:rPr lang="fr-CH" dirty="0" err="1">
+                <a:latin typeface="Neue Haas Grotesk Text Pro" panose="020B0504020202020204" pitchFamily="34" charset="0"/>
+              </a:rPr>
+              <a:t>Subtree</a:t>
+            </a:r>
+            <a:r>
+              <a:rPr lang="fr-CH" dirty="0">
+                <a:latin typeface="Neue Haas Grotesk Text Pro" panose="020B0504020202020204" pitchFamily="34" charset="0"/>
+              </a:rPr>
+              <a:t> enfant</a:t>
+            </a:r>
+            <a:endParaRPr lang="en-CH" dirty="0">
+              <a:latin typeface="Neue Haas Grotesk Text Pro" panose="020B0504020202020204" pitchFamily="34" charset="0"/>
+            </a:endParaRPr>
+          </a:p>
+        </p:txBody>
+      </p:sp>
     </p:spTree>
     <p:extLst>
       <p:ext uri="{BB962C8B-B14F-4D97-AF65-F5344CB8AC3E}">
@@ -3649,7 +4757,7 @@
 </p:sld>
 </file>
 
-<file path=ppt/slides/slide11.xml><?xml version="1.0" encoding="utf-8"?>
+<file path=ppt/slides/slide13.xml><?xml version="1.0" encoding="utf-8"?>
 <p:sld xmlns:a="http://schemas.openxmlformats.org/drawingml/2006/main" xmlns:r="http://schemas.openxmlformats.org/officeDocument/2006/relationships" xmlns:p="http://schemas.openxmlformats.org/presentationml/2006/main">
   <p:cSld>
     <p:spTree>
@@ -3825,221 +4933,6 @@
 </p:sld>
 </file>
 
-<file path=ppt/slides/slide12.xml><?xml version="1.0" encoding="utf-8"?>
-<p:sld xmlns:a="http://schemas.openxmlformats.org/drawingml/2006/main" xmlns:r="http://schemas.openxmlformats.org/officeDocument/2006/relationships" xmlns:p="http://schemas.openxmlformats.org/presentationml/2006/main">
-  <p:cSld>
-    <p:spTree>
-      <p:nvGrpSpPr>
-        <p:cNvPr id="1" name=""/>
-        <p:cNvGrpSpPr/>
-        <p:nvPr/>
-      </p:nvGrpSpPr>
-      <p:grpSpPr>
-        <a:xfrm>
-          <a:off x="0" y="0"/>
-          <a:ext cx="0" cy="0"/>
-          <a:chOff x="0" y="0"/>
-          <a:chExt cx="0" cy="0"/>
-        </a:xfrm>
-      </p:grpSpPr>
-      <p:sp>
-        <p:nvSpPr>
-          <p:cNvPr id="2" name="Title 1">
-            <a:extLst>
-              <a:ext uri="{FF2B5EF4-FFF2-40B4-BE49-F238E27FC236}">
-                <a16:creationId xmlns:a16="http://schemas.microsoft.com/office/drawing/2014/main" id="{BC750C20-02A3-1AB0-99CE-C75F112C6AC3}"/>
-              </a:ext>
-            </a:extLst>
-          </p:cNvPr>
-          <p:cNvSpPr>
-            <a:spLocks noGrp="1"/>
-          </p:cNvSpPr>
-          <p:nvPr>
-            <p:ph type="title"/>
-          </p:nvPr>
-        </p:nvSpPr>
-        <p:spPr/>
-        <p:txBody>
-          <a:bodyPr/>
-          <a:lstStyle/>
-          <a:p>
-            <a:r>
-              <a:rPr lang="fr-CH" dirty="0">
-                <a:latin typeface="Neue Haas Grotesk Text Pro" panose="020B0504020202020204" pitchFamily="34" charset="0"/>
-              </a:rPr>
-              <a:t>Fonctionnement interne –</a:t>
-            </a:r>
-            <a:br>
-              <a:rPr lang="fr-CH" dirty="0">
-                <a:latin typeface="Neue Haas Grotesk Text Pro" panose="020B0504020202020204" pitchFamily="34" charset="0"/>
-              </a:rPr>
-            </a:br>
-            <a:r>
-              <a:rPr lang="fr-CH">
-                <a:latin typeface="Neue Haas Grotesk Text Pro" panose="020B0504020202020204" pitchFamily="34" charset="0"/>
-              </a:rPr>
-              <a:t>GetSubtree</a:t>
-            </a:r>
-            <a:endParaRPr lang="en-CH" dirty="0">
-              <a:latin typeface="Neue Haas Grotesk Text Pro" panose="020B0504020202020204" pitchFamily="34" charset="0"/>
-            </a:endParaRPr>
-          </a:p>
-        </p:txBody>
-      </p:sp>
-      <p:pic>
-        <p:nvPicPr>
-          <p:cNvPr id="4" name="Content Placeholder 4">
-            <a:extLst>
-              <a:ext uri="{FF2B5EF4-FFF2-40B4-BE49-F238E27FC236}">
-                <a16:creationId xmlns:a16="http://schemas.microsoft.com/office/drawing/2014/main" id="{AC0267BD-F88F-6037-74B7-5041670CC534}"/>
-              </a:ext>
-            </a:extLst>
-          </p:cNvPr>
-          <p:cNvPicPr>
-            <a:picLocks noChangeAspect="1"/>
-          </p:cNvPicPr>
-          <p:nvPr/>
-        </p:nvPicPr>
-        <p:blipFill>
-          <a:blip r:embed="rId2">
-            <a:extLst>
-              <a:ext uri="{96DAC541-7B7A-43D3-8B79-37D633B846F1}">
-                <asvg:svgBlip xmlns:asvg="http://schemas.microsoft.com/office/drawing/2016/SVG/main" r:embed="rId3"/>
-              </a:ext>
-            </a:extLst>
-          </a:blip>
-          <a:stretch>
-            <a:fillRect/>
-          </a:stretch>
-        </p:blipFill>
-        <p:spPr>
-          <a:xfrm>
-            <a:off x="11020060" y="272547"/>
-            <a:ext cx="855250" cy="639454"/>
-          </a:xfrm>
-          <a:prstGeom prst="rect">
-            <a:avLst/>
-          </a:prstGeom>
-        </p:spPr>
-      </p:pic>
-    </p:spTree>
-    <p:extLst>
-      <p:ext uri="{BB962C8B-B14F-4D97-AF65-F5344CB8AC3E}">
-        <p14:creationId xmlns:p14="http://schemas.microsoft.com/office/powerpoint/2010/main" val="367971090"/>
-      </p:ext>
-    </p:extLst>
-  </p:cSld>
-  <p:clrMapOvr>
-    <a:masterClrMapping/>
-  </p:clrMapOvr>
-</p:sld>
-</file>
-
-<file path=ppt/slides/slide13.xml><?xml version="1.0" encoding="utf-8"?>
-<p:sld xmlns:a="http://schemas.openxmlformats.org/drawingml/2006/main" xmlns:r="http://schemas.openxmlformats.org/officeDocument/2006/relationships" xmlns:p="http://schemas.openxmlformats.org/presentationml/2006/main">
-  <p:cSld>
-    <p:spTree>
-      <p:nvGrpSpPr>
-        <p:cNvPr id="1" name=""/>
-        <p:cNvGrpSpPr/>
-        <p:nvPr/>
-      </p:nvGrpSpPr>
-      <p:grpSpPr>
-        <a:xfrm>
-          <a:off x="0" y="0"/>
-          <a:ext cx="0" cy="0"/>
-          <a:chOff x="0" y="0"/>
-          <a:chExt cx="0" cy="0"/>
-        </a:xfrm>
-      </p:grpSpPr>
-      <p:sp>
-        <p:nvSpPr>
-          <p:cNvPr id="2" name="Title 1">
-            <a:extLst>
-              <a:ext uri="{FF2B5EF4-FFF2-40B4-BE49-F238E27FC236}">
-                <a16:creationId xmlns:a16="http://schemas.microsoft.com/office/drawing/2014/main" id="{BC750C20-02A3-1AB0-99CE-C75F112C6AC3}"/>
-              </a:ext>
-            </a:extLst>
-          </p:cNvPr>
-          <p:cNvSpPr>
-            <a:spLocks noGrp="1"/>
-          </p:cNvSpPr>
-          <p:nvPr>
-            <p:ph type="title"/>
-          </p:nvPr>
-        </p:nvSpPr>
-        <p:spPr/>
-        <p:txBody>
-          <a:bodyPr/>
-          <a:lstStyle/>
-          <a:p>
-            <a:r>
-              <a:rPr lang="fr-CH" dirty="0">
-                <a:latin typeface="Neue Haas Grotesk Text Pro" panose="020B0504020202020204" pitchFamily="34" charset="0"/>
-              </a:rPr>
-              <a:t>Génération des fichiers </a:t>
-            </a:r>
-            <a:r>
-              <a:rPr lang="fr-CH" dirty="0" err="1">
-                <a:latin typeface="Neue Haas Grotesk Text Pro" panose="020B0504020202020204" pitchFamily="34" charset="0"/>
-              </a:rPr>
-              <a:t>glTF</a:t>
-            </a:r>
-            <a:endParaRPr lang="en-CH" dirty="0">
-              <a:latin typeface="Neue Haas Grotesk Text Pro" panose="020B0504020202020204" pitchFamily="34" charset="0"/>
-            </a:endParaRPr>
-          </a:p>
-        </p:txBody>
-      </p:sp>
-      <p:pic>
-        <p:nvPicPr>
-          <p:cNvPr id="4" name="Content Placeholder 4">
-            <a:extLst>
-              <a:ext uri="{FF2B5EF4-FFF2-40B4-BE49-F238E27FC236}">
-                <a16:creationId xmlns:a16="http://schemas.microsoft.com/office/drawing/2014/main" id="{AC0267BD-F88F-6037-74B7-5041670CC534}"/>
-              </a:ext>
-            </a:extLst>
-          </p:cNvPr>
-          <p:cNvPicPr>
-            <a:picLocks noChangeAspect="1"/>
-          </p:cNvPicPr>
-          <p:nvPr/>
-        </p:nvPicPr>
-        <p:blipFill>
-          <a:blip r:embed="rId2">
-            <a:extLst>
-              <a:ext uri="{96DAC541-7B7A-43D3-8B79-37D633B846F1}">
-                <asvg:svgBlip xmlns:asvg="http://schemas.microsoft.com/office/drawing/2016/SVG/main" r:embed="rId3"/>
-              </a:ext>
-            </a:extLst>
-          </a:blip>
-          <a:stretch>
-            <a:fillRect/>
-          </a:stretch>
-        </p:blipFill>
-        <p:spPr>
-          <a:xfrm>
-            <a:off x="11020060" y="272547"/>
-            <a:ext cx="855250" cy="639454"/>
-          </a:xfrm>
-          <a:prstGeom prst="rect">
-            <a:avLst/>
-          </a:prstGeom>
-        </p:spPr>
-      </p:pic>
-    </p:spTree>
-    <p:extLst>
-      <p:ext uri="{BB962C8B-B14F-4D97-AF65-F5344CB8AC3E}">
-        <p14:creationId xmlns:p14="http://schemas.microsoft.com/office/powerpoint/2010/main" val="1887171303"/>
-      </p:ext>
-    </p:extLst>
-  </p:cSld>
-  <p:clrMapOvr>
-    <a:masterClrMapping/>
-  </p:clrMapOvr>
-</p:sld>
-</file>
-
 <file path=ppt/slides/slide14.xml><?xml version="1.0" encoding="utf-8"?>
 <p:sld xmlns:a="http://schemas.openxmlformats.org/drawingml/2006/main" xmlns:r="http://schemas.openxmlformats.org/officeDocument/2006/relationships" xmlns:p="http://schemas.openxmlformats.org/presentationml/2006/main">
   <p:cSld>
@@ -4082,13 +4975,18 @@
               <a:rPr lang="fr-CH" dirty="0">
                 <a:latin typeface="Neue Haas Grotesk Text Pro" panose="020B0504020202020204" pitchFamily="34" charset="0"/>
               </a:rPr>
-              <a:t>Levels of </a:t>
-            </a:r>
-            <a:r>
-              <a:rPr lang="fr-CH" dirty="0" err="1">
-                <a:latin typeface="Neue Haas Grotesk Text Pro" panose="020B0504020202020204" pitchFamily="34" charset="0"/>
-              </a:rPr>
-              <a:t>details</a:t>
+              <a:t>Fonctionnement interne –</a:t>
+            </a:r>
+            <a:br>
+              <a:rPr lang="fr-CH" dirty="0">
+                <a:latin typeface="Neue Haas Grotesk Text Pro" panose="020B0504020202020204" pitchFamily="34" charset="0"/>
+              </a:rPr>
+            </a:br>
+            <a:r>
+              <a:rPr lang="fr-CH">
+                <a:latin typeface="Neue Haas Grotesk Text Pro" panose="020B0504020202020204" pitchFamily="34" charset="0"/>
+              </a:rPr>
+              <a:t>GetSubtree</a:t>
             </a:r>
             <a:endParaRPr lang="en-CH" dirty="0">
               <a:latin typeface="Neue Haas Grotesk Text Pro" panose="020B0504020202020204" pitchFamily="34" charset="0"/>
@@ -4134,10 +5032,10 @@
       </p:pic>
       <p:pic>
         <p:nvPicPr>
-          <p:cNvPr id="8" name="Picture 7" descr="A computer generated image of a city&#10;&#10;Description automatically generated">
-            <a:extLst>
-              <a:ext uri="{FF2B5EF4-FFF2-40B4-BE49-F238E27FC236}">
-                <a16:creationId xmlns:a16="http://schemas.microsoft.com/office/drawing/2014/main" id="{E5131D50-3329-F699-35F2-A3B19CEE1358}"/>
+          <p:cNvPr id="5" name="Picture 4">
+            <a:extLst>
+              <a:ext uri="{FF2B5EF4-FFF2-40B4-BE49-F238E27FC236}">
+                <a16:creationId xmlns:a16="http://schemas.microsoft.com/office/drawing/2014/main" id="{2DA56DD2-C7B5-99B6-E2CA-C4970A7FFE35}"/>
               </a:ext>
             </a:extLst>
           </p:cNvPr>
@@ -4147,21 +5045,15 @@
           <p:nvPr/>
         </p:nvPicPr>
         <p:blipFill>
-          <a:blip r:embed="rId4">
-            <a:extLst>
-              <a:ext uri="{28A0092B-C50C-407E-A947-70E740481C1C}">
-                <a14:useLocalDpi xmlns:a14="http://schemas.microsoft.com/office/drawing/2010/main" val="0"/>
-              </a:ext>
-            </a:extLst>
-          </a:blip>
+          <a:blip r:embed="rId4"/>
           <a:stretch>
             <a:fillRect/>
           </a:stretch>
         </p:blipFill>
         <p:spPr>
           <a:xfrm>
-            <a:off x="4446090" y="2228850"/>
-            <a:ext cx="7479210" cy="3742552"/>
+            <a:off x="1101725" y="2182013"/>
+            <a:ext cx="9988550" cy="3753867"/>
           </a:xfrm>
           <a:prstGeom prst="rect">
             <a:avLst/>
@@ -4171,7 +5063,7 @@
     </p:spTree>
     <p:extLst>
       <p:ext uri="{BB962C8B-B14F-4D97-AF65-F5344CB8AC3E}">
-        <p14:creationId xmlns:p14="http://schemas.microsoft.com/office/powerpoint/2010/main" val="3909084576"/>
+        <p14:creationId xmlns:p14="http://schemas.microsoft.com/office/powerpoint/2010/main" val="1439490904"/>
       </p:ext>
     </p:extLst>
   </p:cSld>
@@ -4223,7 +5115,18 @@
               <a:rPr lang="fr-CH" dirty="0">
                 <a:latin typeface="Neue Haas Grotesk Text Pro" panose="020B0504020202020204" pitchFamily="34" charset="0"/>
               </a:rPr>
-              <a:t>Transmission au format JSON Binaire</a:t>
+              <a:t>Fonctionnement interne –</a:t>
+            </a:r>
+            <a:br>
+              <a:rPr lang="fr-CH" dirty="0">
+                <a:latin typeface="Neue Haas Grotesk Text Pro" panose="020B0504020202020204" pitchFamily="34" charset="0"/>
+              </a:rPr>
+            </a:br>
+            <a:r>
+              <a:rPr lang="fr-CH" dirty="0" err="1">
+                <a:latin typeface="Neue Haas Grotesk Text Pro" panose="020B0504020202020204" pitchFamily="34" charset="0"/>
+              </a:rPr>
+              <a:t>createMaxRankSubtree</a:t>
             </a:r>
             <a:endParaRPr lang="en-CH" dirty="0">
               <a:latin typeface="Neue Haas Grotesk Text Pro" panose="020B0504020202020204" pitchFamily="34" charset="0"/>
@@ -4269,10 +5172,10 @@
       </p:pic>
       <p:pic>
         <p:nvPicPr>
-          <p:cNvPr id="6" name="Picture 5" descr="A close up of a line&#10;&#10;Description automatically generated">
-            <a:extLst>
-              <a:ext uri="{FF2B5EF4-FFF2-40B4-BE49-F238E27FC236}">
-                <a16:creationId xmlns:a16="http://schemas.microsoft.com/office/drawing/2014/main" id="{EA57EE57-22C4-0F09-4790-931B10DCE43D}"/>
+          <p:cNvPr id="6" name="Picture 5">
+            <a:extLst>
+              <a:ext uri="{FF2B5EF4-FFF2-40B4-BE49-F238E27FC236}">
+                <a16:creationId xmlns:a16="http://schemas.microsoft.com/office/drawing/2014/main" id="{71FF8AAA-41B6-1920-219A-95BADFD8BA58}"/>
               </a:ext>
             </a:extLst>
           </p:cNvPr>
@@ -4282,275 +5185,25 @@
           <p:nvPr/>
         </p:nvPicPr>
         <p:blipFill>
-          <a:blip r:embed="rId4">
-            <a:extLst>
-              <a:ext uri="{28A0092B-C50C-407E-A947-70E740481C1C}">
-                <a14:useLocalDpi xmlns:a14="http://schemas.microsoft.com/office/drawing/2010/main" val="0"/>
-              </a:ext>
-            </a:extLst>
-          </a:blip>
+          <a:blip r:embed="rId4"/>
           <a:stretch>
             <a:fillRect/>
           </a:stretch>
         </p:blipFill>
         <p:spPr>
           <a:xfrm>
-            <a:off x="930183" y="1699899"/>
-            <a:ext cx="10584673" cy="1331051"/>
+            <a:off x="2774335" y="1593354"/>
+            <a:ext cx="6643329" cy="4899521"/>
           </a:xfrm>
           <a:prstGeom prst="rect">
             <a:avLst/>
           </a:prstGeom>
         </p:spPr>
       </p:pic>
-      <p:sp>
-        <p:nvSpPr>
-          <p:cNvPr id="12" name="TextBox 11">
-            <a:extLst>
-              <a:ext uri="{FF2B5EF4-FFF2-40B4-BE49-F238E27FC236}">
-                <a16:creationId xmlns:a16="http://schemas.microsoft.com/office/drawing/2014/main" id="{4274A903-BE9F-14F1-C479-6EC3D3919E65}"/>
-              </a:ext>
-            </a:extLst>
-          </p:cNvPr>
-          <p:cNvSpPr txBox="1"/>
-          <p:nvPr/>
-        </p:nvSpPr>
-        <p:spPr>
-          <a:xfrm>
-            <a:off x="641830" y="3118712"/>
-            <a:ext cx="10908340" cy="1077218"/>
-          </a:xfrm>
-          <a:prstGeom prst="rect">
-            <a:avLst/>
-          </a:prstGeom>
-          <a:noFill/>
-        </p:spPr>
-        <p:txBody>
-          <a:bodyPr wrap="square">
-            <a:spAutoFit/>
-          </a:bodyPr>
-          <a:lstStyle/>
-          <a:p>
-            <a:pPr algn="l"/>
-            <a:r>
-              <a:rPr lang="fr-FR" sz="1600" b="0" i="0" u="none" strike="noStrike" baseline="0" dirty="0">
-                <a:latin typeface="Neue Haas Grotesk Text Pro" panose="020B0504020202020204" pitchFamily="34" charset="0"/>
-              </a:rPr>
-              <a:t>— </a:t>
-            </a:r>
-            <a:r>
-              <a:rPr lang="fr-FR" sz="1600" b="1" i="0" u="none" strike="noStrike" baseline="0" dirty="0">
-                <a:latin typeface="Neue Haas Grotesk Text Pro" panose="020B0504020202020204" pitchFamily="34" charset="0"/>
-              </a:rPr>
-              <a:t>Magic </a:t>
-            </a:r>
-            <a:r>
-              <a:rPr lang="fr-FR" sz="1600" b="0" i="0" u="none" strike="noStrike" baseline="0" dirty="0">
-                <a:latin typeface="Neue Haas Grotesk Text Pro" panose="020B0504020202020204" pitchFamily="34" charset="0"/>
-              </a:rPr>
-              <a:t>: 4 Bytes, </a:t>
-            </a:r>
-            <a:r>
-              <a:rPr lang="fr-FR" sz="1600" b="0" i="1" u="none" strike="noStrike" baseline="0" dirty="0" err="1">
-                <a:latin typeface="Neue Haas Grotesk Text Pro" panose="020B0504020202020204" pitchFamily="34" charset="0"/>
-              </a:rPr>
-              <a:t>magic</a:t>
-            </a:r>
-            <a:r>
-              <a:rPr lang="fr-FR" sz="1600" b="0" i="1" u="none" strike="noStrike" baseline="0" dirty="0">
-                <a:latin typeface="Neue Haas Grotesk Text Pro" panose="020B0504020202020204" pitchFamily="34" charset="0"/>
-              </a:rPr>
-              <a:t> </a:t>
-            </a:r>
-            <a:r>
-              <a:rPr lang="fr-FR" sz="1600" b="0" i="1" u="none" strike="noStrike" baseline="0" dirty="0" err="1">
-                <a:latin typeface="Neue Haas Grotesk Text Pro" panose="020B0504020202020204" pitchFamily="34" charset="0"/>
-              </a:rPr>
-              <a:t>number</a:t>
-            </a:r>
-            <a:r>
-              <a:rPr lang="fr-FR" sz="1600" b="0" i="1" u="none" strike="noStrike" baseline="0" dirty="0">
-                <a:latin typeface="Neue Haas Grotesk Text Pro" panose="020B0504020202020204" pitchFamily="34" charset="0"/>
-              </a:rPr>
-              <a:t> </a:t>
-            </a:r>
-            <a:r>
-              <a:rPr lang="fr-FR" sz="1600" b="0" i="0" u="none" strike="noStrike" baseline="0" dirty="0">
-                <a:latin typeface="Neue Haas Grotesk Text Pro" panose="020B0504020202020204" pitchFamily="34" charset="0"/>
-              </a:rPr>
-              <a:t>identifiant ce fichier comme un </a:t>
-            </a:r>
-            <a:r>
-              <a:rPr lang="fr-FR" sz="1600" b="0" i="0" u="none" strike="noStrike" baseline="0" dirty="0" err="1">
-                <a:latin typeface="Neue Haas Grotesk Text Pro" panose="020B0504020202020204" pitchFamily="34" charset="0"/>
-              </a:rPr>
-              <a:t>Subtree</a:t>
-            </a:r>
-            <a:r>
-              <a:rPr lang="fr-FR" sz="1600" b="0" i="0" u="none" strike="noStrike" baseline="0" dirty="0">
-                <a:latin typeface="Neue Haas Grotesk Text Pro" panose="020B0504020202020204" pitchFamily="34" charset="0"/>
-              </a:rPr>
-              <a:t>. A toujours une valeur de 0x74627573.</a:t>
-            </a:r>
-          </a:p>
-          <a:p>
-            <a:pPr algn="l"/>
-            <a:r>
-              <a:rPr lang="fr-FR" sz="1600" b="0" i="0" u="none" strike="noStrike" baseline="0" dirty="0">
-                <a:latin typeface="Neue Haas Grotesk Text Pro" panose="020B0504020202020204" pitchFamily="34" charset="0"/>
-              </a:rPr>
-              <a:t>— </a:t>
-            </a:r>
-            <a:r>
-              <a:rPr lang="fr-FR" sz="1600" b="1" i="0" u="none" strike="noStrike" baseline="0" dirty="0">
-                <a:latin typeface="Neue Haas Grotesk Text Pro" panose="020B0504020202020204" pitchFamily="34" charset="0"/>
-              </a:rPr>
-              <a:t>Version </a:t>
-            </a:r>
-            <a:r>
-              <a:rPr lang="fr-FR" sz="1600" b="0" i="0" u="none" strike="noStrike" baseline="0" dirty="0">
-                <a:latin typeface="Neue Haas Grotesk Text Pro" panose="020B0504020202020204" pitchFamily="34" charset="0"/>
-              </a:rPr>
-              <a:t>: 4 Bytes, version du format binaire. Actuellement, le 24.07.2024, il </a:t>
-            </a:r>
-            <a:r>
-              <a:rPr lang="fr-CH" sz="1600" b="0" i="0" u="none" strike="noStrike" baseline="0" dirty="0">
-                <a:latin typeface="Neue Haas Grotesk Text Pro" panose="020B0504020202020204" pitchFamily="34" charset="0"/>
-              </a:rPr>
-              <a:t>s’agit de 1.</a:t>
-            </a:r>
-          </a:p>
-          <a:p>
-            <a:pPr algn="l"/>
-            <a:r>
-              <a:rPr lang="fr-FR" sz="1600" b="0" i="0" u="none" strike="noStrike" baseline="0" dirty="0">
-                <a:latin typeface="Neue Haas Grotesk Text Pro" panose="020B0504020202020204" pitchFamily="34" charset="0"/>
-              </a:rPr>
-              <a:t>— </a:t>
-            </a:r>
-            <a:r>
-              <a:rPr lang="fr-FR" sz="1600" b="1" i="0" u="none" strike="noStrike" baseline="0" dirty="0">
-                <a:latin typeface="Neue Haas Grotesk Text Pro" panose="020B0504020202020204" pitchFamily="34" charset="0"/>
-              </a:rPr>
-              <a:t>JSON Byte </a:t>
-            </a:r>
-            <a:r>
-              <a:rPr lang="fr-FR" sz="1600" b="1" i="0" u="none" strike="noStrike" baseline="0" dirty="0" err="1">
-                <a:latin typeface="Neue Haas Grotesk Text Pro" panose="020B0504020202020204" pitchFamily="34" charset="0"/>
-              </a:rPr>
-              <a:t>Length</a:t>
-            </a:r>
-            <a:r>
-              <a:rPr lang="fr-FR" sz="1600" b="1" i="0" u="none" strike="noStrike" baseline="0" dirty="0">
-                <a:latin typeface="Neue Haas Grotesk Text Pro" panose="020B0504020202020204" pitchFamily="34" charset="0"/>
-              </a:rPr>
-              <a:t> </a:t>
-            </a:r>
-            <a:r>
-              <a:rPr lang="fr-FR" sz="1600" b="0" i="0" u="none" strike="noStrike" baseline="0" dirty="0">
-                <a:latin typeface="Neue Haas Grotesk Text Pro" panose="020B0504020202020204" pitchFamily="34" charset="0"/>
-              </a:rPr>
-              <a:t>: 8 Bytes, longueur de la partie JSON en Bytes.</a:t>
-            </a:r>
-          </a:p>
-          <a:p>
-            <a:pPr algn="l"/>
-            <a:r>
-              <a:rPr lang="fr-FR" sz="1600" b="0" i="0" u="none" strike="noStrike" baseline="0" dirty="0">
-                <a:latin typeface="Neue Haas Grotesk Text Pro" panose="020B0504020202020204" pitchFamily="34" charset="0"/>
-              </a:rPr>
-              <a:t>— </a:t>
-            </a:r>
-            <a:r>
-              <a:rPr lang="fr-FR" sz="1600" b="1" i="0" u="none" strike="noStrike" baseline="0" dirty="0" err="1">
-                <a:latin typeface="Neue Haas Grotesk Text Pro" panose="020B0504020202020204" pitchFamily="34" charset="0"/>
-              </a:rPr>
-              <a:t>Binary</a:t>
-            </a:r>
-            <a:r>
-              <a:rPr lang="fr-FR" sz="1600" b="1" i="0" u="none" strike="noStrike" baseline="0" dirty="0">
-                <a:latin typeface="Neue Haas Grotesk Text Pro" panose="020B0504020202020204" pitchFamily="34" charset="0"/>
-              </a:rPr>
-              <a:t> Byte </a:t>
-            </a:r>
-            <a:r>
-              <a:rPr lang="fr-FR" sz="1600" b="1" i="0" u="none" strike="noStrike" baseline="0" dirty="0" err="1">
-                <a:latin typeface="Neue Haas Grotesk Text Pro" panose="020B0504020202020204" pitchFamily="34" charset="0"/>
-              </a:rPr>
-              <a:t>Length</a:t>
-            </a:r>
-            <a:r>
-              <a:rPr lang="fr-FR" sz="1600" b="1" i="0" u="none" strike="noStrike" baseline="0" dirty="0">
-                <a:latin typeface="Neue Haas Grotesk Text Pro" panose="020B0504020202020204" pitchFamily="34" charset="0"/>
-              </a:rPr>
-              <a:t> </a:t>
-            </a:r>
-            <a:r>
-              <a:rPr lang="fr-FR" sz="1600" b="0" i="0" u="none" strike="noStrike" baseline="0" dirty="0">
-                <a:latin typeface="Neue Haas Grotesk Text Pro" panose="020B0504020202020204" pitchFamily="34" charset="0"/>
-              </a:rPr>
-              <a:t>: 8 Bytes, longueur de la partie binaire en Bytes.</a:t>
-            </a:r>
-            <a:endParaRPr lang="en-CH" sz="2800" dirty="0">
-              <a:latin typeface="Neue Haas Grotesk Text Pro" panose="020B0504020202020204" pitchFamily="34" charset="0"/>
-            </a:endParaRPr>
-          </a:p>
-        </p:txBody>
-      </p:sp>
-      <p:sp>
-        <p:nvSpPr>
-          <p:cNvPr id="14" name="TextBox 13">
-            <a:extLst>
-              <a:ext uri="{FF2B5EF4-FFF2-40B4-BE49-F238E27FC236}">
-                <a16:creationId xmlns:a16="http://schemas.microsoft.com/office/drawing/2014/main" id="{AC1D5355-C50B-661E-C76D-F5E7FE6EA3D7}"/>
-              </a:ext>
-            </a:extLst>
-          </p:cNvPr>
-          <p:cNvSpPr txBox="1"/>
-          <p:nvPr/>
-        </p:nvSpPr>
-        <p:spPr>
-          <a:xfrm>
-            <a:off x="323370" y="6217975"/>
-            <a:ext cx="11226800" cy="369332"/>
-          </a:xfrm>
-          <a:prstGeom prst="rect">
-            <a:avLst/>
-          </a:prstGeom>
-          <a:noFill/>
-        </p:spPr>
-        <p:txBody>
-          <a:bodyPr wrap="square">
-            <a:spAutoFit/>
-          </a:bodyPr>
-          <a:lstStyle/>
-          <a:p>
-            <a:pPr algn="l"/>
-            <a:r>
-              <a:rPr lang="fr-CH" dirty="0">
-                <a:latin typeface="Neue Haas Grotesk Text Pro" panose="020B0504020202020204" pitchFamily="34" charset="0"/>
-              </a:rPr>
-              <a:t>Source : </a:t>
-            </a:r>
-            <a:r>
-              <a:rPr lang="fr-CH" sz="1800" b="0" i="0" u="none" strike="noStrike" baseline="0" dirty="0">
-                <a:solidFill>
-                  <a:srgbClr val="DC307A"/>
-                </a:solidFill>
-                <a:latin typeface="Neue Haas Grotesk Text Pro" panose="020B0504020202020204" pitchFamily="34" charset="0"/>
-              </a:rPr>
-              <a:t>https://github.com/CesiumGS/3dtiles/tree/main/specification/ImplicitTiling</a:t>
-            </a:r>
-            <a:endParaRPr lang="en-CH" dirty="0">
-              <a:latin typeface="Neue Haas Grotesk Text Pro" panose="020B0504020202020204" pitchFamily="34" charset="0"/>
-            </a:endParaRPr>
-          </a:p>
-        </p:txBody>
-      </p:sp>
     </p:spTree>
     <p:extLst>
       <p:ext uri="{BB962C8B-B14F-4D97-AF65-F5344CB8AC3E}">
-        <p14:creationId xmlns:p14="http://schemas.microsoft.com/office/powerpoint/2010/main" val="135165290"/>
+        <p14:creationId xmlns:p14="http://schemas.microsoft.com/office/powerpoint/2010/main" val="1769793717"/>
       </p:ext>
     </p:extLst>
   </p:cSld>
@@ -4602,76 +5255,19 @@
               <a:rPr lang="fr-CH" dirty="0">
                 <a:latin typeface="Neue Haas Grotesk Text Pro" panose="020B0504020202020204" pitchFamily="34" charset="0"/>
               </a:rPr>
-              <a:t>Mon ressentit </a:t>
-            </a:r>
-            <a:endParaRPr lang="en-CH" dirty="0">
-              <a:latin typeface="Neue Haas Grotesk Text Pro" panose="020B0504020202020204" pitchFamily="34" charset="0"/>
-            </a:endParaRPr>
-          </a:p>
-        </p:txBody>
-      </p:sp>
-      <p:sp>
-        <p:nvSpPr>
-          <p:cNvPr id="3" name="Content Placeholder 2">
-            <a:extLst>
-              <a:ext uri="{FF2B5EF4-FFF2-40B4-BE49-F238E27FC236}">
-                <a16:creationId xmlns:a16="http://schemas.microsoft.com/office/drawing/2014/main" id="{B5C63418-C4C7-0A52-C758-70D3B1DE396B}"/>
-              </a:ext>
-            </a:extLst>
-          </p:cNvPr>
-          <p:cNvSpPr>
-            <a:spLocks noGrp="1"/>
-          </p:cNvSpPr>
-          <p:nvPr>
-            <p:ph idx="1"/>
-          </p:nvPr>
-        </p:nvSpPr>
-        <p:spPr/>
-        <p:txBody>
-          <a:bodyPr/>
-          <a:lstStyle/>
-          <a:p>
-            <a:pPr marL="0" indent="0">
-              <a:buNone/>
-            </a:pPr>
-            <a:r>
+              <a:t>Fonctionnement interne –</a:t>
+            </a:r>
+            <a:br>
               <a:rPr lang="fr-CH" dirty="0">
                 <a:latin typeface="Neue Haas Grotesk Text Pro" panose="020B0504020202020204" pitchFamily="34" charset="0"/>
               </a:rPr>
-              <a:t>Client </a:t>
-            </a:r>
+            </a:br>
             <a:r>
               <a:rPr lang="fr-CH" dirty="0" err="1">
                 <a:latin typeface="Neue Haas Grotesk Text Pro" panose="020B0504020202020204" pitchFamily="34" charset="0"/>
               </a:rPr>
-              <a:t>CesiumJS</a:t>
-            </a:r>
-            <a:r>
-              <a:rPr lang="fr-CH" dirty="0">
-                <a:latin typeface="Neue Haas Grotesk Text Pro" panose="020B0504020202020204" pitchFamily="34" charset="0"/>
-              </a:rPr>
-              <a:t> pas </a:t>
-            </a:r>
-            <a:r>
-              <a:rPr lang="fr-CH" dirty="0" err="1">
-                <a:latin typeface="Neue Haas Grotesk Text Pro" panose="020B0504020202020204" pitchFamily="34" charset="0"/>
-              </a:rPr>
-              <a:t>opti</a:t>
-            </a:r>
-            <a:r>
-              <a:rPr lang="fr-CH" dirty="0">
-                <a:latin typeface="Neue Haas Grotesk Text Pro" panose="020B0504020202020204" pitchFamily="34" charset="0"/>
-              </a:rPr>
-              <a:t> si on utilise pas ION</a:t>
-            </a:r>
-            <a:endParaRPr lang="en-CH" dirty="0">
-              <a:latin typeface="Neue Haas Grotesk Text Pro" panose="020B0504020202020204" pitchFamily="34" charset="0"/>
-            </a:endParaRPr>
-          </a:p>
-          <a:p>
-            <a:pPr marL="0" indent="0">
-              <a:buNone/>
-            </a:pPr>
+              <a:t>createSubtree</a:t>
+            </a:r>
             <a:endParaRPr lang="en-CH" dirty="0">
               <a:latin typeface="Neue Haas Grotesk Text Pro" panose="020B0504020202020204" pitchFamily="34" charset="0"/>
             </a:endParaRPr>
@@ -4714,10 +5310,40 @@
           </a:prstGeom>
         </p:spPr>
       </p:pic>
+      <p:pic>
+        <p:nvPicPr>
+          <p:cNvPr id="8" name="Picture 7">
+            <a:extLst>
+              <a:ext uri="{FF2B5EF4-FFF2-40B4-BE49-F238E27FC236}">
+                <a16:creationId xmlns:a16="http://schemas.microsoft.com/office/drawing/2014/main" id="{23332B52-248B-7182-4A5E-A1C610408F57}"/>
+              </a:ext>
+            </a:extLst>
+          </p:cNvPr>
+          <p:cNvPicPr>
+            <a:picLocks noChangeAspect="1"/>
+          </p:cNvPicPr>
+          <p:nvPr/>
+        </p:nvPicPr>
+        <p:blipFill>
+          <a:blip r:embed="rId4"/>
+          <a:stretch>
+            <a:fillRect/>
+          </a:stretch>
+        </p:blipFill>
+        <p:spPr>
+          <a:xfrm>
+            <a:off x="2321871" y="1773743"/>
+            <a:ext cx="7548258" cy="5084257"/>
+          </a:xfrm>
+          <a:prstGeom prst="rect">
+            <a:avLst/>
+          </a:prstGeom>
+        </p:spPr>
+      </p:pic>
     </p:spTree>
     <p:extLst>
       <p:ext uri="{BB962C8B-B14F-4D97-AF65-F5344CB8AC3E}">
-        <p14:creationId xmlns:p14="http://schemas.microsoft.com/office/powerpoint/2010/main" val="4157751723"/>
+        <p14:creationId xmlns:p14="http://schemas.microsoft.com/office/powerpoint/2010/main" val="3124349976"/>
       </p:ext>
     </p:extLst>
   </p:cSld>
@@ -4744,78 +5370,12 @@
           <a:chExt cx="0" cy="0"/>
         </a:xfrm>
       </p:grpSpPr>
-      <p:sp>
-        <p:nvSpPr>
-          <p:cNvPr id="2" name="Title 1">
-            <a:extLst>
-              <a:ext uri="{FF2B5EF4-FFF2-40B4-BE49-F238E27FC236}">
-                <a16:creationId xmlns:a16="http://schemas.microsoft.com/office/drawing/2014/main" id="{BC750C20-02A3-1AB0-99CE-C75F112C6AC3}"/>
-              </a:ext>
-            </a:extLst>
-          </p:cNvPr>
-          <p:cNvSpPr>
-            <a:spLocks noGrp="1"/>
-          </p:cNvSpPr>
-          <p:nvPr>
-            <p:ph type="title"/>
-          </p:nvPr>
-        </p:nvSpPr>
-        <p:spPr/>
-        <p:txBody>
-          <a:bodyPr/>
-          <a:lstStyle/>
-          <a:p>
-            <a:r>
-              <a:rPr lang="fr-CH" dirty="0">
-                <a:latin typeface="Neue Haas Grotesk Text Pro" panose="020B0504020202020204" pitchFamily="34" charset="0"/>
-              </a:rPr>
-              <a:t>Conclusion </a:t>
-            </a:r>
-            <a:endParaRPr lang="en-CH" dirty="0">
-              <a:latin typeface="Neue Haas Grotesk Text Pro" panose="020B0504020202020204" pitchFamily="34" charset="0"/>
-            </a:endParaRPr>
-          </a:p>
-        </p:txBody>
-      </p:sp>
-      <p:sp>
-        <p:nvSpPr>
-          <p:cNvPr id="3" name="Content Placeholder 2">
-            <a:extLst>
-              <a:ext uri="{FF2B5EF4-FFF2-40B4-BE49-F238E27FC236}">
-                <a16:creationId xmlns:a16="http://schemas.microsoft.com/office/drawing/2014/main" id="{B5C63418-C4C7-0A52-C758-70D3B1DE396B}"/>
-              </a:ext>
-            </a:extLst>
-          </p:cNvPr>
-          <p:cNvSpPr>
-            <a:spLocks noGrp="1"/>
-          </p:cNvSpPr>
-          <p:nvPr>
-            <p:ph idx="1"/>
-          </p:nvPr>
-        </p:nvSpPr>
-        <p:spPr/>
-        <p:txBody>
-          <a:bodyPr/>
-          <a:lstStyle/>
-          <a:p>
-            <a:r>
-              <a:rPr lang="fr-CH" dirty="0" err="1">
-                <a:latin typeface="Neue Haas Grotesk Text Pro" panose="020B0504020202020204" pitchFamily="34" charset="0"/>
-              </a:rPr>
-              <a:t>daw</a:t>
-            </a:r>
-            <a:endParaRPr lang="en-CH" dirty="0">
-              <a:latin typeface="Neue Haas Grotesk Text Pro" panose="020B0504020202020204" pitchFamily="34" charset="0"/>
-            </a:endParaRPr>
-          </a:p>
-        </p:txBody>
-      </p:sp>
       <p:pic>
         <p:nvPicPr>
-          <p:cNvPr id="4" name="Content Placeholder 4">
-            <a:extLst>
-              <a:ext uri="{FF2B5EF4-FFF2-40B4-BE49-F238E27FC236}">
-                <a16:creationId xmlns:a16="http://schemas.microsoft.com/office/drawing/2014/main" id="{AC0267BD-F88F-6037-74B7-5041670CC534}"/>
+          <p:cNvPr id="5" name="Picture 4">
+            <a:extLst>
+              <a:ext uri="{FF2B5EF4-FFF2-40B4-BE49-F238E27FC236}">
+                <a16:creationId xmlns:a16="http://schemas.microsoft.com/office/drawing/2014/main" id="{3663045A-4EA4-5549-D7BE-9D332AE59110}"/>
               </a:ext>
             </a:extLst>
           </p:cNvPr>
@@ -4825,10 +5385,84 @@
           <p:nvPr/>
         </p:nvPicPr>
         <p:blipFill>
-          <a:blip r:embed="rId2">
+          <a:blip r:embed="rId2"/>
+          <a:stretch>
+            <a:fillRect/>
+          </a:stretch>
+        </p:blipFill>
+        <p:spPr>
+          <a:xfrm>
+            <a:off x="4955447" y="1270656"/>
+            <a:ext cx="5547453" cy="5460344"/>
+          </a:xfrm>
+          <a:prstGeom prst="rect">
+            <a:avLst/>
+          </a:prstGeom>
+        </p:spPr>
+      </p:pic>
+      <p:sp>
+        <p:nvSpPr>
+          <p:cNvPr id="2" name="Title 1">
+            <a:extLst>
+              <a:ext uri="{FF2B5EF4-FFF2-40B4-BE49-F238E27FC236}">
+                <a16:creationId xmlns:a16="http://schemas.microsoft.com/office/drawing/2014/main" id="{BC750C20-02A3-1AB0-99CE-C75F112C6AC3}"/>
+              </a:ext>
+            </a:extLst>
+          </p:cNvPr>
+          <p:cNvSpPr>
+            <a:spLocks noGrp="1"/>
+          </p:cNvSpPr>
+          <p:nvPr>
+            <p:ph type="title"/>
+          </p:nvPr>
+        </p:nvSpPr>
+        <p:spPr/>
+        <p:txBody>
+          <a:bodyPr/>
+          <a:lstStyle/>
+          <a:p>
+            <a:r>
+              <a:rPr lang="fr-CH" dirty="0">
+                <a:latin typeface="Neue Haas Grotesk Text Pro" panose="020B0504020202020204" pitchFamily="34" charset="0"/>
+              </a:rPr>
+              <a:t>Fonctionnement interne –</a:t>
+            </a:r>
+            <a:br>
+              <a:rPr lang="fr-CH" dirty="0">
+                <a:latin typeface="Neue Haas Grotesk Text Pro" panose="020B0504020202020204" pitchFamily="34" charset="0"/>
+              </a:rPr>
+            </a:br>
+            <a:r>
+              <a:rPr lang="fr-CH" dirty="0" err="1">
+                <a:latin typeface="Neue Haas Grotesk Text Pro" panose="020B0504020202020204" pitchFamily="34" charset="0"/>
+              </a:rPr>
+              <a:t>createSubtree</a:t>
+            </a:r>
+            <a:endParaRPr lang="en-CH" dirty="0">
+              <a:latin typeface="Neue Haas Grotesk Text Pro" panose="020B0504020202020204" pitchFamily="34" charset="0"/>
+            </a:endParaRPr>
+          </a:p>
+        </p:txBody>
+      </p:sp>
+      <p:pic>
+        <p:nvPicPr>
+          <p:cNvPr id="4" name="Content Placeholder 4">
+            <a:extLst>
+              <a:ext uri="{FF2B5EF4-FFF2-40B4-BE49-F238E27FC236}">
+                <a16:creationId xmlns:a16="http://schemas.microsoft.com/office/drawing/2014/main" id="{AC0267BD-F88F-6037-74B7-5041670CC534}"/>
+              </a:ext>
+            </a:extLst>
+          </p:cNvPr>
+          <p:cNvPicPr>
+            <a:picLocks noChangeAspect="1"/>
+          </p:cNvPicPr>
+          <p:nvPr/>
+        </p:nvPicPr>
+        <p:blipFill>
+          <a:blip r:embed="rId3">
             <a:extLst>
               <a:ext uri="{96DAC541-7B7A-43D3-8B79-37D633B846F1}">
-                <asvg:svgBlip xmlns:asvg="http://schemas.microsoft.com/office/drawing/2016/SVG/main" r:embed="rId3"/>
+                <asvg:svgBlip xmlns:asvg="http://schemas.microsoft.com/office/drawing/2016/SVG/main" r:embed="rId4"/>
               </a:ext>
             </a:extLst>
           </a:blip>
@@ -4849,7 +5483,448 @@
     </p:spTree>
     <p:extLst>
       <p:ext uri="{BB962C8B-B14F-4D97-AF65-F5344CB8AC3E}">
-        <p14:creationId xmlns:p14="http://schemas.microsoft.com/office/powerpoint/2010/main" val="2893632406"/>
+        <p14:creationId xmlns:p14="http://schemas.microsoft.com/office/powerpoint/2010/main" val="2791603468"/>
+      </p:ext>
+    </p:extLst>
+  </p:cSld>
+  <p:clrMapOvr>
+    <a:masterClrMapping/>
+  </p:clrMapOvr>
+</p:sld>
+</file>
+
+<file path=ppt/slides/slide18.xml><?xml version="1.0" encoding="utf-8"?>
+<p:sld xmlns:a="http://schemas.openxmlformats.org/drawingml/2006/main" xmlns:r="http://schemas.openxmlformats.org/officeDocument/2006/relationships" xmlns:p="http://schemas.openxmlformats.org/presentationml/2006/main">
+  <p:cSld>
+    <p:spTree>
+      <p:nvGrpSpPr>
+        <p:cNvPr id="1" name=""/>
+        <p:cNvGrpSpPr/>
+        <p:nvPr/>
+      </p:nvGrpSpPr>
+      <p:grpSpPr>
+        <a:xfrm>
+          <a:off x="0" y="0"/>
+          <a:ext cx="0" cy="0"/>
+          <a:chOff x="0" y="0"/>
+          <a:chExt cx="0" cy="0"/>
+        </a:xfrm>
+      </p:grpSpPr>
+      <p:sp>
+        <p:nvSpPr>
+          <p:cNvPr id="2" name="Title 1">
+            <a:extLst>
+              <a:ext uri="{FF2B5EF4-FFF2-40B4-BE49-F238E27FC236}">
+                <a16:creationId xmlns:a16="http://schemas.microsoft.com/office/drawing/2014/main" id="{BC750C20-02A3-1AB0-99CE-C75F112C6AC3}"/>
+              </a:ext>
+            </a:extLst>
+          </p:cNvPr>
+          <p:cNvSpPr>
+            <a:spLocks noGrp="1"/>
+          </p:cNvSpPr>
+          <p:nvPr>
+            <p:ph type="title"/>
+          </p:nvPr>
+        </p:nvSpPr>
+        <p:spPr/>
+        <p:txBody>
+          <a:bodyPr/>
+          <a:lstStyle/>
+          <a:p>
+            <a:r>
+              <a:rPr lang="fr-CH" dirty="0">
+                <a:latin typeface="Neue Haas Grotesk Text Pro" panose="020B0504020202020204" pitchFamily="34" charset="0"/>
+              </a:rPr>
+              <a:t>Fonctionnement interne –</a:t>
+            </a:r>
+            <a:br>
+              <a:rPr lang="fr-CH" dirty="0">
+                <a:latin typeface="Neue Haas Grotesk Text Pro" panose="020B0504020202020204" pitchFamily="34" charset="0"/>
+              </a:rPr>
+            </a:br>
+            <a:r>
+              <a:rPr lang="fr-CH" dirty="0">
+                <a:latin typeface="Neue Haas Grotesk Text Pro" panose="020B0504020202020204" pitchFamily="34" charset="0"/>
+              </a:rPr>
+              <a:t>Autres fonctions utilitaires</a:t>
+            </a:r>
+            <a:endParaRPr lang="en-CH" dirty="0">
+              <a:latin typeface="Neue Haas Grotesk Text Pro" panose="020B0504020202020204" pitchFamily="34" charset="0"/>
+            </a:endParaRPr>
+          </a:p>
+        </p:txBody>
+      </p:sp>
+      <p:pic>
+        <p:nvPicPr>
+          <p:cNvPr id="4" name="Content Placeholder 4">
+            <a:extLst>
+              <a:ext uri="{FF2B5EF4-FFF2-40B4-BE49-F238E27FC236}">
+                <a16:creationId xmlns:a16="http://schemas.microsoft.com/office/drawing/2014/main" id="{AC0267BD-F88F-6037-74B7-5041670CC534}"/>
+              </a:ext>
+            </a:extLst>
+          </p:cNvPr>
+          <p:cNvPicPr>
+            <a:picLocks noChangeAspect="1"/>
+          </p:cNvPicPr>
+          <p:nvPr/>
+        </p:nvPicPr>
+        <p:blipFill>
+          <a:blip r:embed="rId2">
+            <a:extLst>
+              <a:ext uri="{96DAC541-7B7A-43D3-8B79-37D633B846F1}">
+                <asvg:svgBlip xmlns:asvg="http://schemas.microsoft.com/office/drawing/2016/SVG/main" r:embed="rId3"/>
+              </a:ext>
+            </a:extLst>
+          </a:blip>
+          <a:stretch>
+            <a:fillRect/>
+          </a:stretch>
+        </p:blipFill>
+        <p:spPr>
+          <a:xfrm>
+            <a:off x="11020060" y="272547"/>
+            <a:ext cx="855250" cy="639454"/>
+          </a:xfrm>
+          <a:prstGeom prst="rect">
+            <a:avLst/>
+          </a:prstGeom>
+        </p:spPr>
+      </p:pic>
+      <p:sp>
+        <p:nvSpPr>
+          <p:cNvPr id="3" name="Content Placeholder 6">
+            <a:extLst>
+              <a:ext uri="{FF2B5EF4-FFF2-40B4-BE49-F238E27FC236}">
+                <a16:creationId xmlns:a16="http://schemas.microsoft.com/office/drawing/2014/main" id="{29A87CEF-E148-C08A-4B65-48076173E6CA}"/>
+              </a:ext>
+            </a:extLst>
+          </p:cNvPr>
+          <p:cNvSpPr>
+            <a:spLocks noGrp="1"/>
+          </p:cNvSpPr>
+          <p:nvPr>
+            <p:ph idx="1"/>
+          </p:nvPr>
+        </p:nvSpPr>
+        <p:spPr>
+          <a:xfrm>
+            <a:off x="838200" y="1825625"/>
+            <a:ext cx="10515600" cy="4351338"/>
+          </a:xfrm>
+        </p:spPr>
+        <p:txBody>
+          <a:bodyPr anchor="ctr"/>
+          <a:lstStyle/>
+          <a:p>
+            <a:pPr marL="0" indent="0">
+              <a:lnSpc>
+                <a:spcPct val="150000"/>
+              </a:lnSpc>
+              <a:buNone/>
+            </a:pPr>
+            <a:r>
+              <a:rPr lang="fr-CH" dirty="0">
+                <a:latin typeface="Neue Haas Grotesk Text Pro" panose="020B0504020202020204" pitchFamily="34" charset="0"/>
+              </a:rPr>
+              <a:t>Concaténation de </a:t>
+            </a:r>
+            <a:r>
+              <a:rPr lang="fr-CH" dirty="0" err="1">
+                <a:latin typeface="Neue Haas Grotesk Text Pro" panose="020B0504020202020204" pitchFamily="34" charset="0"/>
+              </a:rPr>
+              <a:t>Subtree</a:t>
+            </a:r>
+            <a:endParaRPr lang="fr-CH" dirty="0">
+              <a:latin typeface="Neue Haas Grotesk Text Pro" panose="020B0504020202020204" pitchFamily="34" charset="0"/>
+            </a:endParaRPr>
+          </a:p>
+          <a:p>
+            <a:pPr marL="0" indent="0">
+              <a:lnSpc>
+                <a:spcPct val="150000"/>
+              </a:lnSpc>
+              <a:buNone/>
+            </a:pPr>
+            <a:r>
+              <a:rPr lang="fr-CH" dirty="0">
+                <a:latin typeface="Neue Haas Grotesk Text Pro" panose="020B0504020202020204" pitchFamily="34" charset="0"/>
+              </a:rPr>
+              <a:t>Concaténation de </a:t>
+            </a:r>
+            <a:r>
+              <a:rPr lang="fr-CH" dirty="0" err="1">
+                <a:latin typeface="Neue Haas Grotesk Text Pro" panose="020B0504020202020204" pitchFamily="34" charset="0"/>
+              </a:rPr>
+              <a:t>Availability</a:t>
+            </a:r>
+            <a:endParaRPr lang="fr-CH" dirty="0">
+              <a:latin typeface="Neue Haas Grotesk Text Pro" panose="020B0504020202020204" pitchFamily="34" charset="0"/>
+            </a:endParaRPr>
+          </a:p>
+          <a:p>
+            <a:pPr marL="0" indent="0">
+              <a:lnSpc>
+                <a:spcPct val="150000"/>
+              </a:lnSpc>
+              <a:buNone/>
+            </a:pPr>
+            <a:r>
+              <a:rPr lang="fr-CH" dirty="0">
+                <a:latin typeface="Neue Haas Grotesk Text Pro" panose="020B0504020202020204" pitchFamily="34" charset="0"/>
+              </a:rPr>
+              <a:t>Génération de </a:t>
+            </a:r>
+            <a:r>
+              <a:rPr lang="fr-CH" dirty="0" err="1">
+                <a:latin typeface="Neue Haas Grotesk Text Pro" panose="020B0504020202020204" pitchFamily="34" charset="0"/>
+              </a:rPr>
+              <a:t>Availability</a:t>
+            </a:r>
+            <a:r>
+              <a:rPr lang="fr-CH" dirty="0">
+                <a:latin typeface="Neue Haas Grotesk Text Pro" panose="020B0504020202020204" pitchFamily="34" charset="0"/>
+              </a:rPr>
+              <a:t> à partir d’un </a:t>
+            </a:r>
+            <a:r>
+              <a:rPr lang="fr-CH" dirty="0" err="1">
+                <a:latin typeface="Neue Haas Grotesk Text Pro" panose="020B0504020202020204" pitchFamily="34" charset="0"/>
+              </a:rPr>
+              <a:t>BitSet</a:t>
+            </a:r>
+            <a:endParaRPr lang="fr-CH" dirty="0">
+              <a:latin typeface="Neue Haas Grotesk Text Pro" panose="020B0504020202020204" pitchFamily="34" charset="0"/>
+            </a:endParaRPr>
+          </a:p>
+          <a:p>
+            <a:pPr marL="0" indent="0">
+              <a:lnSpc>
+                <a:spcPct val="150000"/>
+              </a:lnSpc>
+              <a:buNone/>
+            </a:pPr>
+            <a:r>
+              <a:rPr lang="fr-CH" dirty="0">
+                <a:latin typeface="Neue Haas Grotesk Text Pro" panose="020B0504020202020204" pitchFamily="34" charset="0"/>
+              </a:rPr>
+              <a:t>Manipulations de Morton Index</a:t>
+            </a:r>
+          </a:p>
+        </p:txBody>
+      </p:sp>
+    </p:spTree>
+    <p:extLst>
+      <p:ext uri="{BB962C8B-B14F-4D97-AF65-F5344CB8AC3E}">
+        <p14:creationId xmlns:p14="http://schemas.microsoft.com/office/powerpoint/2010/main" val="1437643100"/>
+      </p:ext>
+    </p:extLst>
+  </p:cSld>
+  <p:clrMapOvr>
+    <a:masterClrMapping/>
+  </p:clrMapOvr>
+</p:sld>
+</file>
+
+<file path=ppt/slides/slide19.xml><?xml version="1.0" encoding="utf-8"?>
+<p:sld xmlns:a="http://schemas.openxmlformats.org/drawingml/2006/main" xmlns:r="http://schemas.openxmlformats.org/officeDocument/2006/relationships" xmlns:p="http://schemas.openxmlformats.org/presentationml/2006/main">
+  <p:cSld>
+    <p:spTree>
+      <p:nvGrpSpPr>
+        <p:cNvPr id="1" name=""/>
+        <p:cNvGrpSpPr/>
+        <p:nvPr/>
+      </p:nvGrpSpPr>
+      <p:grpSpPr>
+        <a:xfrm>
+          <a:off x="0" y="0"/>
+          <a:ext cx="0" cy="0"/>
+          <a:chOff x="0" y="0"/>
+          <a:chExt cx="0" cy="0"/>
+        </a:xfrm>
+      </p:grpSpPr>
+      <p:sp>
+        <p:nvSpPr>
+          <p:cNvPr id="2" name="Title 1">
+            <a:extLst>
+              <a:ext uri="{FF2B5EF4-FFF2-40B4-BE49-F238E27FC236}">
+                <a16:creationId xmlns:a16="http://schemas.microsoft.com/office/drawing/2014/main" id="{BC750C20-02A3-1AB0-99CE-C75F112C6AC3}"/>
+              </a:ext>
+            </a:extLst>
+          </p:cNvPr>
+          <p:cNvSpPr>
+            <a:spLocks noGrp="1"/>
+          </p:cNvSpPr>
+          <p:nvPr>
+            <p:ph type="title"/>
+          </p:nvPr>
+        </p:nvSpPr>
+        <p:spPr/>
+        <p:txBody>
+          <a:bodyPr/>
+          <a:lstStyle/>
+          <a:p>
+            <a:r>
+              <a:rPr lang="fr-CH" dirty="0">
+                <a:latin typeface="Neue Haas Grotesk Text Pro" panose="020B0504020202020204" pitchFamily="34" charset="0"/>
+              </a:rPr>
+              <a:t>Génération des fichiers </a:t>
+            </a:r>
+            <a:r>
+              <a:rPr lang="fr-CH" dirty="0" err="1">
+                <a:latin typeface="Neue Haas Grotesk Text Pro" panose="020B0504020202020204" pitchFamily="34" charset="0"/>
+              </a:rPr>
+              <a:t>glTF</a:t>
+            </a:r>
+            <a:endParaRPr lang="en-CH" dirty="0">
+              <a:latin typeface="Neue Haas Grotesk Text Pro" panose="020B0504020202020204" pitchFamily="34" charset="0"/>
+            </a:endParaRPr>
+          </a:p>
+        </p:txBody>
+      </p:sp>
+      <p:pic>
+        <p:nvPicPr>
+          <p:cNvPr id="4" name="Content Placeholder 4">
+            <a:extLst>
+              <a:ext uri="{FF2B5EF4-FFF2-40B4-BE49-F238E27FC236}">
+                <a16:creationId xmlns:a16="http://schemas.microsoft.com/office/drawing/2014/main" id="{AC0267BD-F88F-6037-74B7-5041670CC534}"/>
+              </a:ext>
+            </a:extLst>
+          </p:cNvPr>
+          <p:cNvPicPr>
+            <a:picLocks noChangeAspect="1"/>
+          </p:cNvPicPr>
+          <p:nvPr/>
+        </p:nvPicPr>
+        <p:blipFill>
+          <a:blip r:embed="rId2">
+            <a:extLst>
+              <a:ext uri="{96DAC541-7B7A-43D3-8B79-37D633B846F1}">
+                <asvg:svgBlip xmlns:asvg="http://schemas.microsoft.com/office/drawing/2016/SVG/main" r:embed="rId3"/>
+              </a:ext>
+            </a:extLst>
+          </a:blip>
+          <a:stretch>
+            <a:fillRect/>
+          </a:stretch>
+        </p:blipFill>
+        <p:spPr>
+          <a:xfrm>
+            <a:off x="11020060" y="272547"/>
+            <a:ext cx="855250" cy="639454"/>
+          </a:xfrm>
+          <a:prstGeom prst="rect">
+            <a:avLst/>
+          </a:prstGeom>
+        </p:spPr>
+      </p:pic>
+      <p:sp>
+        <p:nvSpPr>
+          <p:cNvPr id="3" name="Content Placeholder 6">
+            <a:extLst>
+              <a:ext uri="{FF2B5EF4-FFF2-40B4-BE49-F238E27FC236}">
+                <a16:creationId xmlns:a16="http://schemas.microsoft.com/office/drawing/2014/main" id="{A381E7A0-8CFD-C76F-20DB-6CC4791D0804}"/>
+              </a:ext>
+            </a:extLst>
+          </p:cNvPr>
+          <p:cNvSpPr>
+            <a:spLocks noGrp="1"/>
+          </p:cNvSpPr>
+          <p:nvPr>
+            <p:ph idx="1"/>
+          </p:nvPr>
+        </p:nvSpPr>
+        <p:spPr>
+          <a:xfrm>
+            <a:off x="838200" y="1825625"/>
+            <a:ext cx="10515600" cy="4351338"/>
+          </a:xfrm>
+        </p:spPr>
+        <p:txBody>
+          <a:bodyPr anchor="ctr"/>
+          <a:lstStyle/>
+          <a:p>
+            <a:pPr marL="0" indent="0">
+              <a:lnSpc>
+                <a:spcPct val="150000"/>
+              </a:lnSpc>
+              <a:buNone/>
+            </a:pPr>
+            <a:r>
+              <a:rPr lang="fr-CH" dirty="0">
+                <a:latin typeface="Neue Haas Grotesk Text Pro" panose="020B0504020202020204" pitchFamily="34" charset="0"/>
+              </a:rPr>
+              <a:t>Basé sur la géométrie du bâtiment au sol</a:t>
+            </a:r>
+          </a:p>
+          <a:p>
+            <a:pPr marL="0" indent="0">
+              <a:lnSpc>
+                <a:spcPct val="150000"/>
+              </a:lnSpc>
+              <a:buNone/>
+            </a:pPr>
+            <a:r>
+              <a:rPr lang="fr-CH" dirty="0">
+                <a:latin typeface="Neue Haas Grotesk Text Pro" panose="020B0504020202020204" pitchFamily="34" charset="0"/>
+              </a:rPr>
+              <a:t>Basé sur les nombreux tags fournis par OSM</a:t>
+            </a:r>
+          </a:p>
+          <a:p>
+            <a:pPr marL="0" indent="0">
+              <a:lnSpc>
+                <a:spcPct val="100000"/>
+              </a:lnSpc>
+              <a:buNone/>
+            </a:pPr>
+            <a:r>
+              <a:rPr lang="fr-CH" dirty="0">
+                <a:latin typeface="Neue Haas Grotesk Text Pro" panose="020B0504020202020204" pitchFamily="34" charset="0"/>
+              </a:rPr>
+              <a:t>Génération de plusieurs niveaux de détails grâce à la fonction </a:t>
+            </a:r>
+            <a:r>
+              <a:rPr lang="fr-CH" dirty="0" err="1">
+                <a:latin typeface="Neue Haas Grotesk Text Pro" panose="020B0504020202020204" pitchFamily="34" charset="0"/>
+              </a:rPr>
+              <a:t>TopologyPreservingSimplifier</a:t>
+            </a:r>
+            <a:endParaRPr lang="fr-CH" dirty="0">
+              <a:latin typeface="Neue Haas Grotesk Text Pro" panose="020B0504020202020204" pitchFamily="34" charset="0"/>
+            </a:endParaRPr>
+          </a:p>
+          <a:p>
+            <a:pPr marL="0" indent="0">
+              <a:lnSpc>
+                <a:spcPct val="150000"/>
+              </a:lnSpc>
+              <a:buNone/>
+            </a:pPr>
+            <a:r>
+              <a:rPr lang="fr-CH" dirty="0">
+                <a:latin typeface="Neue Haas Grotesk Text Pro" panose="020B0504020202020204" pitchFamily="34" charset="0"/>
+              </a:rPr>
+              <a:t>Un fichier </a:t>
+            </a:r>
+            <a:r>
+              <a:rPr lang="fr-CH" dirty="0" err="1">
+                <a:latin typeface="Neue Haas Grotesk Text Pro" panose="020B0504020202020204" pitchFamily="34" charset="0"/>
+              </a:rPr>
+              <a:t>glTF</a:t>
+            </a:r>
+            <a:r>
+              <a:rPr lang="fr-CH" dirty="0">
+                <a:latin typeface="Neue Haas Grotesk Text Pro" panose="020B0504020202020204" pitchFamily="34" charset="0"/>
+              </a:rPr>
+              <a:t> par Tuile</a:t>
+            </a:r>
+          </a:p>
+        </p:txBody>
+      </p:sp>
+    </p:spTree>
+    <p:extLst>
+      <p:ext uri="{BB962C8B-B14F-4D97-AF65-F5344CB8AC3E}">
+        <p14:creationId xmlns:p14="http://schemas.microsoft.com/office/powerpoint/2010/main" val="1887171303"/>
       </p:ext>
     </p:extLst>
   </p:cSld>
@@ -5428,6 +6503,1779 @@
 </p:sld>
 </file>
 
+<file path=ppt/slides/slide20.xml><?xml version="1.0" encoding="utf-8"?>
+<p:sld xmlns:a="http://schemas.openxmlformats.org/drawingml/2006/main" xmlns:r="http://schemas.openxmlformats.org/officeDocument/2006/relationships" xmlns:p="http://schemas.openxmlformats.org/presentationml/2006/main">
+  <p:cSld>
+    <p:spTree>
+      <p:nvGrpSpPr>
+        <p:cNvPr id="1" name=""/>
+        <p:cNvGrpSpPr/>
+        <p:nvPr/>
+      </p:nvGrpSpPr>
+      <p:grpSpPr>
+        <a:xfrm>
+          <a:off x="0" y="0"/>
+          <a:ext cx="0" cy="0"/>
+          <a:chOff x="0" y="0"/>
+          <a:chExt cx="0" cy="0"/>
+        </a:xfrm>
+      </p:grpSpPr>
+      <p:sp>
+        <p:nvSpPr>
+          <p:cNvPr id="2" name="Title 1">
+            <a:extLst>
+              <a:ext uri="{FF2B5EF4-FFF2-40B4-BE49-F238E27FC236}">
+                <a16:creationId xmlns:a16="http://schemas.microsoft.com/office/drawing/2014/main" id="{BC750C20-02A3-1AB0-99CE-C75F112C6AC3}"/>
+              </a:ext>
+            </a:extLst>
+          </p:cNvPr>
+          <p:cNvSpPr>
+            <a:spLocks noGrp="1"/>
+          </p:cNvSpPr>
+          <p:nvPr>
+            <p:ph type="title"/>
+          </p:nvPr>
+        </p:nvSpPr>
+        <p:spPr/>
+        <p:txBody>
+          <a:bodyPr/>
+          <a:lstStyle/>
+          <a:p>
+            <a:r>
+              <a:rPr lang="fr-CH" dirty="0">
+                <a:latin typeface="Neue Haas Grotesk Text Pro" panose="020B0504020202020204" pitchFamily="34" charset="0"/>
+              </a:rPr>
+              <a:t>Levels of </a:t>
+            </a:r>
+            <a:r>
+              <a:rPr lang="fr-CH" dirty="0" err="1">
+                <a:latin typeface="Neue Haas Grotesk Text Pro" panose="020B0504020202020204" pitchFamily="34" charset="0"/>
+              </a:rPr>
+              <a:t>details</a:t>
+            </a:r>
+            <a:endParaRPr lang="en-CH" dirty="0">
+              <a:latin typeface="Neue Haas Grotesk Text Pro" panose="020B0504020202020204" pitchFamily="34" charset="0"/>
+            </a:endParaRPr>
+          </a:p>
+        </p:txBody>
+      </p:sp>
+      <p:pic>
+        <p:nvPicPr>
+          <p:cNvPr id="4" name="Content Placeholder 4">
+            <a:extLst>
+              <a:ext uri="{FF2B5EF4-FFF2-40B4-BE49-F238E27FC236}">
+                <a16:creationId xmlns:a16="http://schemas.microsoft.com/office/drawing/2014/main" id="{AC0267BD-F88F-6037-74B7-5041670CC534}"/>
+              </a:ext>
+            </a:extLst>
+          </p:cNvPr>
+          <p:cNvPicPr>
+            <a:picLocks noChangeAspect="1"/>
+          </p:cNvPicPr>
+          <p:nvPr/>
+        </p:nvPicPr>
+        <p:blipFill>
+          <a:blip r:embed="rId2">
+            <a:extLst>
+              <a:ext uri="{96DAC541-7B7A-43D3-8B79-37D633B846F1}">
+                <asvg:svgBlip xmlns:asvg="http://schemas.microsoft.com/office/drawing/2016/SVG/main" r:embed="rId3"/>
+              </a:ext>
+            </a:extLst>
+          </a:blip>
+          <a:stretch>
+            <a:fillRect/>
+          </a:stretch>
+        </p:blipFill>
+        <p:spPr>
+          <a:xfrm>
+            <a:off x="11020060" y="272547"/>
+            <a:ext cx="855250" cy="639454"/>
+          </a:xfrm>
+          <a:prstGeom prst="rect">
+            <a:avLst/>
+          </a:prstGeom>
+        </p:spPr>
+      </p:pic>
+      <p:pic>
+        <p:nvPicPr>
+          <p:cNvPr id="8" name="Picture 7" descr="A computer generated image of a city&#10;&#10;Description automatically generated">
+            <a:extLst>
+              <a:ext uri="{FF2B5EF4-FFF2-40B4-BE49-F238E27FC236}">
+                <a16:creationId xmlns:a16="http://schemas.microsoft.com/office/drawing/2014/main" id="{E5131D50-3329-F699-35F2-A3B19CEE1358}"/>
+              </a:ext>
+            </a:extLst>
+          </p:cNvPr>
+          <p:cNvPicPr>
+            <a:picLocks noChangeAspect="1"/>
+          </p:cNvPicPr>
+          <p:nvPr/>
+        </p:nvPicPr>
+        <p:blipFill>
+          <a:blip r:embed="rId4">
+            <a:extLst>
+              <a:ext uri="{28A0092B-C50C-407E-A947-70E740481C1C}">
+                <a14:useLocalDpi xmlns:a14="http://schemas.microsoft.com/office/drawing/2010/main" val="0"/>
+              </a:ext>
+            </a:extLst>
+          </a:blip>
+          <a:stretch>
+            <a:fillRect/>
+          </a:stretch>
+        </p:blipFill>
+        <p:spPr>
+          <a:xfrm>
+            <a:off x="1356270" y="1599115"/>
+            <a:ext cx="9479460" cy="4743465"/>
+          </a:xfrm>
+          <a:prstGeom prst="rect">
+            <a:avLst/>
+          </a:prstGeom>
+        </p:spPr>
+      </p:pic>
+    </p:spTree>
+    <p:extLst>
+      <p:ext uri="{BB962C8B-B14F-4D97-AF65-F5344CB8AC3E}">
+        <p14:creationId xmlns:p14="http://schemas.microsoft.com/office/powerpoint/2010/main" val="3909084576"/>
+      </p:ext>
+    </p:extLst>
+  </p:cSld>
+  <p:clrMapOvr>
+    <a:masterClrMapping/>
+  </p:clrMapOvr>
+</p:sld>
+</file>
+
+<file path=ppt/slides/slide21.xml><?xml version="1.0" encoding="utf-8"?>
+<p:sld xmlns:a="http://schemas.openxmlformats.org/drawingml/2006/main" xmlns:r="http://schemas.openxmlformats.org/officeDocument/2006/relationships" xmlns:p="http://schemas.openxmlformats.org/presentationml/2006/main">
+  <p:cSld>
+    <p:spTree>
+      <p:nvGrpSpPr>
+        <p:cNvPr id="1" name=""/>
+        <p:cNvGrpSpPr/>
+        <p:nvPr/>
+      </p:nvGrpSpPr>
+      <p:grpSpPr>
+        <a:xfrm>
+          <a:off x="0" y="0"/>
+          <a:ext cx="0" cy="0"/>
+          <a:chOff x="0" y="0"/>
+          <a:chExt cx="0" cy="0"/>
+        </a:xfrm>
+      </p:grpSpPr>
+      <p:sp>
+        <p:nvSpPr>
+          <p:cNvPr id="2" name="Title 1">
+            <a:extLst>
+              <a:ext uri="{FF2B5EF4-FFF2-40B4-BE49-F238E27FC236}">
+                <a16:creationId xmlns:a16="http://schemas.microsoft.com/office/drawing/2014/main" id="{BC750C20-02A3-1AB0-99CE-C75F112C6AC3}"/>
+              </a:ext>
+            </a:extLst>
+          </p:cNvPr>
+          <p:cNvSpPr>
+            <a:spLocks noGrp="1"/>
+          </p:cNvSpPr>
+          <p:nvPr>
+            <p:ph type="title"/>
+          </p:nvPr>
+        </p:nvSpPr>
+        <p:spPr/>
+        <p:txBody>
+          <a:bodyPr/>
+          <a:lstStyle/>
+          <a:p>
+            <a:r>
+              <a:rPr lang="fr-CH" dirty="0">
+                <a:latin typeface="Neue Haas Grotesk Text Pro" panose="020B0504020202020204" pitchFamily="34" charset="0"/>
+              </a:rPr>
+              <a:t>Transmission au format JSON Binaire</a:t>
+            </a:r>
+            <a:endParaRPr lang="en-CH" dirty="0">
+              <a:latin typeface="Neue Haas Grotesk Text Pro" panose="020B0504020202020204" pitchFamily="34" charset="0"/>
+            </a:endParaRPr>
+          </a:p>
+        </p:txBody>
+      </p:sp>
+      <p:pic>
+        <p:nvPicPr>
+          <p:cNvPr id="4" name="Content Placeholder 4">
+            <a:extLst>
+              <a:ext uri="{FF2B5EF4-FFF2-40B4-BE49-F238E27FC236}">
+                <a16:creationId xmlns:a16="http://schemas.microsoft.com/office/drawing/2014/main" id="{AC0267BD-F88F-6037-74B7-5041670CC534}"/>
+              </a:ext>
+            </a:extLst>
+          </p:cNvPr>
+          <p:cNvPicPr>
+            <a:picLocks noChangeAspect="1"/>
+          </p:cNvPicPr>
+          <p:nvPr/>
+        </p:nvPicPr>
+        <p:blipFill>
+          <a:blip r:embed="rId2">
+            <a:extLst>
+              <a:ext uri="{96DAC541-7B7A-43D3-8B79-37D633B846F1}">
+                <asvg:svgBlip xmlns:asvg="http://schemas.microsoft.com/office/drawing/2016/SVG/main" r:embed="rId3"/>
+              </a:ext>
+            </a:extLst>
+          </a:blip>
+          <a:stretch>
+            <a:fillRect/>
+          </a:stretch>
+        </p:blipFill>
+        <p:spPr>
+          <a:xfrm>
+            <a:off x="11020060" y="272547"/>
+            <a:ext cx="855250" cy="639454"/>
+          </a:xfrm>
+          <a:prstGeom prst="rect">
+            <a:avLst/>
+          </a:prstGeom>
+        </p:spPr>
+      </p:pic>
+      <p:pic>
+        <p:nvPicPr>
+          <p:cNvPr id="6" name="Picture 5" descr="A close up of a line&#10;&#10;Description automatically generated">
+            <a:extLst>
+              <a:ext uri="{FF2B5EF4-FFF2-40B4-BE49-F238E27FC236}">
+                <a16:creationId xmlns:a16="http://schemas.microsoft.com/office/drawing/2014/main" id="{EA57EE57-22C4-0F09-4790-931B10DCE43D}"/>
+              </a:ext>
+            </a:extLst>
+          </p:cNvPr>
+          <p:cNvPicPr>
+            <a:picLocks noChangeAspect="1"/>
+          </p:cNvPicPr>
+          <p:nvPr/>
+        </p:nvPicPr>
+        <p:blipFill>
+          <a:blip r:embed="rId4">
+            <a:extLst>
+              <a:ext uri="{28A0092B-C50C-407E-A947-70E740481C1C}">
+                <a14:useLocalDpi xmlns:a14="http://schemas.microsoft.com/office/drawing/2010/main" val="0"/>
+              </a:ext>
+            </a:extLst>
+          </a:blip>
+          <a:stretch>
+            <a:fillRect/>
+          </a:stretch>
+        </p:blipFill>
+        <p:spPr>
+          <a:xfrm>
+            <a:off x="930183" y="1699899"/>
+            <a:ext cx="10584673" cy="1331051"/>
+          </a:xfrm>
+          <a:prstGeom prst="rect">
+            <a:avLst/>
+          </a:prstGeom>
+        </p:spPr>
+      </p:pic>
+      <p:sp>
+        <p:nvSpPr>
+          <p:cNvPr id="12" name="TextBox 11">
+            <a:extLst>
+              <a:ext uri="{FF2B5EF4-FFF2-40B4-BE49-F238E27FC236}">
+                <a16:creationId xmlns:a16="http://schemas.microsoft.com/office/drawing/2014/main" id="{4274A903-BE9F-14F1-C479-6EC3D3919E65}"/>
+              </a:ext>
+            </a:extLst>
+          </p:cNvPr>
+          <p:cNvSpPr txBox="1"/>
+          <p:nvPr/>
+        </p:nvSpPr>
+        <p:spPr>
+          <a:xfrm>
+            <a:off x="838200" y="3118712"/>
+            <a:ext cx="10711970" cy="1323439"/>
+          </a:xfrm>
+          <a:prstGeom prst="rect">
+            <a:avLst/>
+          </a:prstGeom>
+          <a:noFill/>
+        </p:spPr>
+        <p:txBody>
+          <a:bodyPr wrap="square">
+            <a:spAutoFit/>
+          </a:bodyPr>
+          <a:lstStyle/>
+          <a:p>
+            <a:pPr algn="l"/>
+            <a:r>
+              <a:rPr lang="fr-FR" sz="1600" b="0" i="0" u="none" strike="noStrike" baseline="0" dirty="0">
+                <a:latin typeface="Neue Haas Grotesk Text Pro" panose="020B0504020202020204" pitchFamily="34" charset="0"/>
+              </a:rPr>
+              <a:t>— </a:t>
+            </a:r>
+            <a:r>
+              <a:rPr lang="fr-FR" sz="1600" b="1" i="0" u="none" strike="noStrike" baseline="0" dirty="0">
+                <a:latin typeface="Neue Haas Grotesk Text Pro" panose="020B0504020202020204" pitchFamily="34" charset="0"/>
+              </a:rPr>
+              <a:t>Magic </a:t>
+            </a:r>
+            <a:r>
+              <a:rPr lang="fr-FR" sz="1600" b="0" i="0" u="none" strike="noStrike" baseline="0" dirty="0">
+                <a:latin typeface="Neue Haas Grotesk Text Pro" panose="020B0504020202020204" pitchFamily="34" charset="0"/>
+              </a:rPr>
+              <a:t>: 4 Bytes, </a:t>
+            </a:r>
+            <a:r>
+              <a:rPr lang="fr-FR" sz="1600" b="0" i="1" u="none" strike="noStrike" baseline="0" dirty="0" err="1">
+                <a:latin typeface="Neue Haas Grotesk Text Pro" panose="020B0504020202020204" pitchFamily="34" charset="0"/>
+              </a:rPr>
+              <a:t>magic</a:t>
+            </a:r>
+            <a:r>
+              <a:rPr lang="fr-FR" sz="1600" b="0" i="1" u="none" strike="noStrike" baseline="0" dirty="0">
+                <a:latin typeface="Neue Haas Grotesk Text Pro" panose="020B0504020202020204" pitchFamily="34" charset="0"/>
+              </a:rPr>
+              <a:t> </a:t>
+            </a:r>
+            <a:r>
+              <a:rPr lang="fr-FR" sz="1600" b="0" i="1" u="none" strike="noStrike" baseline="0" dirty="0" err="1">
+                <a:latin typeface="Neue Haas Grotesk Text Pro" panose="020B0504020202020204" pitchFamily="34" charset="0"/>
+              </a:rPr>
+              <a:t>number</a:t>
+            </a:r>
+            <a:r>
+              <a:rPr lang="fr-FR" sz="1600" b="0" i="1" u="none" strike="noStrike" baseline="0" dirty="0">
+                <a:latin typeface="Neue Haas Grotesk Text Pro" panose="020B0504020202020204" pitchFamily="34" charset="0"/>
+              </a:rPr>
+              <a:t> </a:t>
+            </a:r>
+            <a:r>
+              <a:rPr lang="fr-FR" sz="1600" b="0" i="0" u="none" strike="noStrike" baseline="0" dirty="0">
+                <a:latin typeface="Neue Haas Grotesk Text Pro" panose="020B0504020202020204" pitchFamily="34" charset="0"/>
+              </a:rPr>
+              <a:t>identifiant ce fichier comme un </a:t>
+            </a:r>
+            <a:r>
+              <a:rPr lang="fr-FR" sz="1600" b="0" i="0" u="none" strike="noStrike" baseline="0" dirty="0" err="1">
+                <a:latin typeface="Neue Haas Grotesk Text Pro" panose="020B0504020202020204" pitchFamily="34" charset="0"/>
+              </a:rPr>
+              <a:t>Subtree</a:t>
+            </a:r>
+            <a:r>
+              <a:rPr lang="fr-FR" sz="1600" b="0" i="0" u="none" strike="noStrike" baseline="0" dirty="0">
+                <a:latin typeface="Neue Haas Grotesk Text Pro" panose="020B0504020202020204" pitchFamily="34" charset="0"/>
+              </a:rPr>
+              <a:t>. A toujours une valeur de 0x74627573.</a:t>
+            </a:r>
+          </a:p>
+          <a:p>
+            <a:pPr algn="l"/>
+            <a:r>
+              <a:rPr lang="fr-FR" sz="1600" b="0" i="0" u="none" strike="noStrike" baseline="0" dirty="0">
+                <a:latin typeface="Neue Haas Grotesk Text Pro" panose="020B0504020202020204" pitchFamily="34" charset="0"/>
+              </a:rPr>
+              <a:t>— </a:t>
+            </a:r>
+            <a:r>
+              <a:rPr lang="fr-FR" sz="1600" b="1" i="0" u="none" strike="noStrike" baseline="0" dirty="0">
+                <a:latin typeface="Neue Haas Grotesk Text Pro" panose="020B0504020202020204" pitchFamily="34" charset="0"/>
+              </a:rPr>
+              <a:t>Version </a:t>
+            </a:r>
+            <a:r>
+              <a:rPr lang="fr-FR" sz="1600" b="0" i="0" u="none" strike="noStrike" baseline="0" dirty="0">
+                <a:latin typeface="Neue Haas Grotesk Text Pro" panose="020B0504020202020204" pitchFamily="34" charset="0"/>
+              </a:rPr>
+              <a:t>: 4 Bytes, version du format binaire. Actuellement, le 24.07.2024, il </a:t>
+            </a:r>
+            <a:r>
+              <a:rPr lang="fr-CH" sz="1600" b="0" i="0" u="none" strike="noStrike" baseline="0" dirty="0">
+                <a:latin typeface="Neue Haas Grotesk Text Pro" panose="020B0504020202020204" pitchFamily="34" charset="0"/>
+              </a:rPr>
+              <a:t>s’agit de 1.</a:t>
+            </a:r>
+          </a:p>
+          <a:p>
+            <a:pPr algn="l"/>
+            <a:r>
+              <a:rPr lang="fr-FR" sz="1600" b="0" i="0" u="none" strike="noStrike" baseline="0" dirty="0">
+                <a:latin typeface="Neue Haas Grotesk Text Pro" panose="020B0504020202020204" pitchFamily="34" charset="0"/>
+              </a:rPr>
+              <a:t>— </a:t>
+            </a:r>
+            <a:r>
+              <a:rPr lang="fr-FR" sz="1600" b="1" i="0" u="none" strike="noStrike" baseline="0" dirty="0">
+                <a:latin typeface="Neue Haas Grotesk Text Pro" panose="020B0504020202020204" pitchFamily="34" charset="0"/>
+              </a:rPr>
+              <a:t>JSON Byte </a:t>
+            </a:r>
+            <a:r>
+              <a:rPr lang="fr-FR" sz="1600" b="1" i="0" u="none" strike="noStrike" baseline="0" dirty="0" err="1">
+                <a:latin typeface="Neue Haas Grotesk Text Pro" panose="020B0504020202020204" pitchFamily="34" charset="0"/>
+              </a:rPr>
+              <a:t>Length</a:t>
+            </a:r>
+            <a:r>
+              <a:rPr lang="fr-FR" sz="1600" b="1" i="0" u="none" strike="noStrike" baseline="0" dirty="0">
+                <a:latin typeface="Neue Haas Grotesk Text Pro" panose="020B0504020202020204" pitchFamily="34" charset="0"/>
+              </a:rPr>
+              <a:t> </a:t>
+            </a:r>
+            <a:r>
+              <a:rPr lang="fr-FR" sz="1600" b="0" i="0" u="none" strike="noStrike" baseline="0" dirty="0">
+                <a:latin typeface="Neue Haas Grotesk Text Pro" panose="020B0504020202020204" pitchFamily="34" charset="0"/>
+              </a:rPr>
+              <a:t>: 8 Bytes, longueur de la partie JSON en Bytes.</a:t>
+            </a:r>
+          </a:p>
+          <a:p>
+            <a:pPr algn="l"/>
+            <a:r>
+              <a:rPr lang="fr-FR" sz="1600" b="0" i="0" u="none" strike="noStrike" baseline="0" dirty="0">
+                <a:latin typeface="Neue Haas Grotesk Text Pro" panose="020B0504020202020204" pitchFamily="34" charset="0"/>
+              </a:rPr>
+              <a:t>— </a:t>
+            </a:r>
+            <a:r>
+              <a:rPr lang="fr-FR" sz="1600" b="1" i="0" u="none" strike="noStrike" baseline="0" dirty="0" err="1">
+                <a:latin typeface="Neue Haas Grotesk Text Pro" panose="020B0504020202020204" pitchFamily="34" charset="0"/>
+              </a:rPr>
+              <a:t>Binary</a:t>
+            </a:r>
+            <a:r>
+              <a:rPr lang="fr-FR" sz="1600" b="1" i="0" u="none" strike="noStrike" baseline="0" dirty="0">
+                <a:latin typeface="Neue Haas Grotesk Text Pro" panose="020B0504020202020204" pitchFamily="34" charset="0"/>
+              </a:rPr>
+              <a:t> Byte </a:t>
+            </a:r>
+            <a:r>
+              <a:rPr lang="fr-FR" sz="1600" b="1" i="0" u="none" strike="noStrike" baseline="0" dirty="0" err="1">
+                <a:latin typeface="Neue Haas Grotesk Text Pro" panose="020B0504020202020204" pitchFamily="34" charset="0"/>
+              </a:rPr>
+              <a:t>Length</a:t>
+            </a:r>
+            <a:r>
+              <a:rPr lang="fr-FR" sz="1600" b="1" i="0" u="none" strike="noStrike" baseline="0" dirty="0">
+                <a:latin typeface="Neue Haas Grotesk Text Pro" panose="020B0504020202020204" pitchFamily="34" charset="0"/>
+              </a:rPr>
+              <a:t> </a:t>
+            </a:r>
+            <a:r>
+              <a:rPr lang="fr-FR" sz="1600" b="0" i="0" u="none" strike="noStrike" baseline="0" dirty="0">
+                <a:latin typeface="Neue Haas Grotesk Text Pro" panose="020B0504020202020204" pitchFamily="34" charset="0"/>
+              </a:rPr>
+              <a:t>: 8 Bytes, longueur de la partie binaire en Bytes.</a:t>
+            </a:r>
+            <a:endParaRPr lang="en-CH" sz="2800" dirty="0">
+              <a:latin typeface="Neue Haas Grotesk Text Pro" panose="020B0504020202020204" pitchFamily="34" charset="0"/>
+            </a:endParaRPr>
+          </a:p>
+        </p:txBody>
+      </p:sp>
+      <p:sp>
+        <p:nvSpPr>
+          <p:cNvPr id="14" name="TextBox 13">
+            <a:extLst>
+              <a:ext uri="{FF2B5EF4-FFF2-40B4-BE49-F238E27FC236}">
+                <a16:creationId xmlns:a16="http://schemas.microsoft.com/office/drawing/2014/main" id="{AC1D5355-C50B-661E-C76D-F5E7FE6EA3D7}"/>
+              </a:ext>
+            </a:extLst>
+          </p:cNvPr>
+          <p:cNvSpPr txBox="1"/>
+          <p:nvPr/>
+        </p:nvSpPr>
+        <p:spPr>
+          <a:xfrm>
+            <a:off x="930182" y="6217975"/>
+            <a:ext cx="10619987" cy="369332"/>
+          </a:xfrm>
+          <a:prstGeom prst="rect">
+            <a:avLst/>
+          </a:prstGeom>
+          <a:noFill/>
+        </p:spPr>
+        <p:txBody>
+          <a:bodyPr wrap="square">
+            <a:spAutoFit/>
+          </a:bodyPr>
+          <a:lstStyle/>
+          <a:p>
+            <a:pPr algn="l"/>
+            <a:r>
+              <a:rPr lang="fr-CH" dirty="0">
+                <a:latin typeface="Neue Haas Grotesk Text Pro" panose="020B0504020202020204" pitchFamily="34" charset="0"/>
+              </a:rPr>
+              <a:t>Source : </a:t>
+            </a:r>
+            <a:r>
+              <a:rPr lang="fr-CH" sz="1800" b="0" i="0" u="none" strike="noStrike" baseline="0" dirty="0">
+                <a:solidFill>
+                  <a:srgbClr val="DC307A"/>
+                </a:solidFill>
+                <a:latin typeface="Neue Haas Grotesk Text Pro" panose="020B0504020202020204" pitchFamily="34" charset="0"/>
+              </a:rPr>
+              <a:t>https://github.com/CesiumGS/3dtiles/tree/main/specification/ImplicitTiling</a:t>
+            </a:r>
+            <a:endParaRPr lang="en-CH" dirty="0">
+              <a:latin typeface="Neue Haas Grotesk Text Pro" panose="020B0504020202020204" pitchFamily="34" charset="0"/>
+            </a:endParaRPr>
+          </a:p>
+        </p:txBody>
+      </p:sp>
+      <p:sp>
+        <p:nvSpPr>
+          <p:cNvPr id="3" name="Content Placeholder 6">
+            <a:extLst>
+              <a:ext uri="{FF2B5EF4-FFF2-40B4-BE49-F238E27FC236}">
+                <a16:creationId xmlns:a16="http://schemas.microsoft.com/office/drawing/2014/main" id="{F35F40EB-0C7D-71AB-3028-3BDD5910811D}"/>
+              </a:ext>
+            </a:extLst>
+          </p:cNvPr>
+          <p:cNvSpPr>
+            <a:spLocks noGrp="1"/>
+          </p:cNvSpPr>
+          <p:nvPr>
+            <p:ph idx="1"/>
+          </p:nvPr>
+        </p:nvSpPr>
+        <p:spPr>
+          <a:xfrm>
+            <a:off x="838200" y="4458975"/>
+            <a:ext cx="10515600" cy="1717988"/>
+          </a:xfrm>
+        </p:spPr>
+        <p:txBody>
+          <a:bodyPr anchor="ctr">
+            <a:normAutofit/>
+          </a:bodyPr>
+          <a:lstStyle/>
+          <a:p>
+            <a:pPr marL="0" indent="0">
+              <a:lnSpc>
+                <a:spcPct val="100000"/>
+              </a:lnSpc>
+              <a:buNone/>
+            </a:pPr>
+            <a:r>
+              <a:rPr lang="fr-CH" sz="1800" dirty="0">
+                <a:latin typeface="Neue Haas Grotesk Text Pro" panose="020B0504020202020204" pitchFamily="34" charset="0"/>
+              </a:rPr>
+              <a:t>Utilisation de l’outil 3D Tiles </a:t>
+            </a:r>
+            <a:r>
+              <a:rPr lang="fr-CH" sz="1800" dirty="0" err="1">
+                <a:latin typeface="Neue Haas Grotesk Text Pro" panose="020B0504020202020204" pitchFamily="34" charset="0"/>
+              </a:rPr>
+              <a:t>Validator</a:t>
+            </a:r>
+            <a:r>
+              <a:rPr lang="fr-CH" sz="1800" dirty="0">
+                <a:latin typeface="Neue Haas Grotesk Text Pro" panose="020B0504020202020204" pitchFamily="34" charset="0"/>
+              </a:rPr>
+              <a:t> :</a:t>
+            </a:r>
+          </a:p>
+          <a:p>
+            <a:pPr marL="0" indent="0">
+              <a:lnSpc>
+                <a:spcPct val="100000"/>
+              </a:lnSpc>
+              <a:buNone/>
+            </a:pPr>
+            <a:r>
+              <a:rPr lang="fr-CH" sz="1800" dirty="0">
+                <a:latin typeface="Neue Haas Grotesk Text Pro" panose="020B0504020202020204" pitchFamily="34" charset="0"/>
+              </a:rPr>
+              <a:t>https://github.com/CesiumGS/3d-tiles-validator </a:t>
+            </a:r>
+          </a:p>
+        </p:txBody>
+      </p:sp>
+    </p:spTree>
+    <p:extLst>
+      <p:ext uri="{BB962C8B-B14F-4D97-AF65-F5344CB8AC3E}">
+        <p14:creationId xmlns:p14="http://schemas.microsoft.com/office/powerpoint/2010/main" val="135165290"/>
+      </p:ext>
+    </p:extLst>
+  </p:cSld>
+  <p:clrMapOvr>
+    <a:masterClrMapping/>
+  </p:clrMapOvr>
+</p:sld>
+</file>
+
+<file path=ppt/slides/slide22.xml><?xml version="1.0" encoding="utf-8"?>
+<p:sld xmlns:a="http://schemas.openxmlformats.org/drawingml/2006/main" xmlns:r="http://schemas.openxmlformats.org/officeDocument/2006/relationships" xmlns:p="http://schemas.openxmlformats.org/presentationml/2006/main">
+  <p:cSld>
+    <p:spTree>
+      <p:nvGrpSpPr>
+        <p:cNvPr id="1" name=""/>
+        <p:cNvGrpSpPr/>
+        <p:nvPr/>
+      </p:nvGrpSpPr>
+      <p:grpSpPr>
+        <a:xfrm>
+          <a:off x="0" y="0"/>
+          <a:ext cx="0" cy="0"/>
+          <a:chOff x="0" y="0"/>
+          <a:chExt cx="0" cy="0"/>
+        </a:xfrm>
+      </p:grpSpPr>
+      <p:sp>
+        <p:nvSpPr>
+          <p:cNvPr id="2" name="Title 1">
+            <a:extLst>
+              <a:ext uri="{FF2B5EF4-FFF2-40B4-BE49-F238E27FC236}">
+                <a16:creationId xmlns:a16="http://schemas.microsoft.com/office/drawing/2014/main" id="{BC750C20-02A3-1AB0-99CE-C75F112C6AC3}"/>
+              </a:ext>
+            </a:extLst>
+          </p:cNvPr>
+          <p:cNvSpPr>
+            <a:spLocks noGrp="1"/>
+          </p:cNvSpPr>
+          <p:nvPr>
+            <p:ph type="title"/>
+          </p:nvPr>
+        </p:nvSpPr>
+        <p:spPr/>
+        <p:txBody>
+          <a:bodyPr/>
+          <a:lstStyle/>
+          <a:p>
+            <a:r>
+              <a:rPr lang="fr-CH" dirty="0" err="1">
+                <a:latin typeface="Neue Haas Grotesk Text Pro" panose="020B0504020202020204" pitchFamily="34" charset="0"/>
+              </a:rPr>
+              <a:t>Demo</a:t>
+            </a:r>
+            <a:endParaRPr lang="en-CH" dirty="0">
+              <a:latin typeface="Neue Haas Grotesk Text Pro" panose="020B0504020202020204" pitchFamily="34" charset="0"/>
+            </a:endParaRPr>
+          </a:p>
+        </p:txBody>
+      </p:sp>
+      <p:pic>
+        <p:nvPicPr>
+          <p:cNvPr id="4" name="Content Placeholder 4">
+            <a:extLst>
+              <a:ext uri="{FF2B5EF4-FFF2-40B4-BE49-F238E27FC236}">
+                <a16:creationId xmlns:a16="http://schemas.microsoft.com/office/drawing/2014/main" id="{AC0267BD-F88F-6037-74B7-5041670CC534}"/>
+              </a:ext>
+            </a:extLst>
+          </p:cNvPr>
+          <p:cNvPicPr>
+            <a:picLocks noChangeAspect="1"/>
+          </p:cNvPicPr>
+          <p:nvPr/>
+        </p:nvPicPr>
+        <p:blipFill>
+          <a:blip r:embed="rId2">
+            <a:extLst>
+              <a:ext uri="{96DAC541-7B7A-43D3-8B79-37D633B846F1}">
+                <asvg:svgBlip xmlns:asvg="http://schemas.microsoft.com/office/drawing/2016/SVG/main" r:embed="rId3"/>
+              </a:ext>
+            </a:extLst>
+          </a:blip>
+          <a:stretch>
+            <a:fillRect/>
+          </a:stretch>
+        </p:blipFill>
+        <p:spPr>
+          <a:xfrm>
+            <a:off x="11020060" y="272547"/>
+            <a:ext cx="855250" cy="639454"/>
+          </a:xfrm>
+          <a:prstGeom prst="rect">
+            <a:avLst/>
+          </a:prstGeom>
+        </p:spPr>
+      </p:pic>
+    </p:spTree>
+    <p:extLst>
+      <p:ext uri="{BB962C8B-B14F-4D97-AF65-F5344CB8AC3E}">
+        <p14:creationId xmlns:p14="http://schemas.microsoft.com/office/powerpoint/2010/main" val="3309168399"/>
+      </p:ext>
+    </p:extLst>
+  </p:cSld>
+  <p:clrMapOvr>
+    <a:masterClrMapping/>
+  </p:clrMapOvr>
+</p:sld>
+</file>
+
+<file path=ppt/slides/slide23.xml><?xml version="1.0" encoding="utf-8"?>
+<p:sld xmlns:a="http://schemas.openxmlformats.org/drawingml/2006/main" xmlns:r="http://schemas.openxmlformats.org/officeDocument/2006/relationships" xmlns:p="http://schemas.openxmlformats.org/presentationml/2006/main">
+  <p:cSld>
+    <p:spTree>
+      <p:nvGrpSpPr>
+        <p:cNvPr id="1" name=""/>
+        <p:cNvGrpSpPr/>
+        <p:nvPr/>
+      </p:nvGrpSpPr>
+      <p:grpSpPr>
+        <a:xfrm>
+          <a:off x="0" y="0"/>
+          <a:ext cx="0" cy="0"/>
+          <a:chOff x="0" y="0"/>
+          <a:chExt cx="0" cy="0"/>
+        </a:xfrm>
+      </p:grpSpPr>
+      <p:sp>
+        <p:nvSpPr>
+          <p:cNvPr id="2" name="Title 1">
+            <a:extLst>
+              <a:ext uri="{FF2B5EF4-FFF2-40B4-BE49-F238E27FC236}">
+                <a16:creationId xmlns:a16="http://schemas.microsoft.com/office/drawing/2014/main" id="{BC750C20-02A3-1AB0-99CE-C75F112C6AC3}"/>
+              </a:ext>
+            </a:extLst>
+          </p:cNvPr>
+          <p:cNvSpPr>
+            <a:spLocks noGrp="1"/>
+          </p:cNvSpPr>
+          <p:nvPr>
+            <p:ph type="title"/>
+          </p:nvPr>
+        </p:nvSpPr>
+        <p:spPr/>
+        <p:txBody>
+          <a:bodyPr/>
+          <a:lstStyle/>
+          <a:p>
+            <a:r>
+              <a:rPr lang="fr-CH" dirty="0">
+                <a:latin typeface="Neue Haas Grotesk Text Pro" panose="020B0504020202020204" pitchFamily="34" charset="0"/>
+              </a:rPr>
+              <a:t>Mon ressentit </a:t>
+            </a:r>
+            <a:endParaRPr lang="en-CH" dirty="0">
+              <a:latin typeface="Neue Haas Grotesk Text Pro" panose="020B0504020202020204" pitchFamily="34" charset="0"/>
+            </a:endParaRPr>
+          </a:p>
+        </p:txBody>
+      </p:sp>
+      <p:sp>
+        <p:nvSpPr>
+          <p:cNvPr id="3" name="Content Placeholder 2">
+            <a:extLst>
+              <a:ext uri="{FF2B5EF4-FFF2-40B4-BE49-F238E27FC236}">
+                <a16:creationId xmlns:a16="http://schemas.microsoft.com/office/drawing/2014/main" id="{B5C63418-C4C7-0A52-C758-70D3B1DE396B}"/>
+              </a:ext>
+            </a:extLst>
+          </p:cNvPr>
+          <p:cNvSpPr>
+            <a:spLocks noGrp="1"/>
+          </p:cNvSpPr>
+          <p:nvPr>
+            <p:ph idx="1"/>
+          </p:nvPr>
+        </p:nvSpPr>
+        <p:spPr/>
+        <p:txBody>
+          <a:bodyPr anchor="ctr"/>
+          <a:lstStyle/>
+          <a:p>
+            <a:pPr marL="0" indent="0">
+              <a:lnSpc>
+                <a:spcPct val="150000"/>
+              </a:lnSpc>
+              <a:buNone/>
+            </a:pPr>
+            <a:r>
+              <a:rPr lang="fr-CH" dirty="0">
+                <a:latin typeface="Neue Haas Grotesk Text Pro" panose="020B0504020202020204" pitchFamily="34" charset="0"/>
+              </a:rPr>
+              <a:t>Documentation parfois incomplète</a:t>
+            </a:r>
+          </a:p>
+          <a:p>
+            <a:pPr marL="0" indent="0">
+              <a:lnSpc>
+                <a:spcPct val="150000"/>
+              </a:lnSpc>
+              <a:buNone/>
+            </a:pPr>
+            <a:r>
+              <a:rPr lang="fr-CH" dirty="0">
+                <a:latin typeface="Neue Haas Grotesk Text Pro" panose="020B0504020202020204" pitchFamily="34" charset="0"/>
+              </a:rPr>
+              <a:t>Certains comportements anormaux non discuté / documenté</a:t>
+            </a:r>
+          </a:p>
+          <a:p>
+            <a:pPr marL="0" indent="0">
+              <a:lnSpc>
+                <a:spcPct val="100000"/>
+              </a:lnSpc>
+              <a:buNone/>
+            </a:pPr>
+            <a:r>
+              <a:rPr lang="fr-CH" dirty="0">
+                <a:latin typeface="Neue Haas Grotesk Text Pro" panose="020B0504020202020204" pitchFamily="34" charset="0"/>
+              </a:rPr>
+              <a:t>Problèmes de performances «out of the box» de </a:t>
+            </a:r>
+            <a:r>
+              <a:rPr lang="fr-CH" dirty="0" err="1">
+                <a:latin typeface="Neue Haas Grotesk Text Pro" panose="020B0504020202020204" pitchFamily="34" charset="0"/>
+              </a:rPr>
+              <a:t>CesiumJS</a:t>
+            </a:r>
+            <a:r>
+              <a:rPr lang="fr-CH" dirty="0">
+                <a:latin typeface="Neue Haas Grotesk Text Pro" panose="020B0504020202020204" pitchFamily="34" charset="0"/>
+              </a:rPr>
+              <a:t> sans l’utilisation de </a:t>
+            </a:r>
+            <a:r>
+              <a:rPr lang="fr-CH" dirty="0" err="1">
+                <a:latin typeface="Neue Haas Grotesk Text Pro" panose="020B0504020202020204" pitchFamily="34" charset="0"/>
+              </a:rPr>
+              <a:t>Cesium</a:t>
+            </a:r>
+            <a:r>
+              <a:rPr lang="fr-CH" dirty="0">
+                <a:latin typeface="Neue Haas Grotesk Text Pro" panose="020B0504020202020204" pitchFamily="34" charset="0"/>
+              </a:rPr>
+              <a:t> ION</a:t>
+            </a:r>
+          </a:p>
+          <a:p>
+            <a:pPr marL="0" indent="0">
+              <a:lnSpc>
+                <a:spcPct val="150000"/>
+              </a:lnSpc>
+              <a:buNone/>
+            </a:pPr>
+            <a:r>
+              <a:rPr lang="fr-CH" dirty="0">
+                <a:latin typeface="Neue Haas Grotesk Text Pro" panose="020B0504020202020204" pitchFamily="34" charset="0"/>
+              </a:rPr>
+              <a:t>Peu d’extensions avec la version 1.1</a:t>
+            </a:r>
+            <a:endParaRPr lang="en-CH" dirty="0">
+              <a:latin typeface="Neue Haas Grotesk Text Pro" panose="020B0504020202020204" pitchFamily="34" charset="0"/>
+            </a:endParaRPr>
+          </a:p>
+        </p:txBody>
+      </p:sp>
+      <p:pic>
+        <p:nvPicPr>
+          <p:cNvPr id="4" name="Content Placeholder 4">
+            <a:extLst>
+              <a:ext uri="{FF2B5EF4-FFF2-40B4-BE49-F238E27FC236}">
+                <a16:creationId xmlns:a16="http://schemas.microsoft.com/office/drawing/2014/main" id="{AC0267BD-F88F-6037-74B7-5041670CC534}"/>
+              </a:ext>
+            </a:extLst>
+          </p:cNvPr>
+          <p:cNvPicPr>
+            <a:picLocks noChangeAspect="1"/>
+          </p:cNvPicPr>
+          <p:nvPr/>
+        </p:nvPicPr>
+        <p:blipFill>
+          <a:blip r:embed="rId2">
+            <a:extLst>
+              <a:ext uri="{96DAC541-7B7A-43D3-8B79-37D633B846F1}">
+                <asvg:svgBlip xmlns:asvg="http://schemas.microsoft.com/office/drawing/2016/SVG/main" r:embed="rId3"/>
+              </a:ext>
+            </a:extLst>
+          </a:blip>
+          <a:stretch>
+            <a:fillRect/>
+          </a:stretch>
+        </p:blipFill>
+        <p:spPr>
+          <a:xfrm>
+            <a:off x="11020060" y="272547"/>
+            <a:ext cx="855250" cy="639454"/>
+          </a:xfrm>
+          <a:prstGeom prst="rect">
+            <a:avLst/>
+          </a:prstGeom>
+        </p:spPr>
+      </p:pic>
+    </p:spTree>
+    <p:extLst>
+      <p:ext uri="{BB962C8B-B14F-4D97-AF65-F5344CB8AC3E}">
+        <p14:creationId xmlns:p14="http://schemas.microsoft.com/office/powerpoint/2010/main" val="4157751723"/>
+      </p:ext>
+    </p:extLst>
+  </p:cSld>
+  <p:clrMapOvr>
+    <a:masterClrMapping/>
+  </p:clrMapOvr>
+</p:sld>
+</file>
+
+<file path=ppt/slides/slide24.xml><?xml version="1.0" encoding="utf-8"?>
+<p:sld xmlns:a="http://schemas.openxmlformats.org/drawingml/2006/main" xmlns:r="http://schemas.openxmlformats.org/officeDocument/2006/relationships" xmlns:p="http://schemas.openxmlformats.org/presentationml/2006/main">
+  <p:cSld>
+    <p:spTree>
+      <p:nvGrpSpPr>
+        <p:cNvPr id="1" name=""/>
+        <p:cNvGrpSpPr/>
+        <p:nvPr/>
+      </p:nvGrpSpPr>
+      <p:grpSpPr>
+        <a:xfrm>
+          <a:off x="0" y="0"/>
+          <a:ext cx="0" cy="0"/>
+          <a:chOff x="0" y="0"/>
+          <a:chExt cx="0" cy="0"/>
+        </a:xfrm>
+      </p:grpSpPr>
+      <p:sp>
+        <p:nvSpPr>
+          <p:cNvPr id="2" name="Title 1">
+            <a:extLst>
+              <a:ext uri="{FF2B5EF4-FFF2-40B4-BE49-F238E27FC236}">
+                <a16:creationId xmlns:a16="http://schemas.microsoft.com/office/drawing/2014/main" id="{BC750C20-02A3-1AB0-99CE-C75F112C6AC3}"/>
+              </a:ext>
+            </a:extLst>
+          </p:cNvPr>
+          <p:cNvSpPr>
+            <a:spLocks noGrp="1"/>
+          </p:cNvSpPr>
+          <p:nvPr>
+            <p:ph type="title"/>
+          </p:nvPr>
+        </p:nvSpPr>
+        <p:spPr/>
+        <p:txBody>
+          <a:bodyPr/>
+          <a:lstStyle/>
+          <a:p>
+            <a:r>
+              <a:rPr lang="fr-CH" dirty="0">
+                <a:latin typeface="Neue Haas Grotesk Text Pro" panose="020B0504020202020204" pitchFamily="34" charset="0"/>
+              </a:rPr>
+              <a:t>Conclusion </a:t>
+            </a:r>
+            <a:endParaRPr lang="en-CH" dirty="0">
+              <a:latin typeface="Neue Haas Grotesk Text Pro" panose="020B0504020202020204" pitchFamily="34" charset="0"/>
+            </a:endParaRPr>
+          </a:p>
+        </p:txBody>
+      </p:sp>
+      <p:pic>
+        <p:nvPicPr>
+          <p:cNvPr id="4" name="Content Placeholder 4">
+            <a:extLst>
+              <a:ext uri="{FF2B5EF4-FFF2-40B4-BE49-F238E27FC236}">
+                <a16:creationId xmlns:a16="http://schemas.microsoft.com/office/drawing/2014/main" id="{AC0267BD-F88F-6037-74B7-5041670CC534}"/>
+              </a:ext>
+            </a:extLst>
+          </p:cNvPr>
+          <p:cNvPicPr>
+            <a:picLocks noChangeAspect="1"/>
+          </p:cNvPicPr>
+          <p:nvPr/>
+        </p:nvPicPr>
+        <p:blipFill>
+          <a:blip r:embed="rId2">
+            <a:extLst>
+              <a:ext uri="{96DAC541-7B7A-43D3-8B79-37D633B846F1}">
+                <asvg:svgBlip xmlns:asvg="http://schemas.microsoft.com/office/drawing/2016/SVG/main" r:embed="rId3"/>
+              </a:ext>
+            </a:extLst>
+          </a:blip>
+          <a:stretch>
+            <a:fillRect/>
+          </a:stretch>
+        </p:blipFill>
+        <p:spPr>
+          <a:xfrm>
+            <a:off x="11020060" y="272547"/>
+            <a:ext cx="855250" cy="639454"/>
+          </a:xfrm>
+          <a:prstGeom prst="rect">
+            <a:avLst/>
+          </a:prstGeom>
+        </p:spPr>
+      </p:pic>
+      <p:sp>
+        <p:nvSpPr>
+          <p:cNvPr id="7" name="Content Placeholder 2">
+            <a:extLst>
+              <a:ext uri="{FF2B5EF4-FFF2-40B4-BE49-F238E27FC236}">
+                <a16:creationId xmlns:a16="http://schemas.microsoft.com/office/drawing/2014/main" id="{245D8689-F5C4-83B5-A7AC-6D9FDBDF6CFA}"/>
+              </a:ext>
+            </a:extLst>
+          </p:cNvPr>
+          <p:cNvSpPr>
+            <a:spLocks noGrp="1"/>
+          </p:cNvSpPr>
+          <p:nvPr>
+            <p:ph idx="1"/>
+          </p:nvPr>
+        </p:nvSpPr>
+        <p:spPr>
+          <a:xfrm>
+            <a:off x="838200" y="1825625"/>
+            <a:ext cx="10515600" cy="4351338"/>
+          </a:xfrm>
+        </p:spPr>
+        <p:txBody>
+          <a:bodyPr anchor="ctr"/>
+          <a:lstStyle/>
+          <a:p>
+            <a:pPr marL="0" indent="0">
+              <a:lnSpc>
+                <a:spcPct val="150000"/>
+              </a:lnSpc>
+              <a:buNone/>
+            </a:pPr>
+            <a:r>
+              <a:rPr lang="fr-CH" dirty="0">
+                <a:latin typeface="Neue Haas Grotesk Text Pro" panose="020B0504020202020204" pitchFamily="34" charset="0"/>
+              </a:rPr>
+              <a:t>Génération de </a:t>
+            </a:r>
+            <a:r>
+              <a:rPr lang="fr-CH" dirty="0" err="1">
+                <a:latin typeface="Neue Haas Grotesk Text Pro" panose="020B0504020202020204" pitchFamily="34" charset="0"/>
+              </a:rPr>
+              <a:t>Subtree</a:t>
+            </a:r>
+            <a:r>
+              <a:rPr lang="fr-CH" dirty="0">
+                <a:latin typeface="Neue Haas Grotesk Text Pro" panose="020B0504020202020204" pitchFamily="34" charset="0"/>
+              </a:rPr>
+              <a:t> robuste</a:t>
+            </a:r>
+          </a:p>
+          <a:p>
+            <a:pPr marL="0" indent="0">
+              <a:lnSpc>
+                <a:spcPct val="150000"/>
+              </a:lnSpc>
+              <a:buNone/>
+            </a:pPr>
+            <a:r>
+              <a:rPr lang="fr-CH" dirty="0">
+                <a:latin typeface="Neue Haas Grotesk Text Pro" panose="020B0504020202020204" pitchFamily="34" charset="0"/>
+              </a:rPr>
+              <a:t>Prototype fonctionnel mais lent</a:t>
+            </a:r>
+          </a:p>
+          <a:p>
+            <a:pPr marL="0" indent="0">
+              <a:lnSpc>
+                <a:spcPct val="150000"/>
+              </a:lnSpc>
+              <a:buNone/>
+            </a:pPr>
+            <a:r>
+              <a:rPr lang="fr-CH" dirty="0">
+                <a:latin typeface="Neue Haas Grotesk Text Pro" panose="020B0504020202020204" pitchFamily="34" charset="0"/>
+              </a:rPr>
+              <a:t>Reste un développement à être fait au niveau des performances ainsi que sur la représentation des objets 3D</a:t>
+            </a:r>
+          </a:p>
+        </p:txBody>
+      </p:sp>
+    </p:spTree>
+    <p:extLst>
+      <p:ext uri="{BB962C8B-B14F-4D97-AF65-F5344CB8AC3E}">
+        <p14:creationId xmlns:p14="http://schemas.microsoft.com/office/powerpoint/2010/main" val="2893632406"/>
+      </p:ext>
+    </p:extLst>
+  </p:cSld>
+  <p:clrMapOvr>
+    <a:masterClrMapping/>
+  </p:clrMapOvr>
+</p:sld>
+</file>
+
+<file path=ppt/slides/slide25.xml><?xml version="1.0" encoding="utf-8"?>
+<p:sld xmlns:a="http://schemas.openxmlformats.org/drawingml/2006/main" xmlns:r="http://schemas.openxmlformats.org/officeDocument/2006/relationships" xmlns:p="http://schemas.openxmlformats.org/presentationml/2006/main">
+  <p:cSld>
+    <p:spTree>
+      <p:nvGrpSpPr>
+        <p:cNvPr id="1" name=""/>
+        <p:cNvGrpSpPr/>
+        <p:nvPr/>
+      </p:nvGrpSpPr>
+      <p:grpSpPr>
+        <a:xfrm>
+          <a:off x="0" y="0"/>
+          <a:ext cx="0" cy="0"/>
+          <a:chOff x="0" y="0"/>
+          <a:chExt cx="0" cy="0"/>
+        </a:xfrm>
+      </p:grpSpPr>
+      <p:sp>
+        <p:nvSpPr>
+          <p:cNvPr id="2" name="Title 1">
+            <a:extLst>
+              <a:ext uri="{FF2B5EF4-FFF2-40B4-BE49-F238E27FC236}">
+                <a16:creationId xmlns:a16="http://schemas.microsoft.com/office/drawing/2014/main" id="{BC750C20-02A3-1AB0-99CE-C75F112C6AC3}"/>
+              </a:ext>
+            </a:extLst>
+          </p:cNvPr>
+          <p:cNvSpPr>
+            <a:spLocks noGrp="1"/>
+          </p:cNvSpPr>
+          <p:nvPr>
+            <p:ph type="title"/>
+          </p:nvPr>
+        </p:nvSpPr>
+        <p:spPr/>
+        <p:txBody>
+          <a:bodyPr/>
+          <a:lstStyle/>
+          <a:p>
+            <a:r>
+              <a:rPr lang="fr-CH" dirty="0">
+                <a:latin typeface="Neue Haas Grotesk Text Pro" panose="020B0504020202020204" pitchFamily="34" charset="0"/>
+              </a:rPr>
+              <a:t>Cahier des charges original</a:t>
+            </a:r>
+            <a:endParaRPr lang="en-CH" dirty="0">
+              <a:latin typeface="Neue Haas Grotesk Text Pro" panose="020B0504020202020204" pitchFamily="34" charset="0"/>
+            </a:endParaRPr>
+          </a:p>
+        </p:txBody>
+      </p:sp>
+      <p:sp>
+        <p:nvSpPr>
+          <p:cNvPr id="3" name="Content Placeholder 2">
+            <a:extLst>
+              <a:ext uri="{FF2B5EF4-FFF2-40B4-BE49-F238E27FC236}">
+                <a16:creationId xmlns:a16="http://schemas.microsoft.com/office/drawing/2014/main" id="{B5C63418-C4C7-0A52-C758-70D3B1DE396B}"/>
+              </a:ext>
+            </a:extLst>
+          </p:cNvPr>
+          <p:cNvSpPr>
+            <a:spLocks noGrp="1"/>
+          </p:cNvSpPr>
+          <p:nvPr>
+            <p:ph idx="1"/>
+          </p:nvPr>
+        </p:nvSpPr>
+        <p:spPr/>
+        <p:txBody>
+          <a:bodyPr numCol="2">
+            <a:normAutofit/>
+          </a:bodyPr>
+          <a:lstStyle/>
+          <a:p>
+            <a:pPr algn="l" rtl="0" fontAlgn="base">
+              <a:spcBef>
+                <a:spcPts val="0"/>
+              </a:spcBef>
+            </a:pPr>
+            <a:r>
+              <a:rPr lang="fr-FR" sz="1400" b="0" i="1" dirty="0">
+                <a:solidFill>
+                  <a:srgbClr val="000000"/>
+                </a:solidFill>
+                <a:effectLst/>
+                <a:latin typeface="Neue Haas Grotesk Text Pro" panose="020B0504020202020204" pitchFamily="34" charset="0"/>
+              </a:rPr>
+              <a:t>Objectifs fonctionnels</a:t>
+            </a:r>
+            <a:r>
+              <a:rPr lang="fr-FR" sz="1400" b="0" i="0" dirty="0">
+                <a:solidFill>
+                  <a:srgbClr val="000000"/>
+                </a:solidFill>
+                <a:effectLst/>
+                <a:latin typeface="Neue Haas Grotesk Text Pro" panose="020B0504020202020204" pitchFamily="34" charset="0"/>
+              </a:rPr>
+              <a:t> </a:t>
+            </a:r>
+          </a:p>
+          <a:p>
+            <a:pPr marL="0" indent="0" algn="l" rtl="0" fontAlgn="base">
+              <a:spcBef>
+                <a:spcPts val="0"/>
+              </a:spcBef>
+              <a:buNone/>
+            </a:pPr>
+            <a:endParaRPr lang="fr-FR" sz="1200" b="0" i="0" dirty="0">
+              <a:solidFill>
+                <a:srgbClr val="000000"/>
+              </a:solidFill>
+              <a:effectLst/>
+              <a:latin typeface="Neue Haas Grotesk Text Pro" panose="020B0504020202020204" pitchFamily="34" charset="0"/>
+            </a:endParaRPr>
+          </a:p>
+          <a:p>
+            <a:pPr algn="l" rtl="0" fontAlgn="base">
+              <a:spcBef>
+                <a:spcPts val="0"/>
+              </a:spcBef>
+              <a:buFont typeface="Arial" panose="020B0604020202020204" pitchFamily="34" charset="0"/>
+              <a:buChar char="•"/>
+            </a:pPr>
+            <a:r>
+              <a:rPr lang="fr-FR" sz="1200" b="0" i="0" dirty="0">
+                <a:solidFill>
+                  <a:srgbClr val="000000"/>
+                </a:solidFill>
+                <a:effectLst/>
+                <a:latin typeface="Neue Haas Grotesk Text Pro" panose="020B0504020202020204" pitchFamily="34" charset="0"/>
+              </a:rPr>
+              <a:t>Le rendu 3D par </a:t>
+            </a:r>
+            <a:r>
+              <a:rPr lang="fr-FR" sz="1200" b="0" i="0" dirty="0" err="1">
+                <a:solidFill>
+                  <a:srgbClr val="000000"/>
+                </a:solidFill>
+                <a:effectLst/>
+                <a:latin typeface="Neue Haas Grotesk Text Pro" panose="020B0504020202020204" pitchFamily="34" charset="0"/>
+              </a:rPr>
+              <a:t>Cesium</a:t>
+            </a:r>
+            <a:r>
+              <a:rPr lang="fr-FR" sz="1200" b="0" i="0" dirty="0">
+                <a:solidFill>
+                  <a:srgbClr val="000000"/>
+                </a:solidFill>
+                <a:effectLst/>
+                <a:latin typeface="Neue Haas Grotesk Text Pro" panose="020B0504020202020204" pitchFamily="34" charset="0"/>
+              </a:rPr>
+              <a:t> est accessible par navigateur. </a:t>
+            </a:r>
+          </a:p>
+          <a:p>
+            <a:pPr algn="l" rtl="0" fontAlgn="base">
+              <a:spcBef>
+                <a:spcPts val="0"/>
+              </a:spcBef>
+              <a:buFont typeface="Arial" panose="020B0604020202020204" pitchFamily="34" charset="0"/>
+              <a:buChar char="•"/>
+            </a:pPr>
+            <a:r>
+              <a:rPr lang="fr-FR" sz="1200" b="0" i="0" dirty="0">
+                <a:solidFill>
+                  <a:srgbClr val="000000"/>
+                </a:solidFill>
+                <a:effectLst/>
+                <a:latin typeface="Neue Haas Grotesk Text Pro" panose="020B0504020202020204" pitchFamily="34" charset="0"/>
+              </a:rPr>
+              <a:t>Le niveau de détails est géré pour qu’il soit adapté à chaque distance du sol. </a:t>
+            </a:r>
+          </a:p>
+          <a:p>
+            <a:pPr algn="l" rtl="0" fontAlgn="base">
+              <a:spcBef>
+                <a:spcPts val="0"/>
+              </a:spcBef>
+              <a:buFont typeface="Arial" panose="020B0604020202020204" pitchFamily="34" charset="0"/>
+              <a:buChar char="•"/>
+            </a:pPr>
+            <a:r>
+              <a:rPr lang="fr-FR" sz="1200" b="0" i="0" dirty="0">
+                <a:solidFill>
+                  <a:srgbClr val="000000"/>
+                </a:solidFill>
+                <a:effectLst/>
+                <a:latin typeface="Neue Haas Grotesk Text Pro" panose="020B0504020202020204" pitchFamily="34" charset="0"/>
+              </a:rPr>
+              <a:t>Il est possible à l’utilisateur de se déplacer librement. </a:t>
+            </a:r>
+          </a:p>
+          <a:p>
+            <a:pPr algn="l" rtl="0" fontAlgn="base">
+              <a:spcBef>
+                <a:spcPts val="0"/>
+              </a:spcBef>
+              <a:buFont typeface="Arial" panose="020B0604020202020204" pitchFamily="34" charset="0"/>
+              <a:buChar char="•"/>
+            </a:pPr>
+            <a:r>
+              <a:rPr lang="fr-FR" sz="1200" b="0" i="0" dirty="0">
+                <a:solidFill>
+                  <a:srgbClr val="000000"/>
+                </a:solidFill>
+                <a:effectLst/>
+                <a:latin typeface="Neue Haas Grotesk Text Pro" panose="020B0504020202020204" pitchFamily="34" charset="0"/>
+              </a:rPr>
+              <a:t>L’utilisation du logiciel est fluide. </a:t>
+            </a:r>
+          </a:p>
+          <a:p>
+            <a:pPr marL="0" indent="0" algn="l" rtl="0" fontAlgn="base">
+              <a:spcBef>
+                <a:spcPts val="0"/>
+              </a:spcBef>
+              <a:buNone/>
+            </a:pPr>
+            <a:endParaRPr lang="fr-FR" sz="1200" b="0" i="0" dirty="0">
+              <a:solidFill>
+                <a:srgbClr val="000000"/>
+              </a:solidFill>
+              <a:effectLst/>
+              <a:latin typeface="Neue Haas Grotesk Text Pro" panose="020B0504020202020204" pitchFamily="34" charset="0"/>
+            </a:endParaRPr>
+          </a:p>
+          <a:p>
+            <a:pPr algn="l" rtl="0" fontAlgn="base">
+              <a:spcBef>
+                <a:spcPts val="0"/>
+              </a:spcBef>
+            </a:pPr>
+            <a:r>
+              <a:rPr lang="fr-FR" sz="1400" i="1" dirty="0">
+                <a:solidFill>
+                  <a:srgbClr val="000000"/>
+                </a:solidFill>
+                <a:effectLst/>
+                <a:latin typeface="Neue Haas Grotesk Text Pro" panose="020B0504020202020204" pitchFamily="34" charset="0"/>
+              </a:rPr>
+              <a:t>Objectifs non-fonctionnels</a:t>
+            </a:r>
+            <a:r>
+              <a:rPr lang="fr-FR" sz="1400" i="0" dirty="0">
+                <a:solidFill>
+                  <a:srgbClr val="000000"/>
+                </a:solidFill>
+                <a:effectLst/>
+                <a:latin typeface="Neue Haas Grotesk Text Pro" panose="020B0504020202020204" pitchFamily="34" charset="0"/>
+              </a:rPr>
+              <a:t> </a:t>
+            </a:r>
+          </a:p>
+          <a:p>
+            <a:pPr algn="l" rtl="0" fontAlgn="base">
+              <a:spcBef>
+                <a:spcPts val="0"/>
+              </a:spcBef>
+            </a:pPr>
+            <a:endParaRPr lang="fr-FR" sz="1200" b="0" i="0" dirty="0">
+              <a:solidFill>
+                <a:srgbClr val="000000"/>
+              </a:solidFill>
+              <a:effectLst/>
+              <a:latin typeface="Neue Haas Grotesk Text Pro" panose="020B0504020202020204" pitchFamily="34" charset="0"/>
+            </a:endParaRPr>
+          </a:p>
+          <a:p>
+            <a:pPr algn="l" rtl="0" fontAlgn="base">
+              <a:spcBef>
+                <a:spcPts val="0"/>
+              </a:spcBef>
+              <a:buFont typeface="Arial" panose="020B0604020202020204" pitchFamily="34" charset="0"/>
+              <a:buChar char="•"/>
+            </a:pPr>
+            <a:r>
+              <a:rPr lang="fr-FR" sz="1200" b="0" i="0" dirty="0">
+                <a:solidFill>
+                  <a:srgbClr val="000000"/>
+                </a:solidFill>
+                <a:effectLst/>
+                <a:latin typeface="Neue Haas Grotesk Text Pro" panose="020B0504020202020204" pitchFamily="34" charset="0"/>
+              </a:rPr>
+              <a:t>Les données sont représentées correctement. L’affichage 3D correspond à la réalité dans la mesure de la base de données mise à disposition.  </a:t>
+            </a:r>
+          </a:p>
+          <a:p>
+            <a:pPr algn="l" rtl="0" fontAlgn="base">
+              <a:spcBef>
+                <a:spcPts val="0"/>
+              </a:spcBef>
+              <a:buFont typeface="Arial" panose="020B0604020202020204" pitchFamily="34" charset="0"/>
+              <a:buChar char="•"/>
+            </a:pPr>
+            <a:r>
+              <a:rPr lang="fr-FR" sz="1200" b="0" i="0" dirty="0">
+                <a:solidFill>
+                  <a:srgbClr val="000000"/>
+                </a:solidFill>
+                <a:effectLst/>
+                <a:latin typeface="Neue Haas Grotesk Text Pro" panose="020B0504020202020204" pitchFamily="34" charset="0"/>
+              </a:rPr>
+              <a:t>Si la direction prise est le rendu du terrain : </a:t>
+            </a:r>
+          </a:p>
+          <a:p>
+            <a:pPr lvl="1" fontAlgn="base">
+              <a:spcBef>
+                <a:spcPts val="0"/>
+              </a:spcBef>
+            </a:pPr>
+            <a:r>
+              <a:rPr lang="fr-FR" sz="1200" b="0" i="0" dirty="0">
+                <a:solidFill>
+                  <a:srgbClr val="000000"/>
+                </a:solidFill>
+                <a:effectLst/>
+                <a:latin typeface="Neue Haas Grotesk Text Pro" panose="020B0504020202020204" pitchFamily="34" charset="0"/>
+              </a:rPr>
+              <a:t>La densité de triangles du terrain dépend de l’éloignement de la caméra au terrain. </a:t>
+            </a:r>
+          </a:p>
+          <a:p>
+            <a:pPr lvl="1" fontAlgn="base">
+              <a:spcBef>
+                <a:spcPts val="0"/>
+              </a:spcBef>
+            </a:pPr>
+            <a:r>
+              <a:rPr lang="fr-FR" sz="1200" b="0" i="0" dirty="0">
+                <a:solidFill>
+                  <a:srgbClr val="000000"/>
+                </a:solidFill>
+                <a:effectLst/>
+                <a:latin typeface="Neue Haas Grotesk Text Pro" panose="020B0504020202020204" pitchFamily="34" charset="0"/>
+              </a:rPr>
+              <a:t>Les différentes tuiles du terrain sont combinées pour former un terrain uni. </a:t>
+            </a:r>
+          </a:p>
+          <a:p>
+            <a:pPr lvl="1" fontAlgn="base">
+              <a:spcBef>
+                <a:spcPts val="0"/>
+              </a:spcBef>
+            </a:pPr>
+            <a:r>
+              <a:rPr lang="fr-FR" sz="1200" b="0" i="0" dirty="0">
+                <a:solidFill>
+                  <a:srgbClr val="000000"/>
+                </a:solidFill>
+                <a:effectLst/>
+                <a:latin typeface="Neue Haas Grotesk Text Pro" panose="020B0504020202020204" pitchFamily="34" charset="0"/>
+              </a:rPr>
+              <a:t>Les images satellites sont appliquées à la texture du terrain. </a:t>
+            </a:r>
+          </a:p>
+          <a:p>
+            <a:pPr algn="l" rtl="0" fontAlgn="base">
+              <a:spcBef>
+                <a:spcPts val="0"/>
+              </a:spcBef>
+              <a:buFont typeface="Arial" panose="020B0604020202020204" pitchFamily="34" charset="0"/>
+              <a:buChar char="•"/>
+            </a:pPr>
+            <a:r>
+              <a:rPr lang="fr-FR" sz="1200" b="0" i="0" dirty="0">
+                <a:solidFill>
+                  <a:srgbClr val="000000"/>
+                </a:solidFill>
+                <a:effectLst/>
+                <a:latin typeface="Neue Haas Grotesk Text Pro" panose="020B0504020202020204" pitchFamily="34" charset="0"/>
+              </a:rPr>
+              <a:t>Si la direction prise est le rendu des bâtiments : </a:t>
+            </a:r>
+          </a:p>
+          <a:p>
+            <a:pPr lvl="1" fontAlgn="base">
+              <a:spcBef>
+                <a:spcPts val="0"/>
+              </a:spcBef>
+            </a:pPr>
+            <a:r>
+              <a:rPr lang="fr-FR" sz="1200" b="0" i="0" dirty="0">
+                <a:solidFill>
+                  <a:srgbClr val="000000"/>
+                </a:solidFill>
+                <a:effectLst/>
+                <a:latin typeface="Neue Haas Grotesk Text Pro" panose="020B0504020202020204" pitchFamily="34" charset="0"/>
+              </a:rPr>
+              <a:t>Les bâtiments ont leur forme décrite dans la base de données. Leurs murs et leur toit ont la bonne forme. </a:t>
+            </a:r>
+          </a:p>
+          <a:p>
+            <a:pPr lvl="1" fontAlgn="base">
+              <a:spcBef>
+                <a:spcPts val="0"/>
+              </a:spcBef>
+            </a:pPr>
+            <a:r>
+              <a:rPr lang="fr-FR" sz="1200" b="0" i="0" dirty="0">
+                <a:solidFill>
+                  <a:srgbClr val="000000"/>
+                </a:solidFill>
+                <a:effectLst/>
+                <a:latin typeface="Neue Haas Grotesk Text Pro" panose="020B0504020202020204" pitchFamily="34" charset="0"/>
+              </a:rPr>
+              <a:t>Les bâtiments ont une texture appliquée sur leurs faces ou une couleur dépendant de leur matériel. </a:t>
+            </a:r>
+          </a:p>
+          <a:p>
+            <a:pPr marL="0" indent="0" algn="l" rtl="0" fontAlgn="base">
+              <a:spcBef>
+                <a:spcPts val="0"/>
+              </a:spcBef>
+              <a:buNone/>
+            </a:pPr>
+            <a:endParaRPr lang="fr-FR" sz="1200" b="0" i="0" dirty="0">
+              <a:solidFill>
+                <a:srgbClr val="000000"/>
+              </a:solidFill>
+              <a:effectLst/>
+              <a:latin typeface="Neue Haas Grotesk Text Pro" panose="020B0504020202020204" pitchFamily="34" charset="0"/>
+            </a:endParaRPr>
+          </a:p>
+          <a:p>
+            <a:pPr algn="l" rtl="0" fontAlgn="base">
+              <a:spcBef>
+                <a:spcPts val="0"/>
+              </a:spcBef>
+            </a:pPr>
+            <a:r>
+              <a:rPr lang="fr-FR" sz="1200" b="0" i="1" dirty="0">
+                <a:solidFill>
+                  <a:srgbClr val="000000"/>
+                </a:solidFill>
+                <a:effectLst/>
+                <a:latin typeface="Neue Haas Grotesk Text Pro" panose="020B0504020202020204" pitchFamily="34" charset="0"/>
+              </a:rPr>
+              <a:t>Objectifs complémentaires </a:t>
+            </a:r>
+            <a:r>
+              <a:rPr lang="fr-FR" sz="1400" b="0" i="1" dirty="0">
+                <a:solidFill>
+                  <a:srgbClr val="000000"/>
+                </a:solidFill>
+                <a:effectLst/>
+                <a:latin typeface="Neue Haas Grotesk Text Pro" panose="020B0504020202020204" pitchFamily="34" charset="0"/>
+              </a:rPr>
+              <a:t>“</a:t>
+            </a:r>
+            <a:r>
+              <a:rPr lang="fr-FR" sz="1400" b="0" i="1" dirty="0" err="1">
+                <a:solidFill>
+                  <a:srgbClr val="000000"/>
+                </a:solidFill>
+                <a:effectLst/>
+                <a:latin typeface="Neue Haas Grotesk Text Pro" panose="020B0504020202020204" pitchFamily="34" charset="0"/>
+              </a:rPr>
+              <a:t>nice</a:t>
+            </a:r>
+            <a:r>
+              <a:rPr lang="fr-FR" sz="1400" b="0" i="1" dirty="0">
+                <a:solidFill>
+                  <a:srgbClr val="000000"/>
+                </a:solidFill>
+                <a:effectLst/>
+                <a:latin typeface="Neue Haas Grotesk Text Pro" panose="020B0504020202020204" pitchFamily="34" charset="0"/>
+              </a:rPr>
+              <a:t>-to-have”</a:t>
+            </a:r>
+            <a:r>
+              <a:rPr lang="fr-FR" sz="1400" b="0" i="0" dirty="0">
+                <a:solidFill>
+                  <a:srgbClr val="000000"/>
+                </a:solidFill>
+                <a:effectLst/>
+                <a:latin typeface="Neue Haas Grotesk Text Pro" panose="020B0504020202020204" pitchFamily="34" charset="0"/>
+              </a:rPr>
+              <a:t> </a:t>
+            </a:r>
+          </a:p>
+          <a:p>
+            <a:pPr algn="l" rtl="0" fontAlgn="base">
+              <a:spcBef>
+                <a:spcPts val="0"/>
+              </a:spcBef>
+            </a:pPr>
+            <a:endParaRPr lang="fr-FR" sz="1200" b="0" i="0" dirty="0">
+              <a:solidFill>
+                <a:srgbClr val="000000"/>
+              </a:solidFill>
+              <a:effectLst/>
+              <a:latin typeface="Neue Haas Grotesk Text Pro" panose="020B0504020202020204" pitchFamily="34" charset="0"/>
+            </a:endParaRPr>
+          </a:p>
+          <a:p>
+            <a:pPr algn="l" rtl="0" fontAlgn="base">
+              <a:spcBef>
+                <a:spcPts val="0"/>
+              </a:spcBef>
+              <a:buFont typeface="Arial" panose="020B0604020202020204" pitchFamily="34" charset="0"/>
+              <a:buChar char="•"/>
+            </a:pPr>
+            <a:r>
+              <a:rPr lang="fr-FR" sz="1200" b="0" i="0" dirty="0">
+                <a:solidFill>
+                  <a:srgbClr val="000000"/>
+                </a:solidFill>
+                <a:effectLst/>
+                <a:latin typeface="Neue Haas Grotesk Text Pro" panose="020B0504020202020204" pitchFamily="34" charset="0"/>
+              </a:rPr>
+              <a:t>Il est possible à l’utilisateur de régler la qualité graphique qu’il souhaite. Il est possible à l’utilisateur de désactiver certaines parties de l’affichage 3D. </a:t>
+            </a:r>
+          </a:p>
+          <a:p>
+            <a:pPr algn="l" rtl="0" fontAlgn="base">
+              <a:spcBef>
+                <a:spcPts val="0"/>
+              </a:spcBef>
+              <a:buFont typeface="Arial" panose="020B0604020202020204" pitchFamily="34" charset="0"/>
+              <a:buChar char="•"/>
+            </a:pPr>
+            <a:r>
+              <a:rPr lang="fr-FR" sz="1200" b="0" i="0" dirty="0">
+                <a:solidFill>
+                  <a:srgbClr val="000000"/>
+                </a:solidFill>
+                <a:effectLst/>
+                <a:latin typeface="Neue Haas Grotesk Text Pro" panose="020B0504020202020204" pitchFamily="34" charset="0"/>
+              </a:rPr>
+              <a:t>Une combinaison des deux directions ensemble. </a:t>
+            </a:r>
+          </a:p>
+          <a:p>
+            <a:pPr algn="l" rtl="0" fontAlgn="base">
+              <a:spcBef>
+                <a:spcPts val="0"/>
+              </a:spcBef>
+              <a:buFont typeface="Arial" panose="020B0604020202020204" pitchFamily="34" charset="0"/>
+              <a:buChar char="•"/>
+            </a:pPr>
+            <a:r>
+              <a:rPr lang="fr-FR" sz="1200" b="0" i="0" dirty="0">
+                <a:solidFill>
+                  <a:srgbClr val="000000"/>
+                </a:solidFill>
+                <a:effectLst/>
+                <a:latin typeface="Neue Haas Grotesk Text Pro" panose="020B0504020202020204" pitchFamily="34" charset="0"/>
+              </a:rPr>
+              <a:t>Une intégration de la météo au rendu par le biais d’ombres et de colorimétrie. </a:t>
+            </a:r>
+          </a:p>
+        </p:txBody>
+      </p:sp>
+      <p:pic>
+        <p:nvPicPr>
+          <p:cNvPr id="4" name="Content Placeholder 4">
+            <a:extLst>
+              <a:ext uri="{FF2B5EF4-FFF2-40B4-BE49-F238E27FC236}">
+                <a16:creationId xmlns:a16="http://schemas.microsoft.com/office/drawing/2014/main" id="{AC0267BD-F88F-6037-74B7-5041670CC534}"/>
+              </a:ext>
+            </a:extLst>
+          </p:cNvPr>
+          <p:cNvPicPr>
+            <a:picLocks noChangeAspect="1"/>
+          </p:cNvPicPr>
+          <p:nvPr/>
+        </p:nvPicPr>
+        <p:blipFill>
+          <a:blip r:embed="rId2">
+            <a:extLst>
+              <a:ext uri="{96DAC541-7B7A-43D3-8B79-37D633B846F1}">
+                <asvg:svgBlip xmlns:asvg="http://schemas.microsoft.com/office/drawing/2016/SVG/main" r:embed="rId3"/>
+              </a:ext>
+            </a:extLst>
+          </a:blip>
+          <a:stretch>
+            <a:fillRect/>
+          </a:stretch>
+        </p:blipFill>
+        <p:spPr>
+          <a:xfrm>
+            <a:off x="11020060" y="272547"/>
+            <a:ext cx="855250" cy="639454"/>
+          </a:xfrm>
+          <a:prstGeom prst="rect">
+            <a:avLst/>
+          </a:prstGeom>
+        </p:spPr>
+      </p:pic>
+    </p:spTree>
+    <p:extLst>
+      <p:ext uri="{BB962C8B-B14F-4D97-AF65-F5344CB8AC3E}">
+        <p14:creationId xmlns:p14="http://schemas.microsoft.com/office/powerpoint/2010/main" val="3666837320"/>
+      </p:ext>
+    </p:extLst>
+  </p:cSld>
+  <p:clrMapOvr>
+    <a:masterClrMapping/>
+  </p:clrMapOvr>
+</p:sld>
+</file>
+
+<file path=ppt/slides/slide26.xml><?xml version="1.0" encoding="utf-8"?>
+<p:sld xmlns:a="http://schemas.openxmlformats.org/drawingml/2006/main" xmlns:r="http://schemas.openxmlformats.org/officeDocument/2006/relationships" xmlns:p="http://schemas.openxmlformats.org/presentationml/2006/main">
+  <p:cSld>
+    <p:spTree>
+      <p:nvGrpSpPr>
+        <p:cNvPr id="1" name=""/>
+        <p:cNvGrpSpPr/>
+        <p:nvPr/>
+      </p:nvGrpSpPr>
+      <p:grpSpPr>
+        <a:xfrm>
+          <a:off x="0" y="0"/>
+          <a:ext cx="0" cy="0"/>
+          <a:chOff x="0" y="0"/>
+          <a:chExt cx="0" cy="0"/>
+        </a:xfrm>
+      </p:grpSpPr>
+      <p:sp>
+        <p:nvSpPr>
+          <p:cNvPr id="2" name="Title 1">
+            <a:extLst>
+              <a:ext uri="{FF2B5EF4-FFF2-40B4-BE49-F238E27FC236}">
+                <a16:creationId xmlns:a16="http://schemas.microsoft.com/office/drawing/2014/main" id="{BC750C20-02A3-1AB0-99CE-C75F112C6AC3}"/>
+              </a:ext>
+            </a:extLst>
+          </p:cNvPr>
+          <p:cNvSpPr>
+            <a:spLocks noGrp="1"/>
+          </p:cNvSpPr>
+          <p:nvPr>
+            <p:ph type="title"/>
+          </p:nvPr>
+        </p:nvSpPr>
+        <p:spPr/>
+        <p:txBody>
+          <a:bodyPr/>
+          <a:lstStyle/>
+          <a:p>
+            <a:r>
+              <a:rPr lang="fr-CH" dirty="0">
+                <a:latin typeface="Neue Haas Grotesk Text Pro" panose="020B0504020202020204" pitchFamily="34" charset="0"/>
+              </a:rPr>
+              <a:t>Merci</a:t>
+            </a:r>
+            <a:endParaRPr lang="en-CH" dirty="0">
+              <a:latin typeface="Neue Haas Grotesk Text Pro" panose="020B0504020202020204" pitchFamily="34" charset="0"/>
+            </a:endParaRPr>
+          </a:p>
+        </p:txBody>
+      </p:sp>
+      <p:pic>
+        <p:nvPicPr>
+          <p:cNvPr id="4" name="Content Placeholder 4">
+            <a:extLst>
+              <a:ext uri="{FF2B5EF4-FFF2-40B4-BE49-F238E27FC236}">
+                <a16:creationId xmlns:a16="http://schemas.microsoft.com/office/drawing/2014/main" id="{AC0267BD-F88F-6037-74B7-5041670CC534}"/>
+              </a:ext>
+            </a:extLst>
+          </p:cNvPr>
+          <p:cNvPicPr>
+            <a:picLocks noChangeAspect="1"/>
+          </p:cNvPicPr>
+          <p:nvPr/>
+        </p:nvPicPr>
+        <p:blipFill>
+          <a:blip r:embed="rId2">
+            <a:extLst>
+              <a:ext uri="{96DAC541-7B7A-43D3-8B79-37D633B846F1}">
+                <asvg:svgBlip xmlns:asvg="http://schemas.microsoft.com/office/drawing/2016/SVG/main" r:embed="rId3"/>
+              </a:ext>
+            </a:extLst>
+          </a:blip>
+          <a:stretch>
+            <a:fillRect/>
+          </a:stretch>
+        </p:blipFill>
+        <p:spPr>
+          <a:xfrm>
+            <a:off x="11020060" y="272547"/>
+            <a:ext cx="855250" cy="639454"/>
+          </a:xfrm>
+          <a:prstGeom prst="rect">
+            <a:avLst/>
+          </a:prstGeom>
+        </p:spPr>
+      </p:pic>
+    </p:spTree>
+    <p:extLst>
+      <p:ext uri="{BB962C8B-B14F-4D97-AF65-F5344CB8AC3E}">
+        <p14:creationId xmlns:p14="http://schemas.microsoft.com/office/powerpoint/2010/main" val="3884149598"/>
+      </p:ext>
+    </p:extLst>
+  </p:cSld>
+  <p:clrMapOvr>
+    <a:masterClrMapping/>
+  </p:clrMapOvr>
+</p:sld>
+</file>
+
 <file path=ppt/slides/slide3.xml><?xml version="1.0" encoding="utf-8"?>
 <p:sld xmlns:a="http://schemas.openxmlformats.org/drawingml/2006/main" xmlns:r="http://schemas.openxmlformats.org/officeDocument/2006/relationships" xmlns:p="http://schemas.openxmlformats.org/presentationml/2006/main">
   <p:cSld>
@@ -5481,7 +8329,7 @@
               <a:rPr lang="fr-CH" dirty="0">
                 <a:latin typeface="Neue Haas Grotesk Text Pro" panose="020B0504020202020204" pitchFamily="34" charset="0"/>
               </a:rPr>
-              <a:t>But</a:t>
+              <a:t>Travail effectué</a:t>
             </a:r>
             <a:endParaRPr lang="en-CH" dirty="0">
               <a:latin typeface="Neue Haas Grotesk Text Pro" panose="020B0504020202020204" pitchFamily="34" charset="0"/>
@@ -5507,7 +8355,7 @@
         </p:nvSpPr>
         <p:spPr/>
         <p:txBody>
-          <a:bodyPr/>
+          <a:bodyPr anchor="ctr"/>
           <a:lstStyle/>
           <a:p>
             <a:pPr marL="0" indent="0">
@@ -5517,17 +8365,30 @@
               <a:rPr lang="fr-CH" dirty="0">
                 <a:latin typeface="Neue Haas Grotesk Text Pro" panose="020B0504020202020204" pitchFamily="34" charset="0"/>
               </a:rPr>
-              <a:t>Principalement -&gt; la génération de </a:t>
-            </a:r>
-            <a:r>
-              <a:rPr lang="fr-CH" dirty="0" err="1">
-                <a:latin typeface="Neue Haas Grotesk Text Pro" panose="020B0504020202020204" pitchFamily="34" charset="0"/>
-              </a:rPr>
-              <a:t>Subtrees</a:t>
-            </a:r>
-            <a:endParaRPr lang="en-CH" dirty="0">
-              <a:latin typeface="Neue Haas Grotesk Text Pro" panose="020B0504020202020204" pitchFamily="34" charset="0"/>
-            </a:endParaRPr>
+              <a:t>Cahier des charges original très différent</a:t>
+            </a:r>
+          </a:p>
+          <a:p>
+            <a:pPr marL="0" indent="0">
+              <a:buNone/>
+            </a:pPr>
+            <a:r>
+              <a:rPr lang="fr-CH" dirty="0">
+                <a:latin typeface="Neue Haas Grotesk Text Pro" panose="020B0504020202020204" pitchFamily="34" charset="0"/>
+              </a:rPr>
+              <a:t>Beaucoup de recherche</a:t>
+            </a:r>
+          </a:p>
+          <a:p>
+            <a:pPr marL="0" indent="0">
+              <a:buNone/>
+            </a:pPr>
+            <a:r>
+              <a:rPr lang="fr-CH" dirty="0">
+                <a:latin typeface="Neue Haas Grotesk Text Pro" panose="020B0504020202020204" pitchFamily="34" charset="0"/>
+              </a:rPr>
+              <a:t>Conception d’algorithmes</a:t>
+            </a:r>
           </a:p>
         </p:txBody>
       </p:sp>
@@ -5546,10 +8407,10 @@
           <p:nvPr/>
         </p:nvPicPr>
         <p:blipFill>
-          <a:blip r:embed="rId2">
+          <a:blip r:embed="rId3">
             <a:extLst>
               <a:ext uri="{96DAC541-7B7A-43D3-8B79-37D633B846F1}">
-                <asvg:svgBlip xmlns:asvg="http://schemas.microsoft.com/office/drawing/2016/SVG/main" r:embed="rId3"/>
+                <asvg:svgBlip xmlns:asvg="http://schemas.microsoft.com/office/drawing/2016/SVG/main" r:embed="rId4"/>
               </a:ext>
             </a:extLst>
           </a:blip>
@@ -6478,7 +9339,7 @@
           <p:nvPr>
             <p:extLst>
               <p:ext uri="{D42A27DB-BD31-4B8C-83A1-F6EECF244321}">
-                <p14:modId xmlns:p14="http://schemas.microsoft.com/office/powerpoint/2010/main" val="429617308"/>
+                <p14:modId xmlns:p14="http://schemas.microsoft.com/office/powerpoint/2010/main" val="1156365783"/>
               </p:ext>
             </p:extLst>
           </p:nvPr>
@@ -6494,14 +9355,14 @@
                 <a:tableStyleId>{5C22544A-7EE6-4342-B048-85BDC9FD1C3A}</a:tableStyleId>
               </a:tblPr>
               <a:tblGrid>
-                <a:gridCol w="1581658">
+                <a:gridCol w="1637458">
                   <a:extLst>
                     <a:ext uri="{9D8B030D-6E8A-4147-A177-3AD203B41FA5}">
                       <a16:colId xmlns:a16="http://schemas.microsoft.com/office/drawing/2014/main" val="2458373451"/>
                     </a:ext>
                   </a:extLst>
                 </a:gridCol>
-                <a:gridCol w="1066635">
+                <a:gridCol w="1010835">
                   <a:extLst>
                     <a:ext uri="{9D8B030D-6E8A-4147-A177-3AD203B41FA5}">
                       <a16:colId xmlns:a16="http://schemas.microsoft.com/office/drawing/2014/main" val="4282470094"/>
@@ -6533,10 +9394,14 @@
                         <a:defRPr/>
                       </a:pPr>
                       <a:r>
-                        <a:rPr lang="fr-CH" dirty="0"/>
+                        <a:rPr lang="fr-CH" dirty="0">
+                          <a:latin typeface="Neue Haas Grotesk Text Pro" panose="020B0504020202020204" pitchFamily="34" charset="0"/>
+                        </a:rPr>
                         <a:t>Colonne</a:t>
                       </a:r>
-                      <a:endParaRPr lang="en-CH" dirty="0"/>
+                      <a:endParaRPr lang="en-CH" dirty="0">
+                        <a:latin typeface="Neue Haas Grotesk Text Pro" panose="020B0504020202020204" pitchFamily="34" charset="0"/>
+                      </a:endParaRPr>
                     </a:p>
                   </a:txBody>
                   <a:tcPr/>
@@ -6547,7 +9412,9 @@
                     <a:lstStyle/>
                     <a:p>
                       <a:r>
-                        <a:rPr lang="fr-CH" dirty="0"/>
+                        <a:rPr lang="fr-CH" dirty="0">
+                          <a:latin typeface="Neue Haas Grotesk Text Pro" panose="020B0504020202020204" pitchFamily="34" charset="0"/>
+                        </a:rPr>
                         <a:t>Type</a:t>
                       </a:r>
                     </a:p>
@@ -6567,10 +9434,14 @@
                     <a:lstStyle/>
                     <a:p>
                       <a:r>
-                        <a:rPr lang="fr-CH" dirty="0" err="1"/>
+                        <a:rPr lang="fr-CH" dirty="0" err="1">
+                          <a:latin typeface="Neue Haas Grotesk Text Pro" panose="020B0504020202020204" pitchFamily="34" charset="0"/>
+                        </a:rPr>
                         <a:t>morton_index</a:t>
                       </a:r>
-                      <a:endParaRPr lang="en-CH" dirty="0"/>
+                      <a:endParaRPr lang="en-CH" dirty="0">
+                        <a:latin typeface="Neue Haas Grotesk Text Pro" panose="020B0504020202020204" pitchFamily="34" charset="0"/>
+                      </a:endParaRPr>
                     </a:p>
                   </a:txBody>
                   <a:tcPr/>
@@ -6581,10 +9452,14 @@
                     <a:lstStyle/>
                     <a:p>
                       <a:r>
-                        <a:rPr lang="fr-CH" dirty="0" err="1"/>
+                        <a:rPr lang="fr-CH" dirty="0" err="1">
+                          <a:latin typeface="Neue Haas Grotesk Text Pro" panose="020B0504020202020204" pitchFamily="34" charset="0"/>
+                        </a:rPr>
                         <a:t>bigint</a:t>
                       </a:r>
-                      <a:endParaRPr lang="en-CH" dirty="0"/>
+                      <a:endParaRPr lang="en-CH" dirty="0">
+                        <a:latin typeface="Neue Haas Grotesk Text Pro" panose="020B0504020202020204" pitchFamily="34" charset="0"/>
+                      </a:endParaRPr>
                     </a:p>
                   </a:txBody>
                   <a:tcPr/>
@@ -6602,10 +9477,14 @@
                     <a:lstStyle/>
                     <a:p>
                       <a:r>
-                        <a:rPr lang="fr-CH" dirty="0" err="1"/>
+                        <a:rPr lang="fr-CH" dirty="0" err="1">
+                          <a:latin typeface="Neue Haas Grotesk Text Pro" panose="020B0504020202020204" pitchFamily="34" charset="0"/>
+                        </a:rPr>
                         <a:t>level</a:t>
                       </a:r>
-                      <a:endParaRPr lang="en-CH" dirty="0"/>
+                      <a:endParaRPr lang="en-CH" dirty="0">
+                        <a:latin typeface="Neue Haas Grotesk Text Pro" panose="020B0504020202020204" pitchFamily="34" charset="0"/>
+                      </a:endParaRPr>
                     </a:p>
                   </a:txBody>
                   <a:tcPr/>
@@ -6616,10 +9495,14 @@
                     <a:lstStyle/>
                     <a:p>
                       <a:r>
-                        <a:rPr lang="fr-CH" dirty="0" err="1"/>
+                        <a:rPr lang="fr-CH" dirty="0" err="1">
+                          <a:latin typeface="Neue Haas Grotesk Text Pro" panose="020B0504020202020204" pitchFamily="34" charset="0"/>
+                        </a:rPr>
                         <a:t>integer</a:t>
                       </a:r>
-                      <a:endParaRPr lang="en-CH" dirty="0"/>
+                      <a:endParaRPr lang="en-CH" dirty="0">
+                        <a:latin typeface="Neue Haas Grotesk Text Pro" panose="020B0504020202020204" pitchFamily="34" charset="0"/>
+                      </a:endParaRPr>
                     </a:p>
                   </a:txBody>
                   <a:tcPr/>
@@ -6637,10 +9520,14 @@
                     <a:lstStyle/>
                     <a:p>
                       <a:r>
-                        <a:rPr lang="fr-CH" dirty="0" err="1"/>
+                        <a:rPr lang="fr-CH" dirty="0" err="1">
+                          <a:latin typeface="Neue Haas Grotesk Text Pro" panose="020B0504020202020204" pitchFamily="34" charset="0"/>
+                        </a:rPr>
                         <a:t>binary_file</a:t>
                       </a:r>
-                      <a:endParaRPr lang="en-CH" dirty="0"/>
+                      <a:endParaRPr lang="en-CH" dirty="0">
+                        <a:latin typeface="Neue Haas Grotesk Text Pro" panose="020B0504020202020204" pitchFamily="34" charset="0"/>
+                      </a:endParaRPr>
                     </a:p>
                   </a:txBody>
                   <a:tcPr/>
@@ -6651,10 +9538,14 @@
                     <a:lstStyle/>
                     <a:p>
                       <a:r>
-                        <a:rPr lang="fr-CH" dirty="0" err="1"/>
+                        <a:rPr lang="fr-CH" dirty="0" err="1">
+                          <a:latin typeface="Neue Haas Grotesk Text Pro" panose="020B0504020202020204" pitchFamily="34" charset="0"/>
+                        </a:rPr>
                         <a:t>bytea</a:t>
                       </a:r>
-                      <a:endParaRPr lang="en-CH" dirty="0"/>
+                      <a:endParaRPr lang="en-CH" dirty="0">
+                        <a:latin typeface="Neue Haas Grotesk Text Pro" panose="020B0504020202020204" pitchFamily="34" charset="0"/>
+                      </a:endParaRPr>
                     </a:p>
                   </a:txBody>
                   <a:tcPr/>
@@ -6715,10 +9606,14 @@
               <a:defRPr/>
             </a:pPr>
             <a:r>
-              <a:rPr lang="fr-CH" dirty="0" err="1"/>
+              <a:rPr lang="fr-CH" dirty="0" err="1">
+                <a:latin typeface="Neue Haas Grotesk Text Pro" panose="020B0504020202020204" pitchFamily="34" charset="0"/>
+              </a:rPr>
               <a:t>td_subtrees</a:t>
             </a:r>
-            <a:endParaRPr lang="fr-CH" dirty="0"/>
+            <a:endParaRPr lang="fr-CH" dirty="0">
+              <a:latin typeface="Neue Haas Grotesk Text Pro" panose="020B0504020202020204" pitchFamily="34" charset="0"/>
+            </a:endParaRPr>
           </a:p>
         </p:txBody>
       </p:sp>
@@ -6737,7 +9632,7 @@
           <p:nvPr>
             <p:extLst>
               <p:ext uri="{D42A27DB-BD31-4B8C-83A1-F6EECF244321}">
-                <p14:modId xmlns:p14="http://schemas.microsoft.com/office/powerpoint/2010/main" val="2705965263"/>
+                <p14:modId xmlns:p14="http://schemas.microsoft.com/office/powerpoint/2010/main" val="3493247968"/>
               </p:ext>
             </p:extLst>
           </p:nvPr>
@@ -6792,10 +9687,14 @@
                         <a:defRPr/>
                       </a:pPr>
                       <a:r>
-                        <a:rPr lang="fr-CH" dirty="0"/>
+                        <a:rPr lang="fr-CH" dirty="0">
+                          <a:latin typeface="Neue Haas Grotesk Text Pro" panose="020B0504020202020204" pitchFamily="34" charset="0"/>
+                        </a:rPr>
                         <a:t>Colonne</a:t>
                       </a:r>
-                      <a:endParaRPr lang="en-CH" dirty="0"/>
+                      <a:endParaRPr lang="en-CH" dirty="0">
+                        <a:latin typeface="Neue Haas Grotesk Text Pro" panose="020B0504020202020204" pitchFamily="34" charset="0"/>
+                      </a:endParaRPr>
                     </a:p>
                   </a:txBody>
                   <a:tcPr/>
@@ -6806,7 +9705,9 @@
                     <a:lstStyle/>
                     <a:p>
                       <a:r>
-                        <a:rPr lang="fr-CH" dirty="0"/>
+                        <a:rPr lang="fr-CH" dirty="0">
+                          <a:latin typeface="Neue Haas Grotesk Text Pro" panose="020B0504020202020204" pitchFamily="34" charset="0"/>
+                        </a:rPr>
                         <a:t>Type</a:t>
                       </a:r>
                     </a:p>
@@ -6826,10 +9727,14 @@
                     <a:lstStyle/>
                     <a:p>
                       <a:r>
-                        <a:rPr lang="fr-CH" dirty="0"/>
+                        <a:rPr lang="fr-CH" dirty="0">
+                          <a:latin typeface="Neue Haas Grotesk Text Pro" panose="020B0504020202020204" pitchFamily="34" charset="0"/>
+                        </a:rPr>
                         <a:t>x</a:t>
                       </a:r>
-                      <a:endParaRPr lang="en-CH" dirty="0"/>
+                      <a:endParaRPr lang="en-CH" dirty="0">
+                        <a:latin typeface="Neue Haas Grotesk Text Pro" panose="020B0504020202020204" pitchFamily="34" charset="0"/>
+                      </a:endParaRPr>
                     </a:p>
                   </a:txBody>
                   <a:tcPr/>
@@ -6840,10 +9745,14 @@
                     <a:lstStyle/>
                     <a:p>
                       <a:r>
-                        <a:rPr lang="fr-CH" dirty="0" err="1"/>
+                        <a:rPr lang="fr-CH" dirty="0" err="1">
+                          <a:latin typeface="Neue Haas Grotesk Text Pro" panose="020B0504020202020204" pitchFamily="34" charset="0"/>
+                        </a:rPr>
                         <a:t>bigint</a:t>
                       </a:r>
-                      <a:endParaRPr lang="en-CH" dirty="0"/>
+                      <a:endParaRPr lang="en-CH" dirty="0">
+                        <a:latin typeface="Neue Haas Grotesk Text Pro" panose="020B0504020202020204" pitchFamily="34" charset="0"/>
+                      </a:endParaRPr>
                     </a:p>
                   </a:txBody>
                   <a:tcPr/>
@@ -6861,10 +9770,14 @@
                     <a:lstStyle/>
                     <a:p>
                       <a:r>
-                        <a:rPr lang="fr-CH" dirty="0"/>
+                        <a:rPr lang="fr-CH" dirty="0">
+                          <a:latin typeface="Neue Haas Grotesk Text Pro" panose="020B0504020202020204" pitchFamily="34" charset="0"/>
+                        </a:rPr>
                         <a:t>y</a:t>
                       </a:r>
-                      <a:endParaRPr lang="en-CH" dirty="0"/>
+                      <a:endParaRPr lang="en-CH" dirty="0">
+                        <a:latin typeface="Neue Haas Grotesk Text Pro" panose="020B0504020202020204" pitchFamily="34" charset="0"/>
+                      </a:endParaRPr>
                     </a:p>
                   </a:txBody>
                   <a:tcPr/>
@@ -6875,10 +9788,14 @@
                     <a:lstStyle/>
                     <a:p>
                       <a:r>
-                        <a:rPr lang="fr-CH" dirty="0" err="1"/>
+                        <a:rPr lang="fr-CH" dirty="0" err="1">
+                          <a:latin typeface="Neue Haas Grotesk Text Pro" panose="020B0504020202020204" pitchFamily="34" charset="0"/>
+                        </a:rPr>
                         <a:t>bigint</a:t>
                       </a:r>
-                      <a:endParaRPr lang="en-CH" dirty="0"/>
+                      <a:endParaRPr lang="en-CH" dirty="0">
+                        <a:latin typeface="Neue Haas Grotesk Text Pro" panose="020B0504020202020204" pitchFamily="34" charset="0"/>
+                      </a:endParaRPr>
                     </a:p>
                   </a:txBody>
                   <a:tcPr/>
@@ -6896,10 +9813,14 @@
                     <a:lstStyle/>
                     <a:p>
                       <a:r>
-                        <a:rPr lang="fr-CH" dirty="0" err="1"/>
+                        <a:rPr lang="fr-CH" dirty="0" err="1">
+                          <a:latin typeface="Neue Haas Grotesk Text Pro" panose="020B0504020202020204" pitchFamily="34" charset="0"/>
+                        </a:rPr>
                         <a:t>level</a:t>
                       </a:r>
-                      <a:endParaRPr lang="en-CH" dirty="0"/>
+                      <a:endParaRPr lang="en-CH" dirty="0">
+                        <a:latin typeface="Neue Haas Grotesk Text Pro" panose="020B0504020202020204" pitchFamily="34" charset="0"/>
+                      </a:endParaRPr>
                     </a:p>
                   </a:txBody>
                   <a:tcPr/>
@@ -6910,10 +9831,14 @@
                     <a:lstStyle/>
                     <a:p>
                       <a:r>
-                        <a:rPr lang="fr-CH" dirty="0" err="1"/>
+                        <a:rPr lang="fr-CH" dirty="0" err="1">
+                          <a:latin typeface="Neue Haas Grotesk Text Pro" panose="020B0504020202020204" pitchFamily="34" charset="0"/>
+                        </a:rPr>
                         <a:t>integer</a:t>
                       </a:r>
-                      <a:endParaRPr lang="en-CH" dirty="0"/>
+                      <a:endParaRPr lang="en-CH" dirty="0">
+                        <a:latin typeface="Neue Haas Grotesk Text Pro" panose="020B0504020202020204" pitchFamily="34" charset="0"/>
+                      </a:endParaRPr>
                     </a:p>
                   </a:txBody>
                   <a:tcPr/>
@@ -6931,10 +9856,14 @@
                     <a:lstStyle/>
                     <a:p>
                       <a:r>
-                        <a:rPr lang="fr-CH" dirty="0" err="1"/>
+                        <a:rPr lang="fr-CH" dirty="0" err="1">
+                          <a:latin typeface="Neue Haas Grotesk Text Pro" panose="020B0504020202020204" pitchFamily="34" charset="0"/>
+                        </a:rPr>
                         <a:t>binary_file</a:t>
                       </a:r>
-                      <a:endParaRPr lang="en-CH" dirty="0"/>
+                      <a:endParaRPr lang="en-CH" dirty="0">
+                        <a:latin typeface="Neue Haas Grotesk Text Pro" panose="020B0504020202020204" pitchFamily="34" charset="0"/>
+                      </a:endParaRPr>
                     </a:p>
                   </a:txBody>
                   <a:tcPr/>
@@ -6945,10 +9874,14 @@
                     <a:lstStyle/>
                     <a:p>
                       <a:r>
-                        <a:rPr lang="fr-CH" dirty="0" err="1"/>
+                        <a:rPr lang="fr-CH" dirty="0" err="1">
+                          <a:latin typeface="Neue Haas Grotesk Text Pro" panose="020B0504020202020204" pitchFamily="34" charset="0"/>
+                        </a:rPr>
                         <a:t>bytea</a:t>
                       </a:r>
-                      <a:endParaRPr lang="en-CH" dirty="0"/>
+                      <a:endParaRPr lang="en-CH" dirty="0">
+                        <a:latin typeface="Neue Haas Grotesk Text Pro" panose="020B0504020202020204" pitchFamily="34" charset="0"/>
+                      </a:endParaRPr>
                     </a:p>
                   </a:txBody>
                   <a:tcPr/>
@@ -6978,7 +9911,7 @@
           <p:nvPr>
             <p:extLst>
               <p:ext uri="{D42A27DB-BD31-4B8C-83A1-F6EECF244321}">
-                <p14:modId xmlns:p14="http://schemas.microsoft.com/office/powerpoint/2010/main" val="281650078"/>
+                <p14:modId xmlns:p14="http://schemas.microsoft.com/office/powerpoint/2010/main" val="1565833980"/>
               </p:ext>
             </p:extLst>
           </p:nvPr>
@@ -7033,10 +9966,14 @@
                         <a:defRPr/>
                       </a:pPr>
                       <a:r>
-                        <a:rPr lang="fr-CH" dirty="0"/>
+                        <a:rPr lang="fr-CH" dirty="0">
+                          <a:latin typeface="Neue Haas Grotesk Text Pro" panose="020B0504020202020204" pitchFamily="34" charset="0"/>
+                        </a:rPr>
                         <a:t>Colonne</a:t>
                       </a:r>
-                      <a:endParaRPr lang="en-CH" dirty="0"/>
+                      <a:endParaRPr lang="en-CH" dirty="0">
+                        <a:latin typeface="Neue Haas Grotesk Text Pro" panose="020B0504020202020204" pitchFamily="34" charset="0"/>
+                      </a:endParaRPr>
                     </a:p>
                   </a:txBody>
                   <a:tcPr/>
@@ -7047,7 +9984,9 @@
                     <a:lstStyle/>
                     <a:p>
                       <a:r>
-                        <a:rPr lang="fr-CH" dirty="0"/>
+                        <a:rPr lang="fr-CH" dirty="0">
+                          <a:latin typeface="Neue Haas Grotesk Text Pro" panose="020B0504020202020204" pitchFamily="34" charset="0"/>
+                        </a:rPr>
                         <a:t>Type</a:t>
                       </a:r>
                     </a:p>
@@ -7067,10 +10006,14 @@
                     <a:lstStyle/>
                     <a:p>
                       <a:r>
-                        <a:rPr lang="fr-CH" dirty="0"/>
+                        <a:rPr lang="fr-CH" dirty="0">
+                          <a:latin typeface="Neue Haas Grotesk Text Pro" panose="020B0504020202020204" pitchFamily="34" charset="0"/>
+                        </a:rPr>
                         <a:t>id</a:t>
                       </a:r>
-                      <a:endParaRPr lang="en-CH" dirty="0"/>
+                      <a:endParaRPr lang="en-CH" dirty="0">
+                        <a:latin typeface="Neue Haas Grotesk Text Pro" panose="020B0504020202020204" pitchFamily="34" charset="0"/>
+                      </a:endParaRPr>
                     </a:p>
                   </a:txBody>
                   <a:tcPr/>
@@ -7081,10 +10024,14 @@
                     <a:lstStyle/>
                     <a:p>
                       <a:r>
-                        <a:rPr lang="fr-CH" dirty="0" err="1"/>
+                        <a:rPr lang="fr-CH" dirty="0" err="1">
+                          <a:latin typeface="Neue Haas Grotesk Text Pro" panose="020B0504020202020204" pitchFamily="34" charset="0"/>
+                        </a:rPr>
                         <a:t>bigint</a:t>
                       </a:r>
-                      <a:endParaRPr lang="en-CH" dirty="0"/>
+                      <a:endParaRPr lang="en-CH" dirty="0">
+                        <a:latin typeface="Neue Haas Grotesk Text Pro" panose="020B0504020202020204" pitchFamily="34" charset="0"/>
+                      </a:endParaRPr>
                     </a:p>
                   </a:txBody>
                   <a:tcPr/>
@@ -7102,10 +10049,14 @@
                     <a:lstStyle/>
                     <a:p>
                       <a:r>
-                        <a:rPr lang="fr-CH" dirty="0"/>
+                        <a:rPr lang="fr-CH" dirty="0">
+                          <a:latin typeface="Neue Haas Grotesk Text Pro" panose="020B0504020202020204" pitchFamily="34" charset="0"/>
+                        </a:rPr>
                         <a:t>compression</a:t>
                       </a:r>
-                      <a:endParaRPr lang="en-CH" dirty="0"/>
+                      <a:endParaRPr lang="en-CH" dirty="0">
+                        <a:latin typeface="Neue Haas Grotesk Text Pro" panose="020B0504020202020204" pitchFamily="34" charset="0"/>
+                      </a:endParaRPr>
                     </a:p>
                   </a:txBody>
                   <a:tcPr/>
@@ -7116,10 +10067,14 @@
                     <a:lstStyle/>
                     <a:p>
                       <a:r>
-                        <a:rPr lang="fr-CH" dirty="0" err="1"/>
+                        <a:rPr lang="fr-CH" dirty="0" err="1">
+                          <a:latin typeface="Neue Haas Grotesk Text Pro" panose="020B0504020202020204" pitchFamily="34" charset="0"/>
+                        </a:rPr>
                         <a:t>integer</a:t>
                       </a:r>
-                      <a:endParaRPr lang="en-CH" dirty="0"/>
+                      <a:endParaRPr lang="en-CH" dirty="0">
+                        <a:latin typeface="Neue Haas Grotesk Text Pro" panose="020B0504020202020204" pitchFamily="34" charset="0"/>
+                      </a:endParaRPr>
                     </a:p>
                   </a:txBody>
                   <a:tcPr/>
@@ -7180,10 +10135,14 @@
               <a:defRPr/>
             </a:pPr>
             <a:r>
-              <a:rPr lang="fr-CH" dirty="0" err="1"/>
+              <a:rPr lang="fr-CH" dirty="0" err="1">
+                <a:latin typeface="Neue Haas Grotesk Text Pro" panose="020B0504020202020204" pitchFamily="34" charset="0"/>
+              </a:rPr>
               <a:t>td_tile_gltf</a:t>
             </a:r>
-            <a:endParaRPr lang="fr-CH" dirty="0"/>
+            <a:endParaRPr lang="fr-CH" dirty="0">
+              <a:latin typeface="Neue Haas Grotesk Text Pro" panose="020B0504020202020204" pitchFamily="34" charset="0"/>
+            </a:endParaRPr>
           </a:p>
         </p:txBody>
       </p:sp>
@@ -7233,10 +10192,14 @@
               <a:defRPr/>
             </a:pPr>
             <a:r>
-              <a:rPr lang="fr-CH" dirty="0" err="1"/>
+              <a:rPr lang="fr-CH" dirty="0" err="1">
+                <a:latin typeface="Neue Haas Grotesk Text Pro" panose="020B0504020202020204" pitchFamily="34" charset="0"/>
+              </a:rPr>
               <a:t>td_tile_buildings_in_tile</a:t>
             </a:r>
-            <a:endParaRPr lang="fr-CH" dirty="0"/>
+            <a:endParaRPr lang="fr-CH" dirty="0">
+              <a:latin typeface="Neue Haas Grotesk Text Pro" panose="020B0504020202020204" pitchFamily="34" charset="0"/>
+            </a:endParaRPr>
           </a:p>
         </p:txBody>
       </p:sp>
@@ -7454,6 +10417,104 @@
           </a:p>
         </p:txBody>
       </p:sp>
+      <p:sp>
+        <p:nvSpPr>
+          <p:cNvPr id="3" name="Content Placeholder 2">
+            <a:extLst>
+              <a:ext uri="{FF2B5EF4-FFF2-40B4-BE49-F238E27FC236}">
+                <a16:creationId xmlns:a16="http://schemas.microsoft.com/office/drawing/2014/main" id="{2CFB45F6-1453-4B2E-7485-C1EE47A8DEFE}"/>
+              </a:ext>
+            </a:extLst>
+          </p:cNvPr>
+          <p:cNvSpPr>
+            <a:spLocks noGrp="1"/>
+          </p:cNvSpPr>
+          <p:nvPr>
+            <p:ph idx="1"/>
+          </p:nvPr>
+        </p:nvSpPr>
+        <p:spPr>
+          <a:xfrm>
+            <a:off x="838200" y="1825625"/>
+            <a:ext cx="6534150" cy="4351338"/>
+          </a:xfrm>
+        </p:spPr>
+        <p:txBody>
+          <a:bodyPr anchor="ctr"/>
+          <a:lstStyle/>
+          <a:p>
+            <a:pPr marL="0" indent="0">
+              <a:lnSpc>
+                <a:spcPct val="150000"/>
+              </a:lnSpc>
+              <a:buNone/>
+            </a:pPr>
+            <a:r>
+              <a:rPr lang="fr-CH" dirty="0">
+                <a:latin typeface="Neue Haas Grotesk Text Pro" panose="020B0504020202020204" pitchFamily="34" charset="0"/>
+              </a:rPr>
+              <a:t>Division implicite d’un espace 2D</a:t>
+            </a:r>
+          </a:p>
+          <a:p>
+            <a:pPr marL="0" indent="0">
+              <a:lnSpc>
+                <a:spcPct val="150000"/>
+              </a:lnSpc>
+              <a:buNone/>
+            </a:pPr>
+            <a:r>
+              <a:rPr lang="fr-CH" dirty="0">
+                <a:latin typeface="Neue Haas Grotesk Text Pro" panose="020B0504020202020204" pitchFamily="34" charset="0"/>
+              </a:rPr>
+              <a:t>Traitement de </a:t>
+            </a:r>
+            <a:r>
+              <a:rPr lang="fr-CH" dirty="0" err="1">
+                <a:latin typeface="Neue Haas Grotesk Text Pro" panose="020B0504020202020204" pitchFamily="34" charset="0"/>
+              </a:rPr>
+              <a:t>dataset</a:t>
+            </a:r>
+            <a:r>
+              <a:rPr lang="fr-CH" dirty="0">
+                <a:latin typeface="Neue Haas Grotesk Text Pro" panose="020B0504020202020204" pitchFamily="34" charset="0"/>
+              </a:rPr>
+              <a:t> volumineux</a:t>
+            </a:r>
+          </a:p>
+          <a:p>
+            <a:pPr marL="0" indent="0">
+              <a:lnSpc>
+                <a:spcPct val="150000"/>
+              </a:lnSpc>
+              <a:buNone/>
+            </a:pPr>
+            <a:r>
+              <a:rPr lang="fr-CH" dirty="0">
+                <a:latin typeface="Neue Haas Grotesk Text Pro" panose="020B0504020202020204" pitchFamily="34" charset="0"/>
+              </a:rPr>
+              <a:t>Quadtree ou Octree</a:t>
+            </a:r>
+          </a:p>
+          <a:p>
+            <a:pPr marL="0" indent="0">
+              <a:lnSpc>
+                <a:spcPct val="150000"/>
+              </a:lnSpc>
+              <a:buNone/>
+            </a:pPr>
+            <a:r>
+              <a:rPr lang="fr-CH" dirty="0">
+                <a:latin typeface="Neue Haas Grotesk Text Pro" panose="020B0504020202020204" pitchFamily="34" charset="0"/>
+              </a:rPr>
+              <a:t>Définit par un objet JSON</a:t>
+            </a:r>
+            <a:endParaRPr lang="en-CH" dirty="0">
+              <a:latin typeface="Neue Haas Grotesk Text Pro" panose="020B0504020202020204" pitchFamily="34" charset="0"/>
+            </a:endParaRPr>
+          </a:p>
+        </p:txBody>
+      </p:sp>
     </p:spTree>
     <p:extLst>
       <p:ext uri="{BB962C8B-B14F-4D97-AF65-F5344CB8AC3E}">
@@ -7566,22 +10627,69 @@
         </p:nvSpPr>
         <p:spPr>
           <a:xfrm>
-            <a:off x="838200" y="1825625"/>
-            <a:ext cx="2298700" cy="4351338"/>
+            <a:off x="838199" y="1825625"/>
+            <a:ext cx="4953009" cy="4351338"/>
           </a:xfrm>
         </p:spPr>
         <p:txBody>
-          <a:bodyPr/>
+          <a:bodyPr anchor="ctr"/>
           <a:lstStyle/>
           <a:p>
             <a:pPr marL="0" indent="0">
               <a:buNone/>
             </a:pPr>
             <a:r>
+              <a:rPr lang="fr-CH" dirty="0">
+                <a:latin typeface="Neue Haas Grotesk Text Pro" panose="020B0504020202020204" pitchFamily="34" charset="0"/>
+              </a:rPr>
+              <a:t>Création des </a:t>
+            </a:r>
+            <a:r>
               <a:rPr lang="fr-CH" dirty="0" err="1">
                 <a:latin typeface="Neue Haas Grotesk Text Pro" panose="020B0504020202020204" pitchFamily="34" charset="0"/>
               </a:rPr>
-              <a:t>awd</a:t>
+              <a:t>bounding</a:t>
+            </a:r>
+            <a:r>
+              <a:rPr lang="fr-CH" dirty="0">
+                <a:latin typeface="Neue Haas Grotesk Text Pro" panose="020B0504020202020204" pitchFamily="34" charset="0"/>
+              </a:rPr>
+              <a:t> volumes et </a:t>
+            </a:r>
+            <a:r>
+              <a:rPr lang="fr-CH" dirty="0" err="1">
+                <a:latin typeface="Neue Haas Grotesk Text Pro" panose="020B0504020202020204" pitchFamily="34" charset="0"/>
+              </a:rPr>
+              <a:t>geometric</a:t>
+            </a:r>
+            <a:r>
+              <a:rPr lang="fr-CH" dirty="0">
+                <a:latin typeface="Neue Haas Grotesk Text Pro" panose="020B0504020202020204" pitchFamily="34" charset="0"/>
+              </a:rPr>
+              <a:t> </a:t>
+            </a:r>
+            <a:r>
+              <a:rPr lang="fr-CH" dirty="0" err="1">
+                <a:latin typeface="Neue Haas Grotesk Text Pro" panose="020B0504020202020204" pitchFamily="34" charset="0"/>
+              </a:rPr>
+              <a:t>errors</a:t>
+            </a:r>
+            <a:r>
+              <a:rPr lang="fr-CH" dirty="0">
+                <a:latin typeface="Neue Haas Grotesk Text Pro" panose="020B0504020202020204" pitchFamily="34" charset="0"/>
+              </a:rPr>
+              <a:t> automatique </a:t>
+            </a:r>
+          </a:p>
+          <a:p>
+            <a:pPr marL="0" indent="0">
+              <a:buNone/>
+            </a:pPr>
+            <a:r>
+              <a:rPr lang="fr-CH" dirty="0">
+                <a:latin typeface="Neue Haas Grotesk Text Pro" panose="020B0504020202020204" pitchFamily="34" charset="0"/>
+              </a:rPr>
+              <a:t>Utilise une courbe de Hilbert</a:t>
             </a:r>
             <a:endParaRPr lang="en-CH" dirty="0">
               <a:latin typeface="Neue Haas Grotesk Text Pro" panose="020B0504020202020204" pitchFamily="34" charset="0"/>
@@ -7703,14 +10811,28 @@
         </p:nvSpPr>
         <p:spPr/>
         <p:txBody>
-          <a:bodyPr/>
+          <a:bodyPr>
+            <a:normAutofit/>
+          </a:bodyPr>
           <a:lstStyle/>
           <a:p>
             <a:r>
               <a:rPr lang="fr-CH" dirty="0" err="1">
                 <a:latin typeface="Neue Haas Grotesk Text Pro" panose="020B0504020202020204" pitchFamily="34" charset="0"/>
               </a:rPr>
-              <a:t>Subtrees</a:t>
+              <a:t>Implicit</a:t>
+            </a:r>
+            <a:r>
+              <a:rPr lang="fr-CH" dirty="0">
+                <a:latin typeface="Neue Haas Grotesk Text Pro" panose="020B0504020202020204" pitchFamily="34" charset="0"/>
+              </a:rPr>
+              <a:t> </a:t>
+            </a:r>
+            <a:r>
+              <a:rPr lang="fr-CH" dirty="0" err="1">
+                <a:latin typeface="Neue Haas Grotesk Text Pro" panose="020B0504020202020204" pitchFamily="34" charset="0"/>
+              </a:rPr>
+              <a:t>Tiling</a:t>
             </a:r>
             <a:r>
               <a:rPr lang="fr-CH" dirty="0">
@@ -7724,10 +10846,10 @@
               </a:rPr>
             </a:br>
             <a:r>
-              <a:rPr lang="fr-CH" dirty="0">
-                <a:latin typeface="Neue Haas Grotesk Text Pro" panose="020B0504020202020204" pitchFamily="34" charset="0"/>
-              </a:rPr>
-              <a:t>Introduction</a:t>
+              <a:rPr lang="en-GB" dirty="0">
+                <a:latin typeface="Neue Haas Grotesk Text Pro" panose="020B0504020202020204" pitchFamily="34" charset="0"/>
+              </a:rPr>
+              <a:t>Semi Implicit Tiling</a:t>
             </a:r>
             <a:endParaRPr lang="en-CH" dirty="0">
               <a:latin typeface="Neue Haas Grotesk Text Pro" panose="020B0504020202020204" pitchFamily="34" charset="0"/>
@@ -7771,46 +10893,93 @@
           </a:prstGeom>
         </p:spPr>
       </p:pic>
-      <p:pic>
-        <p:nvPicPr>
-          <p:cNvPr id="7" name="Picture 6" descr="Aerial view of a farm land&#10;&#10;Description automatically generated">
-            <a:extLst>
-              <a:ext uri="{FF2B5EF4-FFF2-40B4-BE49-F238E27FC236}">
-                <a16:creationId xmlns:a16="http://schemas.microsoft.com/office/drawing/2014/main" id="{6B21D838-F2BB-9BC6-3A57-57F12F4B717B}"/>
-              </a:ext>
-            </a:extLst>
-          </p:cNvPr>
-          <p:cNvPicPr>
-            <a:picLocks noChangeAspect="1"/>
-          </p:cNvPicPr>
-          <p:nvPr/>
-        </p:nvPicPr>
-        <p:blipFill>
-          <a:blip r:embed="rId4">
-            <a:extLst>
-              <a:ext uri="{28A0092B-C50C-407E-A947-70E740481C1C}">
-                <a14:useLocalDpi xmlns:a14="http://schemas.microsoft.com/office/drawing/2010/main" val="0"/>
-              </a:ext>
-            </a:extLst>
-          </a:blip>
-          <a:stretch>
-            <a:fillRect/>
-          </a:stretch>
-        </p:blipFill>
-        <p:spPr>
-          <a:xfrm>
-            <a:off x="3987793" y="1960163"/>
-            <a:ext cx="7658113" cy="3974819"/>
-          </a:xfrm>
-          <a:prstGeom prst="rect">
-            <a:avLst/>
-          </a:prstGeom>
-        </p:spPr>
-      </p:pic>
+      <p:sp>
+        <p:nvSpPr>
+          <p:cNvPr id="7" name="Content Placeholder 6">
+            <a:extLst>
+              <a:ext uri="{FF2B5EF4-FFF2-40B4-BE49-F238E27FC236}">
+                <a16:creationId xmlns:a16="http://schemas.microsoft.com/office/drawing/2014/main" id="{3CB754DB-117A-D16F-5037-03DDE6294D5A}"/>
+              </a:ext>
+            </a:extLst>
+          </p:cNvPr>
+          <p:cNvSpPr>
+            <a:spLocks noGrp="1"/>
+          </p:cNvSpPr>
+          <p:nvPr>
+            <p:ph idx="1"/>
+          </p:nvPr>
+        </p:nvSpPr>
+        <p:spPr/>
+        <p:txBody>
+          <a:bodyPr anchor="ctr"/>
+          <a:lstStyle/>
+          <a:p>
+            <a:pPr marL="0" indent="0">
+              <a:buNone/>
+            </a:pPr>
+            <a:r>
+              <a:rPr lang="fr-CH" dirty="0">
+                <a:latin typeface="Neue Haas Grotesk Text Pro" panose="020B0504020202020204" pitchFamily="34" charset="0"/>
+              </a:rPr>
+              <a:t>Utilisation d’</a:t>
+            </a:r>
+            <a:r>
+              <a:rPr lang="fr-CH" dirty="0" err="1">
+                <a:latin typeface="Neue Haas Grotesk Text Pro" panose="020B0504020202020204" pitchFamily="34" charset="0"/>
+              </a:rPr>
+              <a:t>Implicit</a:t>
+            </a:r>
+            <a:r>
+              <a:rPr lang="fr-CH" dirty="0">
+                <a:latin typeface="Neue Haas Grotesk Text Pro" panose="020B0504020202020204" pitchFamily="34" charset="0"/>
+              </a:rPr>
+              <a:t> </a:t>
+            </a:r>
+            <a:r>
+              <a:rPr lang="fr-CH" dirty="0" err="1">
+                <a:latin typeface="Neue Haas Grotesk Text Pro" panose="020B0504020202020204" pitchFamily="34" charset="0"/>
+              </a:rPr>
+              <a:t>Tiling</a:t>
+            </a:r>
+            <a:r>
+              <a:rPr lang="fr-CH" dirty="0">
+                <a:latin typeface="Neue Haas Grotesk Text Pro" panose="020B0504020202020204" pitchFamily="34" charset="0"/>
+              </a:rPr>
+              <a:t> pour les Tuiles de haut niveau</a:t>
+            </a:r>
+          </a:p>
+          <a:p>
+            <a:pPr marL="0" indent="0">
+              <a:buNone/>
+            </a:pPr>
+            <a:r>
+              <a:rPr lang="fr-CH" dirty="0">
+                <a:latin typeface="Neue Haas Grotesk Text Pro" panose="020B0504020202020204" pitchFamily="34" charset="0"/>
+              </a:rPr>
+              <a:t>Utilisation de </a:t>
+            </a:r>
+            <a:r>
+              <a:rPr lang="fr-CH" dirty="0" err="1">
+                <a:latin typeface="Neue Haas Grotesk Text Pro" panose="020B0504020202020204" pitchFamily="34" charset="0"/>
+              </a:rPr>
+              <a:t>Tileset</a:t>
+            </a:r>
+            <a:r>
+              <a:rPr lang="fr-CH" dirty="0">
+                <a:latin typeface="Neue Haas Grotesk Text Pro" panose="020B0504020202020204" pitchFamily="34" charset="0"/>
+              </a:rPr>
+              <a:t> définit manuellement pour les tuiles contenant les bâtiments</a:t>
+            </a:r>
+            <a:endParaRPr lang="en-CH" dirty="0">
+              <a:latin typeface="Neue Haas Grotesk Text Pro" panose="020B0504020202020204" pitchFamily="34" charset="0"/>
+            </a:endParaRPr>
+          </a:p>
+        </p:txBody>
+      </p:sp>
     </p:spTree>
     <p:extLst>
       <p:ext uri="{BB962C8B-B14F-4D97-AF65-F5344CB8AC3E}">
-        <p14:creationId xmlns:p14="http://schemas.microsoft.com/office/powerpoint/2010/main" val="3090749270"/>
+        <p14:creationId xmlns:p14="http://schemas.microsoft.com/office/powerpoint/2010/main" val="3202600460"/>
       </p:ext>
     </p:extLst>
   </p:cSld>
@@ -8133,4 +11302,319 @@
     </a:ext>
   </a:extLst>
 </a:theme>
+</file>
+
+<file path=ppt/theme/theme2.xml><?xml version="1.0" encoding="utf-8"?>
+<a:theme xmlns:a="http://schemas.openxmlformats.org/drawingml/2006/main" name="Office Theme">
+  <a:themeElements>
+    <a:clrScheme name="Office">
+      <a:dk1>
+        <a:sysClr val="windowText" lastClr="000000"/>
+      </a:dk1>
+      <a:lt1>
+        <a:sysClr val="window" lastClr="FFFFFF"/>
+      </a:lt1>
+      <a:dk2>
+        <a:srgbClr val="0E2841"/>
+      </a:dk2>
+      <a:lt2>
+        <a:srgbClr val="E8E8E8"/>
+      </a:lt2>
+      <a:accent1>
+        <a:srgbClr val="156082"/>
+      </a:accent1>
+      <a:accent2>
+        <a:srgbClr val="E97132"/>
+      </a:accent2>
+      <a:accent3>
+        <a:srgbClr val="196B24"/>
+      </a:accent3>
+      <a:accent4>
+        <a:srgbClr val="0F9ED5"/>
+      </a:accent4>
+      <a:accent5>
+        <a:srgbClr val="A02B93"/>
+      </a:accent5>
+      <a:accent6>
+        <a:srgbClr val="4EA72E"/>
+      </a:accent6>
+      <a:hlink>
+        <a:srgbClr val="467886"/>
+      </a:hlink>
+      <a:folHlink>
+        <a:srgbClr val="96607D"/>
+      </a:folHlink>
+    </a:clrScheme>
+    <a:fontScheme name="Office">
+      <a:majorFont>
+        <a:latin typeface="Aptos Display" panose="02110004020202020204"/>
+        <a:ea typeface=""/>
+        <a:cs typeface=""/>
+        <a:font script="Jpan" typeface="游ゴシック Light"/>
+        <a:font script="Hang" typeface="맑은 고딕"/>
+        <a:font script="Hans" typeface="等线 Light"/>
+        <a:font script="Hant" typeface="新細明體"/>
+        <a:font script="Arab" typeface="Times New Roman"/>
+        <a:font script="Hebr" typeface="Times New Roman"/>
+        <a:font script="Thai" typeface="Angsana New"/>
+        <a:font script="Ethi" typeface="Nyala"/>
+        <a:font script="Beng" typeface="Vrinda"/>
+        <a:font script="Gujr" typeface="Shruti"/>
+        <a:font script="Khmr" typeface="MoolBoran"/>
+        <a:font script="Knda" typeface="Tunga"/>
+        <a:font script="Guru" typeface="Raavi"/>
+        <a:font script="Cans" typeface="Euphemia"/>
+        <a:font script="Cher" typeface="Plantagenet Cherokee"/>
+        <a:font script="Yiii" typeface="Microsoft Yi Baiti"/>
+        <a:font script="Tibt" typeface="Microsoft Himalaya"/>
+        <a:font script="Thaa" typeface="MV Boli"/>
+        <a:font script="Deva" typeface="Mangal"/>
+        <a:font script="Telu" typeface="Gautami"/>
+        <a:font script="Taml" typeface="Latha"/>
+        <a:font script="Syrc" typeface="Estrangelo Edessa"/>
+        <a:font script="Orya" typeface="Kalinga"/>
+        <a:font script="Mlym" typeface="Kartika"/>
+        <a:font script="Laoo" typeface="DokChampa"/>
+        <a:font script="Sinh" typeface="Iskoola Pota"/>
+        <a:font script="Mong" typeface="Mongolian Baiti"/>
+        <a:font script="Viet" typeface="Times New Roman"/>
+        <a:font script="Uigh" typeface="Microsoft Uighur"/>
+        <a:font script="Geor" typeface="Sylfaen"/>
+        <a:font script="Armn" typeface="Arial"/>
+        <a:font script="Bugi" typeface="Leelawadee UI"/>
+        <a:font script="Bopo" typeface="Microsoft JhengHei"/>
+        <a:font script="Java" typeface="Javanese Text"/>
+        <a:font script="Lisu" typeface="Segoe UI"/>
+        <a:font script="Mymr" typeface="Myanmar Text"/>
+        <a:font script="Nkoo" typeface="Ebrima"/>
+        <a:font script="Olck" typeface="Nirmala UI"/>
+        <a:font script="Osma" typeface="Ebrima"/>
+        <a:font script="Phag" typeface="Phagspa"/>
+        <a:font script="Syrn" typeface="Estrangelo Edessa"/>
+        <a:font script="Syrj" typeface="Estrangelo Edessa"/>
+        <a:font script="Syre" typeface="Estrangelo Edessa"/>
+        <a:font script="Sora" typeface="Nirmala UI"/>
+        <a:font script="Tale" typeface="Microsoft Tai Le"/>
+        <a:font script="Talu" typeface="Microsoft New Tai Lue"/>
+        <a:font script="Tfng" typeface="Ebrima"/>
+      </a:majorFont>
+      <a:minorFont>
+        <a:latin typeface="Aptos" panose="02110004020202020204"/>
+        <a:ea typeface=""/>
+        <a:cs typeface=""/>
+        <a:font script="Jpan" typeface="游ゴシック"/>
+        <a:font script="Hang" typeface="맑은 고딕"/>
+        <a:font script="Hans" typeface="等线"/>
+        <a:font script="Hant" typeface="新細明體"/>
+        <a:font script="Arab" typeface="Arial"/>
+        <a:font script="Hebr" typeface="Arial"/>
+        <a:font script="Thai" typeface="Cordia New"/>
+        <a:font script="Ethi" typeface="Nyala"/>
+        <a:font script="Beng" typeface="Vrinda"/>
+        <a:font script="Gujr" typeface="Shruti"/>
+        <a:font script="Khmr" typeface="DaunPenh"/>
+        <a:font script="Knda" typeface="Tunga"/>
+        <a:font script="Guru" typeface="Raavi"/>
+        <a:font script="Cans" typeface="Euphemia"/>
+        <a:font script="Cher" typeface="Plantagenet Cherokee"/>
+        <a:font script="Yiii" typeface="Microsoft Yi Baiti"/>
+        <a:font script="Tibt" typeface="Microsoft Himalaya"/>
+        <a:font script="Thaa" typeface="MV Boli"/>
+        <a:font script="Deva" typeface="Mangal"/>
+        <a:font script="Telu" typeface="Gautami"/>
+        <a:font script="Taml" typeface="Latha"/>
+        <a:font script="Syrc" typeface="Estrangelo Edessa"/>
+        <a:font script="Orya" typeface="Kalinga"/>
+        <a:font script="Mlym" typeface="Kartika"/>
+        <a:font script="Laoo" typeface="DokChampa"/>
+        <a:font script="Sinh" typeface="Iskoola Pota"/>
+        <a:font script="Mong" typeface="Mongolian Baiti"/>
+        <a:font script="Viet" typeface="Arial"/>
+        <a:font script="Uigh" typeface="Microsoft Uighur"/>
+        <a:font script="Geor" typeface="Sylfaen"/>
+        <a:font script="Armn" typeface="Arial"/>
+        <a:font script="Bugi" typeface="Leelawadee UI"/>
+        <a:font script="Bopo" typeface="Microsoft JhengHei"/>
+        <a:font script="Java" typeface="Javanese Text"/>
+        <a:font script="Lisu" typeface="Segoe UI"/>
+        <a:font script="Mymr" typeface="Myanmar Text"/>
+        <a:font script="Nkoo" typeface="Ebrima"/>
+        <a:font script="Olck" typeface="Nirmala UI"/>
+        <a:font script="Osma" typeface="Ebrima"/>
+        <a:font script="Phag" typeface="Phagspa"/>
+        <a:font script="Syrn" typeface="Estrangelo Edessa"/>
+        <a:font script="Syrj" typeface="Estrangelo Edessa"/>
+        <a:font script="Syre" typeface="Estrangelo Edessa"/>
+        <a:font script="Sora" typeface="Nirmala UI"/>
+        <a:font script="Tale" typeface="Microsoft Tai Le"/>
+        <a:font script="Talu" typeface="Microsoft New Tai Lue"/>
+        <a:font script="Tfng" typeface="Ebrima"/>
+      </a:minorFont>
+    </a:fontScheme>
+    <a:fmtScheme name="Office">
+      <a:fillStyleLst>
+        <a:solidFill>
+          <a:schemeClr val="phClr"/>
+        </a:solidFill>
+        <a:gradFill rotWithShape="1">
+          <a:gsLst>
+            <a:gs pos="0">
+              <a:schemeClr val="phClr">
+                <a:lumMod val="110000"/>
+                <a:satMod val="105000"/>
+                <a:tint val="67000"/>
+              </a:schemeClr>
+            </a:gs>
+            <a:gs pos="50000">
+              <a:schemeClr val="phClr">
+                <a:lumMod val="105000"/>
+                <a:satMod val="103000"/>
+                <a:tint val="73000"/>
+              </a:schemeClr>
+            </a:gs>
+            <a:gs pos="100000">
+              <a:schemeClr val="phClr">
+                <a:lumMod val="105000"/>
+                <a:satMod val="109000"/>
+                <a:tint val="81000"/>
+              </a:schemeClr>
+            </a:gs>
+          </a:gsLst>
+          <a:lin ang="5400000" scaled="0"/>
+        </a:gradFill>
+        <a:gradFill rotWithShape="1">
+          <a:gsLst>
+            <a:gs pos="0">
+              <a:schemeClr val="phClr">
+                <a:satMod val="103000"/>
+                <a:lumMod val="102000"/>
+                <a:tint val="94000"/>
+              </a:schemeClr>
+            </a:gs>
+            <a:gs pos="50000">
+              <a:schemeClr val="phClr">
+                <a:satMod val="110000"/>
+                <a:lumMod val="100000"/>
+                <a:shade val="100000"/>
+              </a:schemeClr>
+            </a:gs>
+            <a:gs pos="100000">
+              <a:schemeClr val="phClr">
+                <a:lumMod val="99000"/>
+                <a:satMod val="120000"/>
+                <a:shade val="78000"/>
+              </a:schemeClr>
+            </a:gs>
+          </a:gsLst>
+          <a:lin ang="5400000" scaled="0"/>
+        </a:gradFill>
+      </a:fillStyleLst>
+      <a:lnStyleLst>
+        <a:ln w="12700" cap="flat" cmpd="sng" algn="ctr">
+          <a:solidFill>
+            <a:schemeClr val="phClr"/>
+          </a:solidFill>
+          <a:prstDash val="solid"/>
+          <a:miter lim="800000"/>
+        </a:ln>
+        <a:ln w="19050" cap="flat" cmpd="sng" algn="ctr">
+          <a:solidFill>
+            <a:schemeClr val="phClr"/>
+          </a:solidFill>
+          <a:prstDash val="solid"/>
+          <a:miter lim="800000"/>
+        </a:ln>
+        <a:ln w="25400" cap="flat" cmpd="sng" algn="ctr">
+          <a:solidFill>
+            <a:schemeClr val="phClr"/>
+          </a:solidFill>
+          <a:prstDash val="solid"/>
+          <a:miter lim="800000"/>
+        </a:ln>
+      </a:lnStyleLst>
+      <a:effectStyleLst>
+        <a:effectStyle>
+          <a:effectLst/>
+        </a:effectStyle>
+        <a:effectStyle>
+          <a:effectLst/>
+        </a:effectStyle>
+        <a:effectStyle>
+          <a:effectLst>
+            <a:outerShdw blurRad="57150" dist="19050" dir="5400000" algn="ctr" rotWithShape="0">
+              <a:srgbClr val="000000">
+                <a:alpha val="63000"/>
+              </a:srgbClr>
+            </a:outerShdw>
+          </a:effectLst>
+        </a:effectStyle>
+      </a:effectStyleLst>
+      <a:bgFillStyleLst>
+        <a:solidFill>
+          <a:schemeClr val="phClr"/>
+        </a:solidFill>
+        <a:solidFill>
+          <a:schemeClr val="phClr">
+            <a:tint val="95000"/>
+            <a:satMod val="170000"/>
+          </a:schemeClr>
+        </a:solidFill>
+        <a:gradFill rotWithShape="1">
+          <a:gsLst>
+            <a:gs pos="0">
+              <a:schemeClr val="phClr">
+                <a:tint val="93000"/>
+                <a:satMod val="150000"/>
+                <a:shade val="98000"/>
+                <a:lumMod val="102000"/>
+              </a:schemeClr>
+            </a:gs>
+            <a:gs pos="50000">
+              <a:schemeClr val="phClr">
+                <a:tint val="98000"/>
+                <a:satMod val="130000"/>
+                <a:shade val="90000"/>
+                <a:lumMod val="103000"/>
+              </a:schemeClr>
+            </a:gs>
+            <a:gs pos="100000">
+              <a:schemeClr val="phClr">
+                <a:shade val="63000"/>
+                <a:satMod val="120000"/>
+              </a:schemeClr>
+            </a:gs>
+          </a:gsLst>
+          <a:lin ang="5400000" scaled="0"/>
+        </a:gradFill>
+      </a:bgFillStyleLst>
+    </a:fmtScheme>
+  </a:themeElements>
+  <a:objectDefaults>
+    <a:lnDef>
+      <a:spPr/>
+      <a:bodyPr/>
+      <a:lstStyle/>
+      <a:style>
+        <a:lnRef idx="2">
+          <a:schemeClr val="accent1"/>
+        </a:lnRef>
+        <a:fillRef idx="0">
+          <a:schemeClr val="accent1"/>
+        </a:fillRef>
+        <a:effectRef idx="1">
+          <a:schemeClr val="accent1"/>
+        </a:effectRef>
+        <a:fontRef idx="minor">
+          <a:schemeClr val="tx1"/>
+        </a:fontRef>
+      </a:style>
+    </a:lnDef>
+  </a:objectDefaults>
+  <a:extraClrSchemeLst/>
+  <a:extLst>
+    <a:ext uri="{05A4C25C-085E-4340-85A3-A5531E510DB2}">
+      <thm15:themeFamily xmlns:thm15="http://schemas.microsoft.com/office/thememl/2012/main" name="Office Theme" id="{2E142A2C-CD16-42D6-873A-C26D2A0506FA}" vid="{1BDDFF52-6CD6-40A5-AB3C-68EB2F1E4D0A}"/>
+    </a:ext>
+  </a:extLst>
+</a:theme>
 </file>